--- a/EDA.pptx
+++ b/EDA.pptx
@@ -2,7 +2,7 @@
 <file path=ppt/presentation.xml><?xml version="1.0" encoding="utf-8"?>
 <p:presentation xmlns:a="http://schemas.openxmlformats.org/drawingml/2006/main" xmlns:r="http://schemas.openxmlformats.org/officeDocument/2006/relationships" xmlns:p="http://schemas.openxmlformats.org/presentationml/2006/main" saveSubsetFonts="1">
   <p:sldMasterIdLst>
-    <p:sldMasterId id="2147483672" r:id="rId4"/>
+    <p:sldMasterId id="2147483684" r:id="rId4"/>
   </p:sldMasterIdLst>
   <p:sldIdLst>
     <p:sldId id="256" r:id="rId5"/>
@@ -23,9 +23,9 @@
   <p:notesSz cx="6858000" cy="9144000"/>
   <p:defaultTextStyle>
     <a:defPPr>
-      <a:defRPr lang="en-US"/>
+      <a:defRPr lang="es-MX"/>
     </a:defPPr>
-    <a:lvl1pPr marL="0" algn="l" defTabSz="457200" rtl="0" eaLnBrk="1" latinLnBrk="0" hangingPunct="1">
+    <a:lvl1pPr marL="0" algn="l" defTabSz="914400" rtl="0" eaLnBrk="1" latinLnBrk="0" hangingPunct="1">
       <a:defRPr sz="1800" kern="1200">
         <a:solidFill>
           <a:schemeClr val="tx1"/>
@@ -35,7 +35,7 @@
         <a:cs typeface="+mn-cs"/>
       </a:defRPr>
     </a:lvl1pPr>
-    <a:lvl2pPr marL="457200" algn="l" defTabSz="457200" rtl="0" eaLnBrk="1" latinLnBrk="0" hangingPunct="1">
+    <a:lvl2pPr marL="457200" algn="l" defTabSz="914400" rtl="0" eaLnBrk="1" latinLnBrk="0" hangingPunct="1">
       <a:defRPr sz="1800" kern="1200">
         <a:solidFill>
           <a:schemeClr val="tx1"/>
@@ -45,7 +45,7 @@
         <a:cs typeface="+mn-cs"/>
       </a:defRPr>
     </a:lvl2pPr>
-    <a:lvl3pPr marL="914400" algn="l" defTabSz="457200" rtl="0" eaLnBrk="1" latinLnBrk="0" hangingPunct="1">
+    <a:lvl3pPr marL="914400" algn="l" defTabSz="914400" rtl="0" eaLnBrk="1" latinLnBrk="0" hangingPunct="1">
       <a:defRPr sz="1800" kern="1200">
         <a:solidFill>
           <a:schemeClr val="tx1"/>
@@ -55,7 +55,7 @@
         <a:cs typeface="+mn-cs"/>
       </a:defRPr>
     </a:lvl3pPr>
-    <a:lvl4pPr marL="1371600" algn="l" defTabSz="457200" rtl="0" eaLnBrk="1" latinLnBrk="0" hangingPunct="1">
+    <a:lvl4pPr marL="1371600" algn="l" defTabSz="914400" rtl="0" eaLnBrk="1" latinLnBrk="0" hangingPunct="1">
       <a:defRPr sz="1800" kern="1200">
         <a:solidFill>
           <a:schemeClr val="tx1"/>
@@ -65,7 +65,7 @@
         <a:cs typeface="+mn-cs"/>
       </a:defRPr>
     </a:lvl4pPr>
-    <a:lvl5pPr marL="1828800" algn="l" defTabSz="457200" rtl="0" eaLnBrk="1" latinLnBrk="0" hangingPunct="1">
+    <a:lvl5pPr marL="1828800" algn="l" defTabSz="914400" rtl="0" eaLnBrk="1" latinLnBrk="0" hangingPunct="1">
       <a:defRPr sz="1800" kern="1200">
         <a:solidFill>
           <a:schemeClr val="tx1"/>
@@ -75,7 +75,7 @@
         <a:cs typeface="+mn-cs"/>
       </a:defRPr>
     </a:lvl5pPr>
-    <a:lvl6pPr marL="2286000" algn="l" defTabSz="457200" rtl="0" eaLnBrk="1" latinLnBrk="0" hangingPunct="1">
+    <a:lvl6pPr marL="2286000" algn="l" defTabSz="914400" rtl="0" eaLnBrk="1" latinLnBrk="0" hangingPunct="1">
       <a:defRPr sz="1800" kern="1200">
         <a:solidFill>
           <a:schemeClr val="tx1"/>
@@ -85,7 +85,7 @@
         <a:cs typeface="+mn-cs"/>
       </a:defRPr>
     </a:lvl6pPr>
-    <a:lvl7pPr marL="2743200" algn="l" defTabSz="457200" rtl="0" eaLnBrk="1" latinLnBrk="0" hangingPunct="1">
+    <a:lvl7pPr marL="2743200" algn="l" defTabSz="914400" rtl="0" eaLnBrk="1" latinLnBrk="0" hangingPunct="1">
       <a:defRPr sz="1800" kern="1200">
         <a:solidFill>
           <a:schemeClr val="tx1"/>
@@ -95,7 +95,7 @@
         <a:cs typeface="+mn-cs"/>
       </a:defRPr>
     </a:lvl7pPr>
-    <a:lvl8pPr marL="3200400" algn="l" defTabSz="457200" rtl="0" eaLnBrk="1" latinLnBrk="0" hangingPunct="1">
+    <a:lvl8pPr marL="3200400" algn="l" defTabSz="914400" rtl="0" eaLnBrk="1" latinLnBrk="0" hangingPunct="1">
       <a:defRPr sz="1800" kern="1200">
         <a:solidFill>
           <a:schemeClr val="tx1"/>
@@ -105,7 +105,7 @@
         <a:cs typeface="+mn-cs"/>
       </a:defRPr>
     </a:lvl8pPr>
-    <a:lvl9pPr marL="3657600" algn="l" defTabSz="457200" rtl="0" eaLnBrk="1" latinLnBrk="0" hangingPunct="1">
+    <a:lvl9pPr marL="3657600" algn="l" defTabSz="914400" rtl="0" eaLnBrk="1" latinLnBrk="0" hangingPunct="1">
       <a:defRPr sz="1800" kern="1200">
         <a:solidFill>
           <a:schemeClr val="tx1"/>
@@ -125,7 +125,7 @@
 </file>
 
 <file path=ppt/slideLayouts/slideLayout1.xml><?xml version="1.0" encoding="utf-8"?>
-<p:sldLayout xmlns:a="http://schemas.openxmlformats.org/drawingml/2006/main" xmlns:r="http://schemas.openxmlformats.org/officeDocument/2006/relationships" xmlns:p="http://schemas.openxmlformats.org/presentationml/2006/main" showMasterSp="0" type="title" preserve="1">
+<p:sldLayout xmlns:a="http://schemas.openxmlformats.org/drawingml/2006/main" xmlns:r="http://schemas.openxmlformats.org/officeDocument/2006/relationships" xmlns:p="http://schemas.openxmlformats.org/presentationml/2006/main" type="title" preserve="1">
   <p:cSld name="Diapositiva de título">
     <p:spTree>
       <p:nvGrpSpPr>
@@ -143,185 +143,102 @@
       </p:grpSpPr>
       <p:sp>
         <p:nvSpPr>
-          <p:cNvPr id="7" name="Rectangle 6"/>
-          <p:cNvSpPr/>
-          <p:nvPr/>
+          <p:cNvPr id="2" name="Título 1">
+            <a:extLst>
+              <a:ext uri="{FF2B5EF4-FFF2-40B4-BE49-F238E27FC236}">
+                <a16:creationId xmlns:a16="http://schemas.microsoft.com/office/drawing/2014/main" id="{B529AB49-B664-D150-5455-9453AB7431E8}"/>
+              </a:ext>
+            </a:extLst>
+          </p:cNvPr>
+          <p:cNvSpPr>
+            <a:spLocks noGrp="1"/>
+          </p:cNvSpPr>
+          <p:nvPr>
+            <p:ph type="ctrTitle"/>
+          </p:nvPr>
         </p:nvSpPr>
         <p:spPr>
           <a:xfrm>
-            <a:off x="3175" y="6400800"/>
-            <a:ext cx="12188825" cy="457200"/>
+            <a:off x="1524000" y="1122363"/>
+            <a:ext cx="9144000" cy="2387600"/>
           </a:xfrm>
-          <a:prstGeom prst="rect">
-            <a:avLst/>
-          </a:prstGeom>
-          <a:solidFill>
-            <a:schemeClr val="accent2"/>
-          </a:solidFill>
-          <a:ln>
-            <a:noFill/>
-          </a:ln>
         </p:spPr>
-        <p:style>
-          <a:lnRef idx="2">
-            <a:schemeClr val="accent1">
-              <a:shade val="50000"/>
-            </a:schemeClr>
-          </a:lnRef>
-          <a:fillRef idx="1">
-            <a:schemeClr val="accent1"/>
-          </a:fillRef>
-          <a:effectRef idx="0">
-            <a:schemeClr val="accent1"/>
-          </a:effectRef>
-          <a:fontRef idx="minor">
-            <a:schemeClr val="lt1"/>
-          </a:fontRef>
-        </p:style>
-      </p:sp>
-      <p:sp>
-        <p:nvSpPr>
-          <p:cNvPr id="8" name="Rectangle 7"/>
-          <p:cNvSpPr/>
-          <p:nvPr/>
+        <p:txBody>
+          <a:bodyPr anchor="b"/>
+          <a:lstStyle>
+            <a:lvl1pPr algn="ctr">
+              <a:defRPr sz="6000"/>
+            </a:lvl1pPr>
+          </a:lstStyle>
+          <a:p>
+            <a:r>
+              <a:rPr lang="es-ES"/>
+              <a:t>Haga clic para modificar el estilo de título del patrón</a:t>
+            </a:r>
+            <a:endParaRPr lang="es-MX"/>
+          </a:p>
+        </p:txBody>
+      </p:sp>
+      <p:sp>
+        <p:nvSpPr>
+          <p:cNvPr id="3" name="Subtítulo 2">
+            <a:extLst>
+              <a:ext uri="{FF2B5EF4-FFF2-40B4-BE49-F238E27FC236}">
+                <a16:creationId xmlns:a16="http://schemas.microsoft.com/office/drawing/2014/main" id="{962D9DEC-0B19-BF10-64FC-FC77406ACF89}"/>
+              </a:ext>
+            </a:extLst>
+          </p:cNvPr>
+          <p:cNvSpPr>
+            <a:spLocks noGrp="1"/>
+          </p:cNvSpPr>
+          <p:nvPr>
+            <p:ph type="subTitle" idx="1"/>
+          </p:nvPr>
         </p:nvSpPr>
         <p:spPr>
           <a:xfrm>
-            <a:off x="15" y="6334316"/>
-            <a:ext cx="12188825" cy="64008"/>
-          </a:xfrm>
-          <a:prstGeom prst="rect">
-            <a:avLst/>
-          </a:prstGeom>
-          <a:solidFill>
-            <a:schemeClr val="accent1"/>
-          </a:solidFill>
-          <a:ln>
-            <a:noFill/>
-          </a:ln>
-        </p:spPr>
-        <p:style>
-          <a:lnRef idx="2">
-            <a:schemeClr val="accent1">
-              <a:shade val="50000"/>
-            </a:schemeClr>
-          </a:lnRef>
-          <a:fillRef idx="1">
-            <a:schemeClr val="accent1"/>
-          </a:fillRef>
-          <a:effectRef idx="0">
-            <a:schemeClr val="accent1"/>
-          </a:effectRef>
-          <a:fontRef idx="minor">
-            <a:schemeClr val="lt1"/>
-          </a:fontRef>
-        </p:style>
-      </p:sp>
-      <p:sp>
-        <p:nvSpPr>
-          <p:cNvPr id="2" name="Title 1"/>
-          <p:cNvSpPr>
-            <a:spLocks noGrp="1"/>
-          </p:cNvSpPr>
-          <p:nvPr>
-            <p:ph type="ctrTitle"/>
-          </p:nvPr>
-        </p:nvSpPr>
-        <p:spPr>
-          <a:xfrm>
-            <a:off x="1097280" y="758952"/>
-            <a:ext cx="10058400" cy="3566160"/>
+            <a:off x="1524000" y="3602038"/>
+            <a:ext cx="9144000" cy="1655762"/>
           </a:xfrm>
         </p:spPr>
         <p:txBody>
-          <a:bodyPr anchor="b">
-            <a:normAutofit/>
-          </a:bodyPr>
+          <a:bodyPr/>
           <a:lstStyle>
-            <a:lvl1pPr algn="l">
-              <a:lnSpc>
-                <a:spcPct val="85000"/>
-              </a:lnSpc>
-              <a:defRPr sz="8000" spc="-50" baseline="0">
-                <a:solidFill>
-                  <a:schemeClr val="tx1">
-                    <a:lumMod val="85000"/>
-                    <a:lumOff val="15000"/>
-                  </a:schemeClr>
-                </a:solidFill>
-              </a:defRPr>
-            </a:lvl1pPr>
-          </a:lstStyle>
-          <a:p>
-            <a:r>
-              <a:rPr lang="es-ES"/>
-              <a:t>Haga clic para modificar el estilo de título del patrón</a:t>
-            </a:r>
-            <a:endParaRPr lang="en-US" dirty="0"/>
-          </a:p>
-        </p:txBody>
-      </p:sp>
-      <p:sp>
-        <p:nvSpPr>
-          <p:cNvPr id="3" name="Subtitle 2"/>
-          <p:cNvSpPr>
-            <a:spLocks noGrp="1"/>
-          </p:cNvSpPr>
-          <p:nvPr>
-            <p:ph type="subTitle" idx="1"/>
-          </p:nvPr>
-        </p:nvSpPr>
-        <p:spPr>
-          <a:xfrm>
-            <a:off x="1100051" y="4455620"/>
-            <a:ext cx="10058400" cy="1143000"/>
-          </a:xfrm>
-        </p:spPr>
-        <p:txBody>
-          <a:bodyPr lIns="91440" rIns="91440">
-            <a:normAutofit/>
-          </a:bodyPr>
-          <a:lstStyle>
-            <a:lvl1pPr marL="0" indent="0" algn="l">
+            <a:lvl1pPr marL="0" indent="0" algn="ctr">
               <a:buNone/>
-              <a:defRPr sz="2400" cap="all" spc="200" baseline="0">
-                <a:solidFill>
-                  <a:schemeClr val="tx2"/>
-                </a:solidFill>
-                <a:latin typeface="+mj-lt"/>
-              </a:defRPr>
+              <a:defRPr sz="2400"/>
             </a:lvl1pPr>
             <a:lvl2pPr marL="457200" indent="0" algn="ctr">
               <a:buNone/>
-              <a:defRPr sz="2400"/>
+              <a:defRPr sz="2000"/>
             </a:lvl2pPr>
             <a:lvl3pPr marL="914400" indent="0" algn="ctr">
               <a:buNone/>
-              <a:defRPr sz="2400"/>
+              <a:defRPr sz="1800"/>
             </a:lvl3pPr>
             <a:lvl4pPr marL="1371600" indent="0" algn="ctr">
               <a:buNone/>
-              <a:defRPr sz="2000"/>
+              <a:defRPr sz="1600"/>
             </a:lvl4pPr>
             <a:lvl5pPr marL="1828800" indent="0" algn="ctr">
               <a:buNone/>
-              <a:defRPr sz="2000"/>
+              <a:defRPr sz="1600"/>
             </a:lvl5pPr>
             <a:lvl6pPr marL="2286000" indent="0" algn="ctr">
               <a:buNone/>
-              <a:defRPr sz="2000"/>
+              <a:defRPr sz="1600"/>
             </a:lvl6pPr>
             <a:lvl7pPr marL="2743200" indent="0" algn="ctr">
               <a:buNone/>
-              <a:defRPr sz="2000"/>
+              <a:defRPr sz="1600"/>
             </a:lvl7pPr>
             <a:lvl8pPr marL="3200400" indent="0" algn="ctr">
               <a:buNone/>
-              <a:defRPr sz="2000"/>
+              <a:defRPr sz="1600"/>
             </a:lvl8pPr>
             <a:lvl9pPr marL="3657600" indent="0" algn="ctr">
               <a:buNone/>
-              <a:defRPr sz="2000"/>
+              <a:defRPr sz="1600"/>
             </a:lvl9pPr>
           </a:lstStyle>
           <a:p>
@@ -329,13 +246,19 @@
               <a:rPr lang="es-ES"/>
               <a:t>Haga clic para modificar el estilo de subtítulo del patrón</a:t>
             </a:r>
-            <a:endParaRPr lang="en-US" dirty="0"/>
-          </a:p>
-        </p:txBody>
-      </p:sp>
-      <p:sp>
-        <p:nvSpPr>
-          <p:cNvPr id="4" name="Date Placeholder 3"/>
+            <a:endParaRPr lang="es-MX"/>
+          </a:p>
+        </p:txBody>
+      </p:sp>
+      <p:sp>
+        <p:nvSpPr>
+          <p:cNvPr id="4" name="Marcador de fecha 3">
+            <a:extLst>
+              <a:ext uri="{FF2B5EF4-FFF2-40B4-BE49-F238E27FC236}">
+                <a16:creationId xmlns:a16="http://schemas.microsoft.com/office/drawing/2014/main" id="{E1279892-467F-846E-F565-48EE3D39810B}"/>
+              </a:ext>
+            </a:extLst>
+          </p:cNvPr>
           <p:cNvSpPr>
             <a:spLocks noGrp="1"/>
           </p:cNvSpPr>
@@ -358,7 +281,13 @@
       </p:sp>
       <p:sp>
         <p:nvSpPr>
-          <p:cNvPr id="5" name="Footer Placeholder 4"/>
+          <p:cNvPr id="5" name="Marcador de pie de página 4">
+            <a:extLst>
+              <a:ext uri="{FF2B5EF4-FFF2-40B4-BE49-F238E27FC236}">
+                <a16:creationId xmlns:a16="http://schemas.microsoft.com/office/drawing/2014/main" id="{C56DF349-D74F-2A20-9BAD-8F3B082CFE33}"/>
+              </a:ext>
+            </a:extLst>
+          </p:cNvPr>
           <p:cNvSpPr>
             <a:spLocks noGrp="1"/>
           </p:cNvSpPr>
@@ -377,7 +306,13 @@
       </p:sp>
       <p:sp>
         <p:nvSpPr>
-          <p:cNvPr id="6" name="Slide Number Placeholder 5"/>
+          <p:cNvPr id="6" name="Marcador de número de diapositiva 5">
+            <a:extLst>
+              <a:ext uri="{FF2B5EF4-FFF2-40B4-BE49-F238E27FC236}">
+                <a16:creationId xmlns:a16="http://schemas.microsoft.com/office/drawing/2014/main" id="{F48D68F7-D946-1CD8-D7E0-FC8B72C35BE3}"/>
+              </a:ext>
+            </a:extLst>
+          </p:cNvPr>
           <p:cNvSpPr>
             <a:spLocks noGrp="1"/>
           </p:cNvSpPr>
@@ -398,48 +333,10 @@
           </a:p>
         </p:txBody>
       </p:sp>
-      <p:cxnSp>
-        <p:nvCxnSpPr>
-          <p:cNvPr id="9" name="Straight Connector 8"/>
-          <p:cNvCxnSpPr/>
-          <p:nvPr/>
-        </p:nvCxnSpPr>
-        <p:spPr>
-          <a:xfrm>
-            <a:off x="1207658" y="4343400"/>
-            <a:ext cx="9875520" cy="0"/>
-          </a:xfrm>
-          <a:prstGeom prst="line">
-            <a:avLst/>
-          </a:prstGeom>
-          <a:ln w="6350">
-            <a:solidFill>
-              <a:schemeClr val="tx1">
-                <a:lumMod val="50000"/>
-                <a:lumOff val="50000"/>
-              </a:schemeClr>
-            </a:solidFill>
-          </a:ln>
-        </p:spPr>
-        <p:style>
-          <a:lnRef idx="1">
-            <a:schemeClr val="accent1"/>
-          </a:lnRef>
-          <a:fillRef idx="0">
-            <a:schemeClr val="accent1"/>
-          </a:fillRef>
-          <a:effectRef idx="0">
-            <a:schemeClr val="accent1"/>
-          </a:effectRef>
-          <a:fontRef idx="minor">
-            <a:schemeClr val="tx1"/>
-          </a:fontRef>
-        </p:style>
-      </p:cxnSp>
     </p:spTree>
     <p:extLst>
       <p:ext uri="{BB962C8B-B14F-4D97-AF65-F5344CB8AC3E}">
-        <p14:creationId xmlns:p14="http://schemas.microsoft.com/office/powerpoint/2010/main" val="4144874527"/>
+        <p14:creationId xmlns:p14="http://schemas.microsoft.com/office/powerpoint/2010/main" val="1523515096"/>
       </p:ext>
     </p:extLst>
   </p:cSld>
@@ -468,7 +365,13 @@
       </p:grpSpPr>
       <p:sp>
         <p:nvSpPr>
-          <p:cNvPr id="2" name="Title 1"/>
+          <p:cNvPr id="2" name="Título 1">
+            <a:extLst>
+              <a:ext uri="{FF2B5EF4-FFF2-40B4-BE49-F238E27FC236}">
+                <a16:creationId xmlns:a16="http://schemas.microsoft.com/office/drawing/2014/main" id="{F6E9A537-B233-4469-34EE-AC7560A47CB2}"/>
+              </a:ext>
+            </a:extLst>
+          </p:cNvPr>
           <p:cNvSpPr>
             <a:spLocks noGrp="1"/>
           </p:cNvSpPr>
@@ -485,13 +388,19 @@
               <a:rPr lang="es-ES"/>
               <a:t>Haga clic para modificar el estilo de título del patrón</a:t>
             </a:r>
-            <a:endParaRPr lang="en-US" dirty="0"/>
-          </a:p>
-        </p:txBody>
-      </p:sp>
-      <p:sp>
-        <p:nvSpPr>
-          <p:cNvPr id="3" name="Vertical Text Placeholder 2"/>
+            <a:endParaRPr lang="es-MX"/>
+          </a:p>
+        </p:txBody>
+      </p:sp>
+      <p:sp>
+        <p:nvSpPr>
+          <p:cNvPr id="3" name="Marcador de texto vertical 2">
+            <a:extLst>
+              <a:ext uri="{FF2B5EF4-FFF2-40B4-BE49-F238E27FC236}">
+                <a16:creationId xmlns:a16="http://schemas.microsoft.com/office/drawing/2014/main" id="{F3544857-4629-EDCE-54EC-A253A9500FE3}"/>
+              </a:ext>
+            </a:extLst>
+          </p:cNvPr>
           <p:cNvSpPr>
             <a:spLocks noGrp="1"/>
           </p:cNvSpPr>
@@ -501,7 +410,7 @@
         </p:nvSpPr>
         <p:spPr/>
         <p:txBody>
-          <a:bodyPr vert="eaVert" lIns="45720" tIns="0" rIns="45720" bIns="0"/>
+          <a:bodyPr vert="eaVert"/>
           <a:lstStyle/>
           <a:p>
             <a:pPr lvl="0"/>
@@ -537,13 +446,19 @@
               <a:rPr lang="es-ES"/>
               <a:t>Quinto nivel</a:t>
             </a:r>
-            <a:endParaRPr lang="en-US" dirty="0"/>
-          </a:p>
-        </p:txBody>
-      </p:sp>
-      <p:sp>
-        <p:nvSpPr>
-          <p:cNvPr id="4" name="Date Placeholder 3"/>
+            <a:endParaRPr lang="es-MX"/>
+          </a:p>
+        </p:txBody>
+      </p:sp>
+      <p:sp>
+        <p:nvSpPr>
+          <p:cNvPr id="4" name="Marcador de fecha 3">
+            <a:extLst>
+              <a:ext uri="{FF2B5EF4-FFF2-40B4-BE49-F238E27FC236}">
+                <a16:creationId xmlns:a16="http://schemas.microsoft.com/office/drawing/2014/main" id="{2500CDA7-037A-1A98-7178-34E47417A078}"/>
+              </a:ext>
+            </a:extLst>
+          </p:cNvPr>
           <p:cNvSpPr>
             <a:spLocks noGrp="1"/>
           </p:cNvSpPr>
@@ -566,7 +481,13 @@
       </p:sp>
       <p:sp>
         <p:nvSpPr>
-          <p:cNvPr id="5" name="Footer Placeholder 4"/>
+          <p:cNvPr id="5" name="Marcador de pie de página 4">
+            <a:extLst>
+              <a:ext uri="{FF2B5EF4-FFF2-40B4-BE49-F238E27FC236}">
+                <a16:creationId xmlns:a16="http://schemas.microsoft.com/office/drawing/2014/main" id="{1FE33136-92A6-FA28-FCD8-A798762E7784}"/>
+              </a:ext>
+            </a:extLst>
+          </p:cNvPr>
           <p:cNvSpPr>
             <a:spLocks noGrp="1"/>
           </p:cNvSpPr>
@@ -585,7 +506,13 @@
       </p:sp>
       <p:sp>
         <p:nvSpPr>
-          <p:cNvPr id="6" name="Slide Number Placeholder 5"/>
+          <p:cNvPr id="6" name="Marcador de número de diapositiva 5">
+            <a:extLst>
+              <a:ext uri="{FF2B5EF4-FFF2-40B4-BE49-F238E27FC236}">
+                <a16:creationId xmlns:a16="http://schemas.microsoft.com/office/drawing/2014/main" id="{47EAC515-3295-7A53-7821-BF7A8BE92FA7}"/>
+              </a:ext>
+            </a:extLst>
+          </p:cNvPr>
           <p:cNvSpPr>
             <a:spLocks noGrp="1"/>
           </p:cNvSpPr>
@@ -609,7 +536,7 @@
     </p:spTree>
     <p:extLst>
       <p:ext uri="{BB962C8B-B14F-4D97-AF65-F5344CB8AC3E}">
-        <p14:creationId xmlns:p14="http://schemas.microsoft.com/office/powerpoint/2010/main" val="768426987"/>
+        <p14:creationId xmlns:p14="http://schemas.microsoft.com/office/powerpoint/2010/main" val="1907019107"/>
       </p:ext>
     </p:extLst>
   </p:cSld>
@@ -620,7 +547,7 @@
 </file>
 
 <file path=ppt/slideLayouts/slideLayout11.xml><?xml version="1.0" encoding="utf-8"?>
-<p:sldLayout xmlns:a="http://schemas.openxmlformats.org/drawingml/2006/main" xmlns:r="http://schemas.openxmlformats.org/officeDocument/2006/relationships" xmlns:p="http://schemas.openxmlformats.org/presentationml/2006/main" showMasterSp="0" type="vertTitleAndTx" preserve="1">
+<p:sldLayout xmlns:a="http://schemas.openxmlformats.org/drawingml/2006/main" xmlns:r="http://schemas.openxmlformats.org/officeDocument/2006/relationships" xmlns:p="http://schemas.openxmlformats.org/presentationml/2006/main" type="vertTitleAndTx" preserve="1">
   <p:cSld name="Título vertical y texto">
     <p:spTree>
       <p:nvGrpSpPr>
@@ -638,128 +565,64 @@
       </p:grpSpPr>
       <p:sp>
         <p:nvSpPr>
-          <p:cNvPr id="7" name="Rectangle 6"/>
-          <p:cNvSpPr/>
-          <p:nvPr/>
+          <p:cNvPr id="2" name="Título vertical 1">
+            <a:extLst>
+              <a:ext uri="{FF2B5EF4-FFF2-40B4-BE49-F238E27FC236}">
+                <a16:creationId xmlns:a16="http://schemas.microsoft.com/office/drawing/2014/main" id="{FC9D8750-5E2A-9DA6-0AF2-7EC0502D5C78}"/>
+              </a:ext>
+            </a:extLst>
+          </p:cNvPr>
+          <p:cNvSpPr>
+            <a:spLocks noGrp="1"/>
+          </p:cNvSpPr>
+          <p:nvPr>
+            <p:ph type="title" orient="vert"/>
+          </p:nvPr>
         </p:nvSpPr>
         <p:spPr>
           <a:xfrm>
-            <a:off x="3175" y="6400800"/>
-            <a:ext cx="12188825" cy="457200"/>
+            <a:off x="8724900" y="365125"/>
+            <a:ext cx="2628900" cy="5811838"/>
           </a:xfrm>
-          <a:prstGeom prst="rect">
-            <a:avLst/>
-          </a:prstGeom>
-          <a:solidFill>
-            <a:schemeClr val="accent2"/>
-          </a:solidFill>
-          <a:ln>
-            <a:noFill/>
-          </a:ln>
         </p:spPr>
-        <p:style>
-          <a:lnRef idx="2">
-            <a:schemeClr val="accent1">
-              <a:shade val="50000"/>
-            </a:schemeClr>
-          </a:lnRef>
-          <a:fillRef idx="1">
-            <a:schemeClr val="accent1"/>
-          </a:fillRef>
-          <a:effectRef idx="0">
-            <a:schemeClr val="accent1"/>
-          </a:effectRef>
-          <a:fontRef idx="minor">
-            <a:schemeClr val="lt1"/>
-          </a:fontRef>
-        </p:style>
-      </p:sp>
-      <p:sp>
-        <p:nvSpPr>
-          <p:cNvPr id="8" name="Rectangle 7"/>
-          <p:cNvSpPr/>
-          <p:nvPr/>
+        <p:txBody>
+          <a:bodyPr vert="eaVert"/>
+          <a:lstStyle/>
+          <a:p>
+            <a:r>
+              <a:rPr lang="es-ES"/>
+              <a:t>Haga clic para modificar el estilo de título del patrón</a:t>
+            </a:r>
+            <a:endParaRPr lang="es-MX"/>
+          </a:p>
+        </p:txBody>
+      </p:sp>
+      <p:sp>
+        <p:nvSpPr>
+          <p:cNvPr id="3" name="Marcador de texto vertical 2">
+            <a:extLst>
+              <a:ext uri="{FF2B5EF4-FFF2-40B4-BE49-F238E27FC236}">
+                <a16:creationId xmlns:a16="http://schemas.microsoft.com/office/drawing/2014/main" id="{4756AAF3-841F-2B23-CBEA-1037A9C30495}"/>
+              </a:ext>
+            </a:extLst>
+          </p:cNvPr>
+          <p:cNvSpPr>
+            <a:spLocks noGrp="1"/>
+          </p:cNvSpPr>
+          <p:nvPr>
+            <p:ph type="body" orient="vert" idx="1"/>
+          </p:nvPr>
         </p:nvSpPr>
         <p:spPr>
           <a:xfrm>
-            <a:off x="15" y="6334316"/>
-            <a:ext cx="12188825" cy="64008"/>
-          </a:xfrm>
-          <a:prstGeom prst="rect">
-            <a:avLst/>
-          </a:prstGeom>
-          <a:solidFill>
-            <a:schemeClr val="accent1"/>
-          </a:solidFill>
-          <a:ln>
-            <a:noFill/>
-          </a:ln>
-        </p:spPr>
-        <p:style>
-          <a:lnRef idx="2">
-            <a:schemeClr val="accent1">
-              <a:shade val="50000"/>
-            </a:schemeClr>
-          </a:lnRef>
-          <a:fillRef idx="1">
-            <a:schemeClr val="accent1"/>
-          </a:fillRef>
-          <a:effectRef idx="0">
-            <a:schemeClr val="accent1"/>
-          </a:effectRef>
-          <a:fontRef idx="minor">
-            <a:schemeClr val="lt1"/>
-          </a:fontRef>
-        </p:style>
-      </p:sp>
-      <p:sp>
-        <p:nvSpPr>
-          <p:cNvPr id="2" name="Vertical Title 1"/>
-          <p:cNvSpPr>
-            <a:spLocks noGrp="1"/>
-          </p:cNvSpPr>
-          <p:nvPr>
-            <p:ph type="title" orient="vert"/>
-          </p:nvPr>
-        </p:nvSpPr>
-        <p:spPr>
-          <a:xfrm>
-            <a:off x="8724900" y="414778"/>
-            <a:ext cx="2628900" cy="5757421"/>
+            <a:off x="838200" y="365125"/>
+            <a:ext cx="7734300" cy="5811838"/>
           </a:xfrm>
         </p:spPr>
         <p:txBody>
           <a:bodyPr vert="eaVert"/>
           <a:lstStyle/>
           <a:p>
-            <a:r>
-              <a:rPr lang="es-ES"/>
-              <a:t>Haga clic para modificar el estilo de título del patrón</a:t>
-            </a:r>
-            <a:endParaRPr lang="en-US" dirty="0"/>
-          </a:p>
-        </p:txBody>
-      </p:sp>
-      <p:sp>
-        <p:nvSpPr>
-          <p:cNvPr id="3" name="Vertical Text Placeholder 2"/>
-          <p:cNvSpPr>
-            <a:spLocks noGrp="1"/>
-          </p:cNvSpPr>
-          <p:nvPr>
-            <p:ph type="body" orient="vert" idx="1"/>
-          </p:nvPr>
-        </p:nvSpPr>
-        <p:spPr>
-          <a:xfrm>
-            <a:off x="838200" y="414778"/>
-            <a:ext cx="7734300" cy="5757422"/>
-          </a:xfrm>
-        </p:spPr>
-        <p:txBody>
-          <a:bodyPr vert="eaVert" lIns="45720" tIns="0" rIns="45720" bIns="0"/>
-          <a:lstStyle/>
-          <a:p>
             <a:pPr lvl="0"/>
             <a:r>
               <a:rPr lang="es-ES"/>
@@ -793,13 +656,19 @@
               <a:rPr lang="es-ES"/>
               <a:t>Quinto nivel</a:t>
             </a:r>
-            <a:endParaRPr lang="en-US" dirty="0"/>
-          </a:p>
-        </p:txBody>
-      </p:sp>
-      <p:sp>
-        <p:nvSpPr>
-          <p:cNvPr id="4" name="Date Placeholder 3"/>
+            <a:endParaRPr lang="es-MX"/>
+          </a:p>
+        </p:txBody>
+      </p:sp>
+      <p:sp>
+        <p:nvSpPr>
+          <p:cNvPr id="4" name="Marcador de fecha 3">
+            <a:extLst>
+              <a:ext uri="{FF2B5EF4-FFF2-40B4-BE49-F238E27FC236}">
+                <a16:creationId xmlns:a16="http://schemas.microsoft.com/office/drawing/2014/main" id="{FCB554D1-3F55-0FCB-673E-4AA2FFD45BEF}"/>
+              </a:ext>
+            </a:extLst>
+          </p:cNvPr>
           <p:cNvSpPr>
             <a:spLocks noGrp="1"/>
           </p:cNvSpPr>
@@ -822,7 +691,13 @@
       </p:sp>
       <p:sp>
         <p:nvSpPr>
-          <p:cNvPr id="5" name="Footer Placeholder 4"/>
+          <p:cNvPr id="5" name="Marcador de pie de página 4">
+            <a:extLst>
+              <a:ext uri="{FF2B5EF4-FFF2-40B4-BE49-F238E27FC236}">
+                <a16:creationId xmlns:a16="http://schemas.microsoft.com/office/drawing/2014/main" id="{D79A945D-CC59-ECA3-E356-6BD4175BDB2B}"/>
+              </a:ext>
+            </a:extLst>
+          </p:cNvPr>
           <p:cNvSpPr>
             <a:spLocks noGrp="1"/>
           </p:cNvSpPr>
@@ -841,7 +716,13 @@
       </p:sp>
       <p:sp>
         <p:nvSpPr>
-          <p:cNvPr id="6" name="Slide Number Placeholder 5"/>
+          <p:cNvPr id="6" name="Marcador de número de diapositiva 5">
+            <a:extLst>
+              <a:ext uri="{FF2B5EF4-FFF2-40B4-BE49-F238E27FC236}">
+                <a16:creationId xmlns:a16="http://schemas.microsoft.com/office/drawing/2014/main" id="{FB68DBB5-ABB5-F89A-29D7-2383C100F7D9}"/>
+              </a:ext>
+            </a:extLst>
+          </p:cNvPr>
           <p:cNvSpPr>
             <a:spLocks noGrp="1"/>
           </p:cNvSpPr>
@@ -865,7 +746,7 @@
     </p:spTree>
     <p:extLst>
       <p:ext uri="{BB962C8B-B14F-4D97-AF65-F5344CB8AC3E}">
-        <p14:creationId xmlns:p14="http://schemas.microsoft.com/office/powerpoint/2010/main" val="702426769"/>
+        <p14:creationId xmlns:p14="http://schemas.microsoft.com/office/powerpoint/2010/main" val="235446233"/>
       </p:ext>
     </p:extLst>
   </p:cSld>
@@ -894,7 +775,13 @@
       </p:grpSpPr>
       <p:sp>
         <p:nvSpPr>
-          <p:cNvPr id="2" name="Title 1"/>
+          <p:cNvPr id="2" name="Título 1">
+            <a:extLst>
+              <a:ext uri="{FF2B5EF4-FFF2-40B4-BE49-F238E27FC236}">
+                <a16:creationId xmlns:a16="http://schemas.microsoft.com/office/drawing/2014/main" id="{03769351-479E-CD02-95D3-79B662D18592}"/>
+              </a:ext>
+            </a:extLst>
+          </p:cNvPr>
           <p:cNvSpPr>
             <a:spLocks noGrp="1"/>
           </p:cNvSpPr>
@@ -905,23 +792,25 @@
         <p:spPr/>
         <p:txBody>
           <a:bodyPr/>
-          <a:lstStyle>
-            <a:lvl1pPr marL="0">
-              <a:defRPr/>
-            </a:lvl1pPr>
-          </a:lstStyle>
+          <a:lstStyle/>
           <a:p>
             <a:r>
               <a:rPr lang="es-ES"/>
               <a:t>Haga clic para modificar el estilo de título del patrón</a:t>
             </a:r>
-            <a:endParaRPr lang="en-US" dirty="0"/>
-          </a:p>
-        </p:txBody>
-      </p:sp>
-      <p:sp>
-        <p:nvSpPr>
-          <p:cNvPr id="3" name="Content Placeholder 2"/>
+            <a:endParaRPr lang="es-MX"/>
+          </a:p>
+        </p:txBody>
+      </p:sp>
+      <p:sp>
+        <p:nvSpPr>
+          <p:cNvPr id="3" name="Marcador de contenido 2">
+            <a:extLst>
+              <a:ext uri="{FF2B5EF4-FFF2-40B4-BE49-F238E27FC236}">
+                <a16:creationId xmlns:a16="http://schemas.microsoft.com/office/drawing/2014/main" id="{28B0DE7A-27B4-9177-02DF-553A8EE82104}"/>
+              </a:ext>
+            </a:extLst>
+          </p:cNvPr>
           <p:cNvSpPr>
             <a:spLocks noGrp="1"/>
           </p:cNvSpPr>
@@ -967,13 +856,19 @@
               <a:rPr lang="es-ES"/>
               <a:t>Quinto nivel</a:t>
             </a:r>
-            <a:endParaRPr lang="en-US" dirty="0"/>
-          </a:p>
-        </p:txBody>
-      </p:sp>
-      <p:sp>
-        <p:nvSpPr>
-          <p:cNvPr id="4" name="Date Placeholder 3"/>
+            <a:endParaRPr lang="es-MX"/>
+          </a:p>
+        </p:txBody>
+      </p:sp>
+      <p:sp>
+        <p:nvSpPr>
+          <p:cNvPr id="4" name="Marcador de fecha 3">
+            <a:extLst>
+              <a:ext uri="{FF2B5EF4-FFF2-40B4-BE49-F238E27FC236}">
+                <a16:creationId xmlns:a16="http://schemas.microsoft.com/office/drawing/2014/main" id="{AF9B2906-5FD1-2E0D-54C6-76DABC51F80C}"/>
+              </a:ext>
+            </a:extLst>
+          </p:cNvPr>
           <p:cNvSpPr>
             <a:spLocks noGrp="1"/>
           </p:cNvSpPr>
@@ -996,7 +891,13 @@
       </p:sp>
       <p:sp>
         <p:nvSpPr>
-          <p:cNvPr id="5" name="Footer Placeholder 4"/>
+          <p:cNvPr id="5" name="Marcador de pie de página 4">
+            <a:extLst>
+              <a:ext uri="{FF2B5EF4-FFF2-40B4-BE49-F238E27FC236}">
+                <a16:creationId xmlns:a16="http://schemas.microsoft.com/office/drawing/2014/main" id="{218F5DBA-3A33-10C2-0DB5-7893103D79A1}"/>
+              </a:ext>
+            </a:extLst>
+          </p:cNvPr>
           <p:cNvSpPr>
             <a:spLocks noGrp="1"/>
           </p:cNvSpPr>
@@ -1015,7 +916,13 @@
       </p:sp>
       <p:sp>
         <p:nvSpPr>
-          <p:cNvPr id="6" name="Slide Number Placeholder 5"/>
+          <p:cNvPr id="6" name="Marcador de número de diapositiva 5">
+            <a:extLst>
+              <a:ext uri="{FF2B5EF4-FFF2-40B4-BE49-F238E27FC236}">
+                <a16:creationId xmlns:a16="http://schemas.microsoft.com/office/drawing/2014/main" id="{91585B53-5EC5-75BD-3731-9095C19A1C53}"/>
+              </a:ext>
+            </a:extLst>
+          </p:cNvPr>
           <p:cNvSpPr>
             <a:spLocks noGrp="1"/>
           </p:cNvSpPr>
@@ -1039,7 +946,7 @@
     </p:spTree>
     <p:extLst>
       <p:ext uri="{BB962C8B-B14F-4D97-AF65-F5344CB8AC3E}">
-        <p14:creationId xmlns:p14="http://schemas.microsoft.com/office/powerpoint/2010/main" val="3565295951"/>
+        <p14:creationId xmlns:p14="http://schemas.microsoft.com/office/powerpoint/2010/main" val="2544910016"/>
       </p:ext>
     </p:extLst>
   </p:cSld>
@@ -1050,16 +957,8 @@
 </file>
 
 <file path=ppt/slideLayouts/slideLayout3.xml><?xml version="1.0" encoding="utf-8"?>
-<p:sldLayout xmlns:a="http://schemas.openxmlformats.org/drawingml/2006/main" xmlns:r="http://schemas.openxmlformats.org/officeDocument/2006/relationships" xmlns:p="http://schemas.openxmlformats.org/presentationml/2006/main" showMasterSp="0" type="secHead" preserve="1">
+<p:sldLayout xmlns:a="http://schemas.openxmlformats.org/drawingml/2006/main" xmlns:r="http://schemas.openxmlformats.org/officeDocument/2006/relationships" xmlns:p="http://schemas.openxmlformats.org/presentationml/2006/main" type="secHead" preserve="1">
   <p:cSld name="Encabezado de sección">
-    <p:bg>
-      <p:bgPr>
-        <a:solidFill>
-          <a:schemeClr val="bg1"/>
-        </a:solidFill>
-        <a:effectLst/>
-      </p:bgPr>
-    </p:bg>
     <p:spTree>
       <p:nvGrpSpPr>
         <p:cNvPr id="1" name=""/>
@@ -1076,230 +975,153 @@
       </p:grpSpPr>
       <p:sp>
         <p:nvSpPr>
-          <p:cNvPr id="7" name="Rectangle 6"/>
-          <p:cNvSpPr/>
-          <p:nvPr/>
+          <p:cNvPr id="2" name="Título 1">
+            <a:extLst>
+              <a:ext uri="{FF2B5EF4-FFF2-40B4-BE49-F238E27FC236}">
+                <a16:creationId xmlns:a16="http://schemas.microsoft.com/office/drawing/2014/main" id="{D425DE5A-FB48-1204-4277-9880EB96E9ED}"/>
+              </a:ext>
+            </a:extLst>
+          </p:cNvPr>
+          <p:cNvSpPr>
+            <a:spLocks noGrp="1"/>
+          </p:cNvSpPr>
+          <p:nvPr>
+            <p:ph type="title"/>
+          </p:nvPr>
         </p:nvSpPr>
         <p:spPr>
           <a:xfrm>
-            <a:off x="3175" y="6400800"/>
-            <a:ext cx="12188825" cy="457200"/>
+            <a:off x="831850" y="1709738"/>
+            <a:ext cx="10515600" cy="2852737"/>
           </a:xfrm>
-          <a:prstGeom prst="rect">
-            <a:avLst/>
-          </a:prstGeom>
-          <a:solidFill>
-            <a:schemeClr val="accent2"/>
-          </a:solidFill>
-          <a:ln>
-            <a:noFill/>
-          </a:ln>
         </p:spPr>
-        <p:style>
-          <a:lnRef idx="2">
-            <a:schemeClr val="accent1">
-              <a:shade val="50000"/>
-            </a:schemeClr>
-          </a:lnRef>
-          <a:fillRef idx="1">
-            <a:schemeClr val="accent1"/>
-          </a:fillRef>
-          <a:effectRef idx="0">
-            <a:schemeClr val="accent1"/>
-          </a:effectRef>
-          <a:fontRef idx="minor">
-            <a:schemeClr val="lt1"/>
-          </a:fontRef>
-        </p:style>
-      </p:sp>
-      <p:sp>
-        <p:nvSpPr>
-          <p:cNvPr id="8" name="Rectangle 7"/>
-          <p:cNvSpPr/>
-          <p:nvPr/>
+        <p:txBody>
+          <a:bodyPr anchor="b"/>
+          <a:lstStyle>
+            <a:lvl1pPr>
+              <a:defRPr sz="6000"/>
+            </a:lvl1pPr>
+          </a:lstStyle>
+          <a:p>
+            <a:r>
+              <a:rPr lang="es-ES"/>
+              <a:t>Haga clic para modificar el estilo de título del patrón</a:t>
+            </a:r>
+            <a:endParaRPr lang="es-MX"/>
+          </a:p>
+        </p:txBody>
+      </p:sp>
+      <p:sp>
+        <p:nvSpPr>
+          <p:cNvPr id="3" name="Marcador de texto 2">
+            <a:extLst>
+              <a:ext uri="{FF2B5EF4-FFF2-40B4-BE49-F238E27FC236}">
+                <a16:creationId xmlns:a16="http://schemas.microsoft.com/office/drawing/2014/main" id="{43F2C6F0-6DA1-5E68-56FA-36350D6569A6}"/>
+              </a:ext>
+            </a:extLst>
+          </p:cNvPr>
+          <p:cNvSpPr>
+            <a:spLocks noGrp="1"/>
+          </p:cNvSpPr>
+          <p:nvPr>
+            <p:ph type="body" idx="1"/>
+          </p:nvPr>
         </p:nvSpPr>
         <p:spPr>
           <a:xfrm>
-            <a:off x="15" y="6334316"/>
-            <a:ext cx="12188825" cy="64008"/>
-          </a:xfrm>
-          <a:prstGeom prst="rect">
-            <a:avLst/>
-          </a:prstGeom>
-          <a:solidFill>
-            <a:schemeClr val="accent1"/>
-          </a:solidFill>
-          <a:ln>
-            <a:noFill/>
-          </a:ln>
-        </p:spPr>
-        <p:style>
-          <a:lnRef idx="2">
-            <a:schemeClr val="accent1">
-              <a:shade val="50000"/>
-            </a:schemeClr>
-          </a:lnRef>
-          <a:fillRef idx="1">
-            <a:schemeClr val="accent1"/>
-          </a:fillRef>
-          <a:effectRef idx="0">
-            <a:schemeClr val="accent1"/>
-          </a:effectRef>
-          <a:fontRef idx="minor">
-            <a:schemeClr val="lt1"/>
-          </a:fontRef>
-        </p:style>
-      </p:sp>
-      <p:sp>
-        <p:nvSpPr>
-          <p:cNvPr id="2" name="Title 1"/>
-          <p:cNvSpPr>
-            <a:spLocks noGrp="1"/>
-          </p:cNvSpPr>
-          <p:nvPr>
-            <p:ph type="title"/>
-          </p:nvPr>
-        </p:nvSpPr>
-        <p:spPr>
-          <a:xfrm>
-            <a:off x="1097280" y="758952"/>
-            <a:ext cx="10058400" cy="3566160"/>
+            <a:off x="831850" y="4589463"/>
+            <a:ext cx="10515600" cy="1500187"/>
           </a:xfrm>
         </p:spPr>
         <p:txBody>
-          <a:bodyPr anchor="b" anchorCtr="0">
-            <a:normAutofit/>
-          </a:bodyPr>
+          <a:bodyPr/>
           <a:lstStyle>
-            <a:lvl1pPr>
-              <a:lnSpc>
-                <a:spcPct val="85000"/>
-              </a:lnSpc>
-              <a:defRPr sz="8000" b="0">
+            <a:lvl1pPr marL="0" indent="0">
+              <a:buNone/>
+              <a:defRPr sz="2400">
                 <a:solidFill>
                   <a:schemeClr val="tx1">
-                    <a:lumMod val="85000"/>
-                    <a:lumOff val="15000"/>
+                    <a:tint val="82000"/>
                   </a:schemeClr>
                 </a:solidFill>
               </a:defRPr>
             </a:lvl1pPr>
-          </a:lstStyle>
-          <a:p>
-            <a:r>
-              <a:rPr lang="es-ES"/>
-              <a:t>Haga clic para modificar el estilo de título del patrón</a:t>
-            </a:r>
-            <a:endParaRPr lang="en-US" dirty="0"/>
-          </a:p>
-        </p:txBody>
-      </p:sp>
-      <p:sp>
-        <p:nvSpPr>
-          <p:cNvPr id="3" name="Text Placeholder 2"/>
-          <p:cNvSpPr>
-            <a:spLocks noGrp="1"/>
-          </p:cNvSpPr>
-          <p:nvPr>
-            <p:ph type="body" idx="1"/>
-          </p:nvPr>
-        </p:nvSpPr>
-        <p:spPr>
-          <a:xfrm>
-            <a:off x="1097280" y="4453128"/>
-            <a:ext cx="10058400" cy="1143000"/>
-          </a:xfrm>
-        </p:spPr>
-        <p:txBody>
-          <a:bodyPr lIns="91440" rIns="91440" anchor="t" anchorCtr="0">
-            <a:normAutofit/>
-          </a:bodyPr>
-          <a:lstStyle>
-            <a:lvl1pPr marL="0" indent="0">
-              <a:buNone/>
-              <a:defRPr sz="2400" cap="all" spc="200" baseline="0">
-                <a:solidFill>
-                  <a:schemeClr val="tx2"/>
-                </a:solidFill>
-                <a:latin typeface="+mj-lt"/>
-              </a:defRPr>
-            </a:lvl1pPr>
             <a:lvl2pPr marL="457200" indent="0">
               <a:buNone/>
-              <a:defRPr sz="1800">
+              <a:defRPr sz="2000">
                 <a:solidFill>
                   <a:schemeClr val="tx1">
-                    <a:tint val="75000"/>
+                    <a:tint val="82000"/>
                   </a:schemeClr>
                 </a:solidFill>
               </a:defRPr>
             </a:lvl2pPr>
             <a:lvl3pPr marL="914400" indent="0">
               <a:buNone/>
-              <a:defRPr sz="1600">
+              <a:defRPr sz="1800">
                 <a:solidFill>
                   <a:schemeClr val="tx1">
-                    <a:tint val="75000"/>
+                    <a:tint val="82000"/>
                   </a:schemeClr>
                 </a:solidFill>
               </a:defRPr>
             </a:lvl3pPr>
             <a:lvl4pPr marL="1371600" indent="0">
               <a:buNone/>
-              <a:defRPr sz="1400">
+              <a:defRPr sz="1600">
                 <a:solidFill>
                   <a:schemeClr val="tx1">
-                    <a:tint val="75000"/>
+                    <a:tint val="82000"/>
                   </a:schemeClr>
                 </a:solidFill>
               </a:defRPr>
             </a:lvl4pPr>
             <a:lvl5pPr marL="1828800" indent="0">
               <a:buNone/>
-              <a:defRPr sz="1400">
+              <a:defRPr sz="1600">
                 <a:solidFill>
                   <a:schemeClr val="tx1">
-                    <a:tint val="75000"/>
+                    <a:tint val="82000"/>
                   </a:schemeClr>
                 </a:solidFill>
               </a:defRPr>
             </a:lvl5pPr>
             <a:lvl6pPr marL="2286000" indent="0">
               <a:buNone/>
-              <a:defRPr sz="1400">
+              <a:defRPr sz="1600">
                 <a:solidFill>
                   <a:schemeClr val="tx1">
-                    <a:tint val="75000"/>
+                    <a:tint val="82000"/>
                   </a:schemeClr>
                 </a:solidFill>
               </a:defRPr>
             </a:lvl6pPr>
             <a:lvl7pPr marL="2743200" indent="0">
               <a:buNone/>
-              <a:defRPr sz="1400">
+              <a:defRPr sz="1600">
                 <a:solidFill>
                   <a:schemeClr val="tx1">
-                    <a:tint val="75000"/>
+                    <a:tint val="82000"/>
                   </a:schemeClr>
                 </a:solidFill>
               </a:defRPr>
             </a:lvl7pPr>
             <a:lvl8pPr marL="3200400" indent="0">
               <a:buNone/>
-              <a:defRPr sz="1400">
+              <a:defRPr sz="1600">
                 <a:solidFill>
                   <a:schemeClr val="tx1">
-                    <a:tint val="75000"/>
+                    <a:tint val="82000"/>
                   </a:schemeClr>
                 </a:solidFill>
               </a:defRPr>
             </a:lvl8pPr>
             <a:lvl9pPr marL="3657600" indent="0">
               <a:buNone/>
-              <a:defRPr sz="1400">
+              <a:defRPr sz="1600">
                 <a:solidFill>
                   <a:schemeClr val="tx1">
-                    <a:tint val="75000"/>
+                    <a:tint val="82000"/>
                   </a:schemeClr>
                 </a:solidFill>
               </a:defRPr>
@@ -1316,7 +1138,13 @@
       </p:sp>
       <p:sp>
         <p:nvSpPr>
-          <p:cNvPr id="4" name="Date Placeholder 3"/>
+          <p:cNvPr id="4" name="Marcador de fecha 3">
+            <a:extLst>
+              <a:ext uri="{FF2B5EF4-FFF2-40B4-BE49-F238E27FC236}">
+                <a16:creationId xmlns:a16="http://schemas.microsoft.com/office/drawing/2014/main" id="{412F4DA9-010A-2369-4283-7B0534F2E82A}"/>
+              </a:ext>
+            </a:extLst>
+          </p:cNvPr>
           <p:cNvSpPr>
             <a:spLocks noGrp="1"/>
           </p:cNvSpPr>
@@ -1339,7 +1167,13 @@
       </p:sp>
       <p:sp>
         <p:nvSpPr>
-          <p:cNvPr id="5" name="Footer Placeholder 4"/>
+          <p:cNvPr id="5" name="Marcador de pie de página 4">
+            <a:extLst>
+              <a:ext uri="{FF2B5EF4-FFF2-40B4-BE49-F238E27FC236}">
+                <a16:creationId xmlns:a16="http://schemas.microsoft.com/office/drawing/2014/main" id="{11C93D44-B499-5EEE-195D-E6332560F471}"/>
+              </a:ext>
+            </a:extLst>
+          </p:cNvPr>
           <p:cNvSpPr>
             <a:spLocks noGrp="1"/>
           </p:cNvSpPr>
@@ -1358,7 +1192,13 @@
       </p:sp>
       <p:sp>
         <p:nvSpPr>
-          <p:cNvPr id="6" name="Slide Number Placeholder 5"/>
+          <p:cNvPr id="6" name="Marcador de número de diapositiva 5">
+            <a:extLst>
+              <a:ext uri="{FF2B5EF4-FFF2-40B4-BE49-F238E27FC236}">
+                <a16:creationId xmlns:a16="http://schemas.microsoft.com/office/drawing/2014/main" id="{A42A4477-9FF6-5BFA-7327-48B39C7BD390}"/>
+              </a:ext>
+            </a:extLst>
+          </p:cNvPr>
           <p:cNvSpPr>
             <a:spLocks noGrp="1"/>
           </p:cNvSpPr>
@@ -1379,48 +1219,10 @@
           </a:p>
         </p:txBody>
       </p:sp>
-      <p:cxnSp>
-        <p:nvCxnSpPr>
-          <p:cNvPr id="9" name="Straight Connector 8"/>
-          <p:cNvCxnSpPr/>
-          <p:nvPr/>
-        </p:nvCxnSpPr>
-        <p:spPr>
-          <a:xfrm>
-            <a:off x="1207658" y="4343400"/>
-            <a:ext cx="9875520" cy="0"/>
-          </a:xfrm>
-          <a:prstGeom prst="line">
-            <a:avLst/>
-          </a:prstGeom>
-          <a:ln w="6350">
-            <a:solidFill>
-              <a:schemeClr val="tx1">
-                <a:lumMod val="50000"/>
-                <a:lumOff val="50000"/>
-              </a:schemeClr>
-            </a:solidFill>
-          </a:ln>
-        </p:spPr>
-        <p:style>
-          <a:lnRef idx="1">
-            <a:schemeClr val="accent1"/>
-          </a:lnRef>
-          <a:fillRef idx="0">
-            <a:schemeClr val="accent1"/>
-          </a:fillRef>
-          <a:effectRef idx="0">
-            <a:schemeClr val="accent1"/>
-          </a:effectRef>
-          <a:fontRef idx="minor">
-            <a:schemeClr val="tx1"/>
-          </a:fontRef>
-        </p:style>
-      </p:cxnSp>
     </p:spTree>
     <p:extLst>
       <p:ext uri="{BB962C8B-B14F-4D97-AF65-F5344CB8AC3E}">
-        <p14:creationId xmlns:p14="http://schemas.microsoft.com/office/powerpoint/2010/main" val="66483363"/>
+        <p14:creationId xmlns:p14="http://schemas.microsoft.com/office/powerpoint/2010/main" val="723670276"/>
       </p:ext>
     </p:extLst>
   </p:cSld>
@@ -1449,46 +1251,116 @@
       </p:grpSpPr>
       <p:sp>
         <p:nvSpPr>
-          <p:cNvPr id="8" name="Title 7"/>
+          <p:cNvPr id="2" name="Título 1">
+            <a:extLst>
+              <a:ext uri="{FF2B5EF4-FFF2-40B4-BE49-F238E27FC236}">
+                <a16:creationId xmlns:a16="http://schemas.microsoft.com/office/drawing/2014/main" id="{C87C6216-FE3C-05C3-E929-197B957EEFC3}"/>
+              </a:ext>
+            </a:extLst>
+          </p:cNvPr>
           <p:cNvSpPr>
             <a:spLocks noGrp="1"/>
           </p:cNvSpPr>
           <p:nvPr>
             <p:ph type="title"/>
+          </p:nvPr>
+        </p:nvSpPr>
+        <p:spPr/>
+        <p:txBody>
+          <a:bodyPr/>
+          <a:lstStyle/>
+          <a:p>
+            <a:r>
+              <a:rPr lang="es-ES"/>
+              <a:t>Haga clic para modificar el estilo de título del patrón</a:t>
+            </a:r>
+            <a:endParaRPr lang="es-MX"/>
+          </a:p>
+        </p:txBody>
+      </p:sp>
+      <p:sp>
+        <p:nvSpPr>
+          <p:cNvPr id="3" name="Marcador de contenido 2">
+            <a:extLst>
+              <a:ext uri="{FF2B5EF4-FFF2-40B4-BE49-F238E27FC236}">
+                <a16:creationId xmlns:a16="http://schemas.microsoft.com/office/drawing/2014/main" id="{CBB82045-65AA-DDC6-092B-595A84D0666F}"/>
+              </a:ext>
+            </a:extLst>
+          </p:cNvPr>
+          <p:cNvSpPr>
+            <a:spLocks noGrp="1"/>
+          </p:cNvSpPr>
+          <p:nvPr>
+            <p:ph sz="half" idx="1"/>
           </p:nvPr>
         </p:nvSpPr>
         <p:spPr>
           <a:xfrm>
-            <a:off x="1097280" y="286603"/>
-            <a:ext cx="10058400" cy="1450757"/>
+            <a:off x="838200" y="1825625"/>
+            <a:ext cx="5181600" cy="4351338"/>
           </a:xfrm>
         </p:spPr>
         <p:txBody>
           <a:bodyPr/>
           <a:lstStyle/>
           <a:p>
+            <a:pPr lvl="0"/>
             <a:r>
               <a:rPr lang="es-ES"/>
-              <a:t>Haga clic para modificar el estilo de título del patrón</a:t>
-            </a:r>
-            <a:endParaRPr lang="en-US" dirty="0"/>
-          </a:p>
-        </p:txBody>
-      </p:sp>
-      <p:sp>
-        <p:nvSpPr>
-          <p:cNvPr id="3" name="Content Placeholder 2"/>
-          <p:cNvSpPr>
-            <a:spLocks noGrp="1"/>
-          </p:cNvSpPr>
-          <p:nvPr>
-            <p:ph sz="half" idx="1"/>
+              <a:t>Haga clic para modificar los estilos de texto del patrón</a:t>
+            </a:r>
+          </a:p>
+          <a:p>
+            <a:pPr lvl="1"/>
+            <a:r>
+              <a:rPr lang="es-ES"/>
+              <a:t>Segundo nivel</a:t>
+            </a:r>
+          </a:p>
+          <a:p>
+            <a:pPr lvl="2"/>
+            <a:r>
+              <a:rPr lang="es-ES"/>
+              <a:t>Tercer nivel</a:t>
+            </a:r>
+          </a:p>
+          <a:p>
+            <a:pPr lvl="3"/>
+            <a:r>
+              <a:rPr lang="es-ES"/>
+              <a:t>Cuarto nivel</a:t>
+            </a:r>
+          </a:p>
+          <a:p>
+            <a:pPr lvl="4"/>
+            <a:r>
+              <a:rPr lang="es-ES"/>
+              <a:t>Quinto nivel</a:t>
+            </a:r>
+            <a:endParaRPr lang="es-MX"/>
+          </a:p>
+        </p:txBody>
+      </p:sp>
+      <p:sp>
+        <p:nvSpPr>
+          <p:cNvPr id="4" name="Marcador de contenido 3">
+            <a:extLst>
+              <a:ext uri="{FF2B5EF4-FFF2-40B4-BE49-F238E27FC236}">
+                <a16:creationId xmlns:a16="http://schemas.microsoft.com/office/drawing/2014/main" id="{0DA55143-C27C-5369-16CD-C89A0B1B9E88}"/>
+              </a:ext>
+            </a:extLst>
+          </p:cNvPr>
+          <p:cNvSpPr>
+            <a:spLocks noGrp="1"/>
+          </p:cNvSpPr>
+          <p:nvPr>
+            <p:ph sz="half" idx="2"/>
           </p:nvPr>
         </p:nvSpPr>
         <p:spPr>
           <a:xfrm>
-            <a:off x="1097279" y="1845734"/>
-            <a:ext cx="4937760" cy="4023360"/>
+            <a:off x="6172200" y="1825625"/>
+            <a:ext cx="5181600" cy="4351338"/>
           </a:xfrm>
         </p:spPr>
         <p:txBody>
@@ -1528,70 +1400,19 @@
               <a:rPr lang="es-ES"/>
               <a:t>Quinto nivel</a:t>
             </a:r>
-            <a:endParaRPr lang="en-US" dirty="0"/>
-          </a:p>
-        </p:txBody>
-      </p:sp>
-      <p:sp>
-        <p:nvSpPr>
-          <p:cNvPr id="4" name="Content Placeholder 3"/>
-          <p:cNvSpPr>
-            <a:spLocks noGrp="1"/>
-          </p:cNvSpPr>
-          <p:nvPr>
-            <p:ph sz="half" idx="2"/>
-          </p:nvPr>
-        </p:nvSpPr>
-        <p:spPr>
-          <a:xfrm>
-            <a:off x="6217920" y="1845735"/>
-            <a:ext cx="4937760" cy="4023360"/>
-          </a:xfrm>
-        </p:spPr>
-        <p:txBody>
-          <a:bodyPr/>
-          <a:lstStyle/>
-          <a:p>
-            <a:pPr lvl="0"/>
-            <a:r>
-              <a:rPr lang="es-ES"/>
-              <a:t>Haga clic para modificar los estilos de texto del patrón</a:t>
-            </a:r>
-          </a:p>
-          <a:p>
-            <a:pPr lvl="1"/>
-            <a:r>
-              <a:rPr lang="es-ES"/>
-              <a:t>Segundo nivel</a:t>
-            </a:r>
-          </a:p>
-          <a:p>
-            <a:pPr lvl="2"/>
-            <a:r>
-              <a:rPr lang="es-ES"/>
-              <a:t>Tercer nivel</a:t>
-            </a:r>
-          </a:p>
-          <a:p>
-            <a:pPr lvl="3"/>
-            <a:r>
-              <a:rPr lang="es-ES"/>
-              <a:t>Cuarto nivel</a:t>
-            </a:r>
-          </a:p>
-          <a:p>
-            <a:pPr lvl="4"/>
-            <a:r>
-              <a:rPr lang="es-ES"/>
-              <a:t>Quinto nivel</a:t>
-            </a:r>
-            <a:endParaRPr lang="en-US" dirty="0"/>
-          </a:p>
-        </p:txBody>
-      </p:sp>
-      <p:sp>
-        <p:nvSpPr>
-          <p:cNvPr id="5" name="Date Placeholder 4"/>
+            <a:endParaRPr lang="es-MX"/>
+          </a:p>
+        </p:txBody>
+      </p:sp>
+      <p:sp>
+        <p:nvSpPr>
+          <p:cNvPr id="5" name="Marcador de fecha 4">
+            <a:extLst>
+              <a:ext uri="{FF2B5EF4-FFF2-40B4-BE49-F238E27FC236}">
+                <a16:creationId xmlns:a16="http://schemas.microsoft.com/office/drawing/2014/main" id="{50BD01AB-C9D8-B9E2-BA35-925336DBB43F}"/>
+              </a:ext>
+            </a:extLst>
+          </p:cNvPr>
           <p:cNvSpPr>
             <a:spLocks noGrp="1"/>
           </p:cNvSpPr>
@@ -1614,7 +1435,13 @@
       </p:sp>
       <p:sp>
         <p:nvSpPr>
-          <p:cNvPr id="6" name="Footer Placeholder 5"/>
+          <p:cNvPr id="6" name="Marcador de pie de página 5">
+            <a:extLst>
+              <a:ext uri="{FF2B5EF4-FFF2-40B4-BE49-F238E27FC236}">
+                <a16:creationId xmlns:a16="http://schemas.microsoft.com/office/drawing/2014/main" id="{B92A0757-D892-B7D9-66AC-B5BDE5E4A6C4}"/>
+              </a:ext>
+            </a:extLst>
+          </p:cNvPr>
           <p:cNvSpPr>
             <a:spLocks noGrp="1"/>
           </p:cNvSpPr>
@@ -1633,7 +1460,13 @@
       </p:sp>
       <p:sp>
         <p:nvSpPr>
-          <p:cNvPr id="7" name="Slide Number Placeholder 6"/>
+          <p:cNvPr id="7" name="Marcador de número de diapositiva 6">
+            <a:extLst>
+              <a:ext uri="{FF2B5EF4-FFF2-40B4-BE49-F238E27FC236}">
+                <a16:creationId xmlns:a16="http://schemas.microsoft.com/office/drawing/2014/main" id="{8DA03981-C6E2-5A0F-10A4-212DB7384B94}"/>
+              </a:ext>
+            </a:extLst>
+          </p:cNvPr>
           <p:cNvSpPr>
             <a:spLocks noGrp="1"/>
           </p:cNvSpPr>
@@ -1657,7 +1490,7 @@
     </p:spTree>
     <p:extLst>
       <p:ext uri="{BB962C8B-B14F-4D97-AF65-F5344CB8AC3E}">
-        <p14:creationId xmlns:p14="http://schemas.microsoft.com/office/powerpoint/2010/main" val="1544318023"/>
+        <p14:creationId xmlns:p14="http://schemas.microsoft.com/office/powerpoint/2010/main" val="4008265477"/>
       </p:ext>
     </p:extLst>
   </p:cSld>
@@ -1686,7 +1519,13 @@
       </p:grpSpPr>
       <p:sp>
         <p:nvSpPr>
-          <p:cNvPr id="10" name="Title 9"/>
+          <p:cNvPr id="2" name="Título 1">
+            <a:extLst>
+              <a:ext uri="{FF2B5EF4-FFF2-40B4-BE49-F238E27FC236}">
+                <a16:creationId xmlns:a16="http://schemas.microsoft.com/office/drawing/2014/main" id="{72BA11C6-C103-9A43-C519-ACB6101E58C6}"/>
+              </a:ext>
+            </a:extLst>
+          </p:cNvPr>
           <p:cNvSpPr>
             <a:spLocks noGrp="1"/>
           </p:cNvSpPr>
@@ -1696,8 +1535,8 @@
         </p:nvSpPr>
         <p:spPr>
           <a:xfrm>
-            <a:off x="1097280" y="286603"/>
-            <a:ext cx="10058400" cy="1450757"/>
+            <a:off x="839788" y="365125"/>
+            <a:ext cx="10515600" cy="1325563"/>
           </a:xfrm>
         </p:spPr>
         <p:txBody>
@@ -1708,13 +1547,19 @@
               <a:rPr lang="es-ES"/>
               <a:t>Haga clic para modificar el estilo de título del patrón</a:t>
             </a:r>
-            <a:endParaRPr lang="en-US" dirty="0"/>
-          </a:p>
-        </p:txBody>
-      </p:sp>
-      <p:sp>
-        <p:nvSpPr>
-          <p:cNvPr id="3" name="Text Placeholder 2"/>
+            <a:endParaRPr lang="es-MX"/>
+          </a:p>
+        </p:txBody>
+      </p:sp>
+      <p:sp>
+        <p:nvSpPr>
+          <p:cNvPr id="3" name="Marcador de texto 2">
+            <a:extLst>
+              <a:ext uri="{FF2B5EF4-FFF2-40B4-BE49-F238E27FC236}">
+                <a16:creationId xmlns:a16="http://schemas.microsoft.com/office/drawing/2014/main" id="{8D13C2D4-C727-B5A6-5C76-23DD035549A8}"/>
+              </a:ext>
+            </a:extLst>
+          </p:cNvPr>
           <p:cNvSpPr>
             <a:spLocks noGrp="1"/>
           </p:cNvSpPr>
@@ -1724,22 +1569,16 @@
         </p:nvSpPr>
         <p:spPr>
           <a:xfrm>
-            <a:off x="1097280" y="1846052"/>
-            <a:ext cx="4937760" cy="736282"/>
+            <a:off x="839788" y="1681163"/>
+            <a:ext cx="5157787" cy="823912"/>
           </a:xfrm>
         </p:spPr>
         <p:txBody>
-          <a:bodyPr lIns="91440" rIns="91440" anchor="ctr">
-            <a:normAutofit/>
-          </a:bodyPr>
+          <a:bodyPr anchor="b"/>
           <a:lstStyle>
             <a:lvl1pPr marL="0" indent="0">
               <a:buNone/>
-              <a:defRPr sz="2000" b="0" cap="all" baseline="0">
-                <a:solidFill>
-                  <a:schemeClr val="tx2"/>
-                </a:solidFill>
-              </a:defRPr>
+              <a:defRPr sz="2400" b="1"/>
             </a:lvl1pPr>
             <a:lvl2pPr marL="457200" indent="0">
               <a:buNone/>
@@ -1785,7 +1624,13 @@
       </p:sp>
       <p:sp>
         <p:nvSpPr>
-          <p:cNvPr id="4" name="Content Placeholder 3"/>
+          <p:cNvPr id="4" name="Marcador de contenido 3">
+            <a:extLst>
+              <a:ext uri="{FF2B5EF4-FFF2-40B4-BE49-F238E27FC236}">
+                <a16:creationId xmlns:a16="http://schemas.microsoft.com/office/drawing/2014/main" id="{103B69C3-2DBB-9DCD-7BE8-87D758BFE985}"/>
+              </a:ext>
+            </a:extLst>
+          </p:cNvPr>
           <p:cNvSpPr>
             <a:spLocks noGrp="1"/>
           </p:cNvSpPr>
@@ -1795,8 +1640,8 @@
         </p:nvSpPr>
         <p:spPr>
           <a:xfrm>
-            <a:off x="1097280" y="2582334"/>
-            <a:ext cx="4937760" cy="3378200"/>
+            <a:off x="839788" y="2505075"/>
+            <a:ext cx="5157787" cy="3684588"/>
           </a:xfrm>
         </p:spPr>
         <p:txBody>
@@ -1836,13 +1681,19 @@
               <a:rPr lang="es-ES"/>
               <a:t>Quinto nivel</a:t>
             </a:r>
-            <a:endParaRPr lang="en-US" dirty="0"/>
-          </a:p>
-        </p:txBody>
-      </p:sp>
-      <p:sp>
-        <p:nvSpPr>
-          <p:cNvPr id="5" name="Text Placeholder 4"/>
+            <a:endParaRPr lang="es-MX"/>
+          </a:p>
+        </p:txBody>
+      </p:sp>
+      <p:sp>
+        <p:nvSpPr>
+          <p:cNvPr id="5" name="Marcador de texto 4">
+            <a:extLst>
+              <a:ext uri="{FF2B5EF4-FFF2-40B4-BE49-F238E27FC236}">
+                <a16:creationId xmlns:a16="http://schemas.microsoft.com/office/drawing/2014/main" id="{238B795B-7082-9439-CCC9-9EC6B7A931C6}"/>
+              </a:ext>
+            </a:extLst>
+          </p:cNvPr>
           <p:cNvSpPr>
             <a:spLocks noGrp="1"/>
           </p:cNvSpPr>
@@ -1852,22 +1703,16 @@
         </p:nvSpPr>
         <p:spPr>
           <a:xfrm>
-            <a:off x="6217920" y="1846052"/>
-            <a:ext cx="4937760" cy="736282"/>
+            <a:off x="6172200" y="1681163"/>
+            <a:ext cx="5183188" cy="823912"/>
           </a:xfrm>
         </p:spPr>
         <p:txBody>
-          <a:bodyPr lIns="91440" rIns="91440" anchor="ctr">
-            <a:normAutofit/>
-          </a:bodyPr>
+          <a:bodyPr anchor="b"/>
           <a:lstStyle>
             <a:lvl1pPr marL="0" indent="0">
               <a:buNone/>
-              <a:defRPr sz="2000" b="0" cap="all" baseline="0">
-                <a:solidFill>
-                  <a:schemeClr val="tx2"/>
-                </a:solidFill>
-              </a:defRPr>
+              <a:defRPr sz="2400" b="1"/>
             </a:lvl1pPr>
             <a:lvl2pPr marL="457200" indent="0">
               <a:buNone/>
@@ -1913,7 +1758,13 @@
       </p:sp>
       <p:sp>
         <p:nvSpPr>
-          <p:cNvPr id="6" name="Content Placeholder 5"/>
+          <p:cNvPr id="6" name="Marcador de contenido 5">
+            <a:extLst>
+              <a:ext uri="{FF2B5EF4-FFF2-40B4-BE49-F238E27FC236}">
+                <a16:creationId xmlns:a16="http://schemas.microsoft.com/office/drawing/2014/main" id="{A917A0C2-B198-82B7-0D9A-BDBF61646F60}"/>
+              </a:ext>
+            </a:extLst>
+          </p:cNvPr>
           <p:cNvSpPr>
             <a:spLocks noGrp="1"/>
           </p:cNvSpPr>
@@ -1923,8 +1774,8 @@
         </p:nvSpPr>
         <p:spPr>
           <a:xfrm>
-            <a:off x="6217920" y="2582334"/>
-            <a:ext cx="4937760" cy="3378200"/>
+            <a:off x="6172200" y="2505075"/>
+            <a:ext cx="5183188" cy="3684588"/>
           </a:xfrm>
         </p:spPr>
         <p:txBody>
@@ -1964,13 +1815,19 @@
               <a:rPr lang="es-ES"/>
               <a:t>Quinto nivel</a:t>
             </a:r>
-            <a:endParaRPr lang="en-US" dirty="0"/>
-          </a:p>
-        </p:txBody>
-      </p:sp>
-      <p:sp>
-        <p:nvSpPr>
-          <p:cNvPr id="7" name="Date Placeholder 6"/>
+            <a:endParaRPr lang="es-MX"/>
+          </a:p>
+        </p:txBody>
+      </p:sp>
+      <p:sp>
+        <p:nvSpPr>
+          <p:cNvPr id="7" name="Marcador de fecha 6">
+            <a:extLst>
+              <a:ext uri="{FF2B5EF4-FFF2-40B4-BE49-F238E27FC236}">
+                <a16:creationId xmlns:a16="http://schemas.microsoft.com/office/drawing/2014/main" id="{37209E8B-1E9D-64AD-7FAD-D97D391E1B11}"/>
+              </a:ext>
+            </a:extLst>
+          </p:cNvPr>
           <p:cNvSpPr>
             <a:spLocks noGrp="1"/>
           </p:cNvSpPr>
@@ -1993,7 +1850,13 @@
       </p:sp>
       <p:sp>
         <p:nvSpPr>
-          <p:cNvPr id="8" name="Footer Placeholder 7"/>
+          <p:cNvPr id="8" name="Marcador de pie de página 7">
+            <a:extLst>
+              <a:ext uri="{FF2B5EF4-FFF2-40B4-BE49-F238E27FC236}">
+                <a16:creationId xmlns:a16="http://schemas.microsoft.com/office/drawing/2014/main" id="{828AC396-ECB0-BAC8-DA9E-38D411B79E7D}"/>
+              </a:ext>
+            </a:extLst>
+          </p:cNvPr>
           <p:cNvSpPr>
             <a:spLocks noGrp="1"/>
           </p:cNvSpPr>
@@ -2012,7 +1875,13 @@
       </p:sp>
       <p:sp>
         <p:nvSpPr>
-          <p:cNvPr id="9" name="Slide Number Placeholder 8"/>
+          <p:cNvPr id="9" name="Marcador de número de diapositiva 8">
+            <a:extLst>
+              <a:ext uri="{FF2B5EF4-FFF2-40B4-BE49-F238E27FC236}">
+                <a16:creationId xmlns:a16="http://schemas.microsoft.com/office/drawing/2014/main" id="{A37690A1-DA44-18F3-B2C6-5433A8AB2317}"/>
+              </a:ext>
+            </a:extLst>
+          </p:cNvPr>
           <p:cNvSpPr>
             <a:spLocks noGrp="1"/>
           </p:cNvSpPr>
@@ -2036,7 +1905,7 @@
     </p:spTree>
     <p:extLst>
       <p:ext uri="{BB962C8B-B14F-4D97-AF65-F5344CB8AC3E}">
-        <p14:creationId xmlns:p14="http://schemas.microsoft.com/office/powerpoint/2010/main" val="3245171313"/>
+        <p14:creationId xmlns:p14="http://schemas.microsoft.com/office/powerpoint/2010/main" val="3492331705"/>
       </p:ext>
     </p:extLst>
   </p:cSld>
@@ -2065,7 +1934,13 @@
       </p:grpSpPr>
       <p:sp>
         <p:nvSpPr>
-          <p:cNvPr id="2" name="Title 1"/>
+          <p:cNvPr id="2" name="Título 1">
+            <a:extLst>
+              <a:ext uri="{FF2B5EF4-FFF2-40B4-BE49-F238E27FC236}">
+                <a16:creationId xmlns:a16="http://schemas.microsoft.com/office/drawing/2014/main" id="{1F7B7996-0750-CE83-7748-901683D49FCD}"/>
+              </a:ext>
+            </a:extLst>
+          </p:cNvPr>
           <p:cNvSpPr>
             <a:spLocks noGrp="1"/>
           </p:cNvSpPr>
@@ -2082,13 +1957,19 @@
               <a:rPr lang="es-ES"/>
               <a:t>Haga clic para modificar el estilo de título del patrón</a:t>
             </a:r>
-            <a:endParaRPr lang="en-US" dirty="0"/>
-          </a:p>
-        </p:txBody>
-      </p:sp>
-      <p:sp>
-        <p:nvSpPr>
-          <p:cNvPr id="3" name="Date Placeholder 2"/>
+            <a:endParaRPr lang="es-MX"/>
+          </a:p>
+        </p:txBody>
+      </p:sp>
+      <p:sp>
+        <p:nvSpPr>
+          <p:cNvPr id="3" name="Marcador de fecha 2">
+            <a:extLst>
+              <a:ext uri="{FF2B5EF4-FFF2-40B4-BE49-F238E27FC236}">
+                <a16:creationId xmlns:a16="http://schemas.microsoft.com/office/drawing/2014/main" id="{13A65E09-5AC0-026B-4EED-98174367324B}"/>
+              </a:ext>
+            </a:extLst>
+          </p:cNvPr>
           <p:cNvSpPr>
             <a:spLocks noGrp="1"/>
           </p:cNvSpPr>
@@ -2111,7 +1992,13 @@
       </p:sp>
       <p:sp>
         <p:nvSpPr>
-          <p:cNvPr id="4" name="Footer Placeholder 3"/>
+          <p:cNvPr id="4" name="Marcador de pie de página 3">
+            <a:extLst>
+              <a:ext uri="{FF2B5EF4-FFF2-40B4-BE49-F238E27FC236}">
+                <a16:creationId xmlns:a16="http://schemas.microsoft.com/office/drawing/2014/main" id="{E09AD228-7321-D27E-5B58-26F810D09C99}"/>
+              </a:ext>
+            </a:extLst>
+          </p:cNvPr>
           <p:cNvSpPr>
             <a:spLocks noGrp="1"/>
           </p:cNvSpPr>
@@ -2130,7 +2017,13 @@
       </p:sp>
       <p:sp>
         <p:nvSpPr>
-          <p:cNvPr id="5" name="Slide Number Placeholder 4"/>
+          <p:cNvPr id="5" name="Marcador de número de diapositiva 4">
+            <a:extLst>
+              <a:ext uri="{FF2B5EF4-FFF2-40B4-BE49-F238E27FC236}">
+                <a16:creationId xmlns:a16="http://schemas.microsoft.com/office/drawing/2014/main" id="{654E6B20-0D8A-15C9-4C0E-56824CCED073}"/>
+              </a:ext>
+            </a:extLst>
+          </p:cNvPr>
           <p:cNvSpPr>
             <a:spLocks noGrp="1"/>
           </p:cNvSpPr>
@@ -2154,7 +2047,7 @@
     </p:spTree>
     <p:extLst>
       <p:ext uri="{BB962C8B-B14F-4D97-AF65-F5344CB8AC3E}">
-        <p14:creationId xmlns:p14="http://schemas.microsoft.com/office/powerpoint/2010/main" val="1729711849"/>
+        <p14:creationId xmlns:p14="http://schemas.microsoft.com/office/powerpoint/2010/main" val="1146934522"/>
       </p:ext>
     </p:extLst>
   </p:cSld>
@@ -2165,7 +2058,7 @@
 </file>
 
 <file path=ppt/slideLayouts/slideLayout7.xml><?xml version="1.0" encoding="utf-8"?>
-<p:sldLayout xmlns:a="http://schemas.openxmlformats.org/drawingml/2006/main" xmlns:r="http://schemas.openxmlformats.org/officeDocument/2006/relationships" xmlns:p="http://schemas.openxmlformats.org/presentationml/2006/main" showMasterSp="0" type="blank" preserve="1">
+<p:sldLayout xmlns:a="http://schemas.openxmlformats.org/drawingml/2006/main" xmlns:r="http://schemas.openxmlformats.org/officeDocument/2006/relationships" xmlns:p="http://schemas.openxmlformats.org/presentationml/2006/main" type="blank" preserve="1">
   <p:cSld name="En blanco">
     <p:spTree>
       <p:nvGrpSpPr>
@@ -2183,83 +2076,13 @@
       </p:grpSpPr>
       <p:sp>
         <p:nvSpPr>
-          <p:cNvPr id="5" name="Rectangle 4"/>
-          <p:cNvSpPr/>
-          <p:nvPr/>
-        </p:nvSpPr>
-        <p:spPr>
-          <a:xfrm>
-            <a:off x="3175" y="6400800"/>
-            <a:ext cx="12188825" cy="457200"/>
-          </a:xfrm>
-          <a:prstGeom prst="rect">
-            <a:avLst/>
-          </a:prstGeom>
-          <a:solidFill>
-            <a:schemeClr val="accent2"/>
-          </a:solidFill>
-          <a:ln>
-            <a:noFill/>
-          </a:ln>
-        </p:spPr>
-        <p:style>
-          <a:lnRef idx="2">
-            <a:schemeClr val="accent1">
-              <a:shade val="50000"/>
-            </a:schemeClr>
-          </a:lnRef>
-          <a:fillRef idx="1">
-            <a:schemeClr val="accent1"/>
-          </a:fillRef>
-          <a:effectRef idx="0">
-            <a:schemeClr val="accent1"/>
-          </a:effectRef>
-          <a:fontRef idx="minor">
-            <a:schemeClr val="lt1"/>
-          </a:fontRef>
-        </p:style>
-      </p:sp>
-      <p:sp>
-        <p:nvSpPr>
-          <p:cNvPr id="6" name="Rectangle 5"/>
-          <p:cNvSpPr/>
-          <p:nvPr/>
-        </p:nvSpPr>
-        <p:spPr>
-          <a:xfrm>
-            <a:off x="15" y="6334316"/>
-            <a:ext cx="12188825" cy="64008"/>
-          </a:xfrm>
-          <a:prstGeom prst="rect">
-            <a:avLst/>
-          </a:prstGeom>
-          <a:solidFill>
-            <a:schemeClr val="accent1"/>
-          </a:solidFill>
-          <a:ln>
-            <a:noFill/>
-          </a:ln>
-        </p:spPr>
-        <p:style>
-          <a:lnRef idx="2">
-            <a:schemeClr val="accent1">
-              <a:shade val="50000"/>
-            </a:schemeClr>
-          </a:lnRef>
-          <a:fillRef idx="1">
-            <a:schemeClr val="accent1"/>
-          </a:fillRef>
-          <a:effectRef idx="0">
-            <a:schemeClr val="accent1"/>
-          </a:effectRef>
-          <a:fontRef idx="minor">
-            <a:schemeClr val="lt1"/>
-          </a:fontRef>
-        </p:style>
-      </p:sp>
-      <p:sp>
-        <p:nvSpPr>
-          <p:cNvPr id="7" name="Date Placeholder 6"/>
+          <p:cNvPr id="2" name="Marcador de fecha 1">
+            <a:extLst>
+              <a:ext uri="{FF2B5EF4-FFF2-40B4-BE49-F238E27FC236}">
+                <a16:creationId xmlns:a16="http://schemas.microsoft.com/office/drawing/2014/main" id="{93231B7C-43BD-3165-CC36-4E96C076FA03}"/>
+              </a:ext>
+            </a:extLst>
+          </p:cNvPr>
           <p:cNvSpPr>
             <a:spLocks noGrp="1"/>
           </p:cNvSpPr>
@@ -2282,7 +2105,13 @@
       </p:sp>
       <p:sp>
         <p:nvSpPr>
-          <p:cNvPr id="8" name="Footer Placeholder 7"/>
+          <p:cNvPr id="3" name="Marcador de pie de página 2">
+            <a:extLst>
+              <a:ext uri="{FF2B5EF4-FFF2-40B4-BE49-F238E27FC236}">
+                <a16:creationId xmlns:a16="http://schemas.microsoft.com/office/drawing/2014/main" id="{B232993F-4BFA-F7B7-4F4D-BE555351FA57}"/>
+              </a:ext>
+            </a:extLst>
+          </p:cNvPr>
           <p:cNvSpPr>
             <a:spLocks noGrp="1"/>
           </p:cNvSpPr>
@@ -2293,15 +2122,7 @@
         <p:spPr/>
         <p:txBody>
           <a:bodyPr/>
-          <a:lstStyle>
-            <a:lvl1pPr>
-              <a:defRPr>
-                <a:solidFill>
-                  <a:srgbClr val="FFFFFF"/>
-                </a:solidFill>
-              </a:defRPr>
-            </a:lvl1pPr>
-          </a:lstStyle>
+          <a:lstStyle/>
           <a:p>
             <a:endParaRPr lang="es-MX"/>
           </a:p>
@@ -2309,7 +2130,13 @@
       </p:sp>
       <p:sp>
         <p:nvSpPr>
-          <p:cNvPr id="9" name="Slide Number Placeholder 8"/>
+          <p:cNvPr id="4" name="Marcador de número de diapositiva 3">
+            <a:extLst>
+              <a:ext uri="{FF2B5EF4-FFF2-40B4-BE49-F238E27FC236}">
+                <a16:creationId xmlns:a16="http://schemas.microsoft.com/office/drawing/2014/main" id="{A88E92B5-FCFA-6B55-2477-545080493F2D}"/>
+              </a:ext>
+            </a:extLst>
+          </p:cNvPr>
           <p:cNvSpPr>
             <a:spLocks noGrp="1"/>
           </p:cNvSpPr>
@@ -2333,7 +2160,7 @@
     </p:spTree>
     <p:extLst>
       <p:ext uri="{BB962C8B-B14F-4D97-AF65-F5344CB8AC3E}">
-        <p14:creationId xmlns:p14="http://schemas.microsoft.com/office/powerpoint/2010/main" val="2688843887"/>
+        <p14:creationId xmlns:p14="http://schemas.microsoft.com/office/powerpoint/2010/main" val="243598298"/>
       </p:ext>
     </p:extLst>
   </p:cSld>
@@ -2344,7 +2171,7 @@
 </file>
 
 <file path=ppt/slideLayouts/slideLayout8.xml><?xml version="1.0" encoding="utf-8"?>
-<p:sldLayout xmlns:a="http://schemas.openxmlformats.org/drawingml/2006/main" xmlns:r="http://schemas.openxmlformats.org/officeDocument/2006/relationships" xmlns:p="http://schemas.openxmlformats.org/presentationml/2006/main" showMasterSp="0" type="objTx" preserve="1">
+<p:sldLayout xmlns:a="http://schemas.openxmlformats.org/drawingml/2006/main" xmlns:r="http://schemas.openxmlformats.org/officeDocument/2006/relationships" xmlns:p="http://schemas.openxmlformats.org/presentationml/2006/main" type="objTx" preserve="1">
   <p:cSld name="Contenido con título">
     <p:spTree>
       <p:nvGrpSpPr>
@@ -2362,235 +2189,193 @@
       </p:grpSpPr>
       <p:sp>
         <p:nvSpPr>
-          <p:cNvPr id="8" name="Rectangle 7"/>
-          <p:cNvSpPr/>
-          <p:nvPr/>
+          <p:cNvPr id="2" name="Título 1">
+            <a:extLst>
+              <a:ext uri="{FF2B5EF4-FFF2-40B4-BE49-F238E27FC236}">
+                <a16:creationId xmlns:a16="http://schemas.microsoft.com/office/drawing/2014/main" id="{ACE65B98-442B-AE03-BA41-950B6E511EB2}"/>
+              </a:ext>
+            </a:extLst>
+          </p:cNvPr>
+          <p:cNvSpPr>
+            <a:spLocks noGrp="1"/>
+          </p:cNvSpPr>
+          <p:nvPr>
+            <p:ph type="title"/>
+          </p:nvPr>
         </p:nvSpPr>
         <p:spPr>
           <a:xfrm>
-            <a:off x="16" y="0"/>
-            <a:ext cx="4050791" cy="6858000"/>
+            <a:off x="839788" y="457200"/>
+            <a:ext cx="3932237" cy="1600200"/>
           </a:xfrm>
-          <a:prstGeom prst="rect">
-            <a:avLst/>
-          </a:prstGeom>
-          <a:solidFill>
-            <a:schemeClr val="accent2"/>
-          </a:solidFill>
-          <a:ln>
-            <a:noFill/>
-          </a:ln>
         </p:spPr>
-        <p:style>
-          <a:lnRef idx="2">
-            <a:schemeClr val="accent1">
-              <a:shade val="50000"/>
-            </a:schemeClr>
-          </a:lnRef>
-          <a:fillRef idx="1">
-            <a:schemeClr val="accent1"/>
-          </a:fillRef>
-          <a:effectRef idx="0">
-            <a:schemeClr val="accent1"/>
-          </a:effectRef>
-          <a:fontRef idx="minor">
-            <a:schemeClr val="lt1"/>
-          </a:fontRef>
-        </p:style>
-      </p:sp>
-      <p:sp>
-        <p:nvSpPr>
-          <p:cNvPr id="9" name="Rectangle 8"/>
-          <p:cNvSpPr/>
-          <p:nvPr/>
+        <p:txBody>
+          <a:bodyPr anchor="b"/>
+          <a:lstStyle>
+            <a:lvl1pPr>
+              <a:defRPr sz="3200"/>
+            </a:lvl1pPr>
+          </a:lstStyle>
+          <a:p>
+            <a:r>
+              <a:rPr lang="es-ES"/>
+              <a:t>Haga clic para modificar el estilo de título del patrón</a:t>
+            </a:r>
+            <a:endParaRPr lang="es-MX"/>
+          </a:p>
+        </p:txBody>
+      </p:sp>
+      <p:sp>
+        <p:nvSpPr>
+          <p:cNvPr id="3" name="Marcador de contenido 2">
+            <a:extLst>
+              <a:ext uri="{FF2B5EF4-FFF2-40B4-BE49-F238E27FC236}">
+                <a16:creationId xmlns:a16="http://schemas.microsoft.com/office/drawing/2014/main" id="{71E5D000-2DEB-F290-9ACC-F583F53E6A2B}"/>
+              </a:ext>
+            </a:extLst>
+          </p:cNvPr>
+          <p:cNvSpPr>
+            <a:spLocks noGrp="1"/>
+          </p:cNvSpPr>
+          <p:nvPr>
+            <p:ph idx="1"/>
+          </p:nvPr>
         </p:nvSpPr>
         <p:spPr>
           <a:xfrm>
-            <a:off x="4040071" y="0"/>
-            <a:ext cx="64008" cy="6858000"/>
+            <a:off x="5183188" y="987425"/>
+            <a:ext cx="6172200" cy="4873625"/>
           </a:xfrm>
-          <a:prstGeom prst="rect">
-            <a:avLst/>
-          </a:prstGeom>
-          <a:solidFill>
-            <a:schemeClr val="accent1"/>
-          </a:solidFill>
-          <a:ln>
-            <a:noFill/>
-          </a:ln>
         </p:spPr>
-        <p:style>
-          <a:lnRef idx="2">
-            <a:schemeClr val="accent1">
-              <a:shade val="50000"/>
-            </a:schemeClr>
-          </a:lnRef>
-          <a:fillRef idx="1">
-            <a:schemeClr val="accent1"/>
-          </a:fillRef>
-          <a:effectRef idx="0">
-            <a:schemeClr val="accent1"/>
-          </a:effectRef>
-          <a:fontRef idx="minor">
-            <a:schemeClr val="lt1"/>
-          </a:fontRef>
-        </p:style>
-      </p:sp>
-      <p:sp>
-        <p:nvSpPr>
-          <p:cNvPr id="2" name="Title 1"/>
-          <p:cNvSpPr>
-            <a:spLocks noGrp="1"/>
-          </p:cNvSpPr>
-          <p:nvPr>
-            <p:ph type="title"/>
+        <p:txBody>
+          <a:bodyPr/>
+          <a:lstStyle>
+            <a:lvl1pPr>
+              <a:defRPr sz="3200"/>
+            </a:lvl1pPr>
+            <a:lvl2pPr>
+              <a:defRPr sz="2800"/>
+            </a:lvl2pPr>
+            <a:lvl3pPr>
+              <a:defRPr sz="2400"/>
+            </a:lvl3pPr>
+            <a:lvl4pPr>
+              <a:defRPr sz="2000"/>
+            </a:lvl4pPr>
+            <a:lvl5pPr>
+              <a:defRPr sz="2000"/>
+            </a:lvl5pPr>
+            <a:lvl6pPr>
+              <a:defRPr sz="2000"/>
+            </a:lvl6pPr>
+            <a:lvl7pPr>
+              <a:defRPr sz="2000"/>
+            </a:lvl7pPr>
+            <a:lvl8pPr>
+              <a:defRPr sz="2000"/>
+            </a:lvl8pPr>
+            <a:lvl9pPr>
+              <a:defRPr sz="2000"/>
+            </a:lvl9pPr>
+          </a:lstStyle>
+          <a:p>
+            <a:pPr lvl="0"/>
+            <a:r>
+              <a:rPr lang="es-ES"/>
+              <a:t>Haga clic para modificar los estilos de texto del patrón</a:t>
+            </a:r>
+          </a:p>
+          <a:p>
+            <a:pPr lvl="1"/>
+            <a:r>
+              <a:rPr lang="es-ES"/>
+              <a:t>Segundo nivel</a:t>
+            </a:r>
+          </a:p>
+          <a:p>
+            <a:pPr lvl="2"/>
+            <a:r>
+              <a:rPr lang="es-ES"/>
+              <a:t>Tercer nivel</a:t>
+            </a:r>
+          </a:p>
+          <a:p>
+            <a:pPr lvl="3"/>
+            <a:r>
+              <a:rPr lang="es-ES"/>
+              <a:t>Cuarto nivel</a:t>
+            </a:r>
+          </a:p>
+          <a:p>
+            <a:pPr lvl="4"/>
+            <a:r>
+              <a:rPr lang="es-ES"/>
+              <a:t>Quinto nivel</a:t>
+            </a:r>
+            <a:endParaRPr lang="es-MX"/>
+          </a:p>
+        </p:txBody>
+      </p:sp>
+      <p:sp>
+        <p:nvSpPr>
+          <p:cNvPr id="4" name="Marcador de texto 3">
+            <a:extLst>
+              <a:ext uri="{FF2B5EF4-FFF2-40B4-BE49-F238E27FC236}">
+                <a16:creationId xmlns:a16="http://schemas.microsoft.com/office/drawing/2014/main" id="{FE4EB2CE-DD9F-5CE0-3A6A-D37E5237CADF}"/>
+              </a:ext>
+            </a:extLst>
+          </p:cNvPr>
+          <p:cNvSpPr>
+            <a:spLocks noGrp="1"/>
+          </p:cNvSpPr>
+          <p:nvPr>
+            <p:ph type="body" sz="half" idx="2"/>
           </p:nvPr>
         </p:nvSpPr>
         <p:spPr>
           <a:xfrm>
-            <a:off x="457200" y="594359"/>
-            <a:ext cx="3200400" cy="2286000"/>
+            <a:off x="839788" y="2057400"/>
+            <a:ext cx="3932237" cy="3811588"/>
           </a:xfrm>
         </p:spPr>
         <p:txBody>
-          <a:bodyPr anchor="b">
-            <a:normAutofit/>
-          </a:bodyPr>
-          <a:lstStyle>
-            <a:lvl1pPr>
-              <a:defRPr sz="3600" b="0">
-                <a:solidFill>
-                  <a:srgbClr val="FFFFFF"/>
-                </a:solidFill>
-              </a:defRPr>
-            </a:lvl1pPr>
-          </a:lstStyle>
-          <a:p>
-            <a:r>
-              <a:rPr lang="es-ES"/>
-              <a:t>Haga clic para modificar el estilo de título del patrón</a:t>
-            </a:r>
-            <a:endParaRPr lang="en-US" dirty="0"/>
-          </a:p>
-        </p:txBody>
-      </p:sp>
-      <p:sp>
-        <p:nvSpPr>
-          <p:cNvPr id="3" name="Content Placeholder 2"/>
-          <p:cNvSpPr>
-            <a:spLocks noGrp="1"/>
-          </p:cNvSpPr>
-          <p:nvPr>
-            <p:ph idx="1"/>
-          </p:nvPr>
-        </p:nvSpPr>
-        <p:spPr>
-          <a:xfrm>
-            <a:off x="4800600" y="731520"/>
-            <a:ext cx="6492240" cy="5257800"/>
-          </a:xfrm>
-        </p:spPr>
-        <p:txBody>
           <a:bodyPr/>
-          <a:lstStyle/>
-          <a:p>
-            <a:pPr lvl="0"/>
-            <a:r>
-              <a:rPr lang="es-ES"/>
-              <a:t>Haga clic para modificar los estilos de texto del patrón</a:t>
-            </a:r>
-          </a:p>
-          <a:p>
-            <a:pPr lvl="1"/>
-            <a:r>
-              <a:rPr lang="es-ES"/>
-              <a:t>Segundo nivel</a:t>
-            </a:r>
-          </a:p>
-          <a:p>
-            <a:pPr lvl="2"/>
-            <a:r>
-              <a:rPr lang="es-ES"/>
-              <a:t>Tercer nivel</a:t>
-            </a:r>
-          </a:p>
-          <a:p>
-            <a:pPr lvl="3"/>
-            <a:r>
-              <a:rPr lang="es-ES"/>
-              <a:t>Cuarto nivel</a:t>
-            </a:r>
-          </a:p>
-          <a:p>
-            <a:pPr lvl="4"/>
-            <a:r>
-              <a:rPr lang="es-ES"/>
-              <a:t>Quinto nivel</a:t>
-            </a:r>
-            <a:endParaRPr lang="en-US" dirty="0"/>
-          </a:p>
-        </p:txBody>
-      </p:sp>
-      <p:sp>
-        <p:nvSpPr>
-          <p:cNvPr id="4" name="Text Placeholder 3"/>
-          <p:cNvSpPr>
-            <a:spLocks noGrp="1"/>
-          </p:cNvSpPr>
-          <p:nvPr>
-            <p:ph type="body" sz="half" idx="2"/>
-          </p:nvPr>
-        </p:nvSpPr>
-        <p:spPr>
-          <a:xfrm>
-            <a:off x="457200" y="2926080"/>
-            <a:ext cx="3200400" cy="3379124"/>
-          </a:xfrm>
-        </p:spPr>
-        <p:txBody>
-          <a:bodyPr lIns="91440" rIns="91440">
-            <a:normAutofit/>
-          </a:bodyPr>
           <a:lstStyle>
             <a:lvl1pPr marL="0" indent="0">
               <a:buNone/>
-              <a:defRPr sz="1500">
-                <a:solidFill>
-                  <a:srgbClr val="FFFFFF"/>
-                </a:solidFill>
-              </a:defRPr>
+              <a:defRPr sz="1600"/>
             </a:lvl1pPr>
             <a:lvl2pPr marL="457200" indent="0">
               <a:buNone/>
-              <a:defRPr sz="1200"/>
+              <a:defRPr sz="1400"/>
             </a:lvl2pPr>
             <a:lvl3pPr marL="914400" indent="0">
               <a:buNone/>
-              <a:defRPr sz="1000"/>
+              <a:defRPr sz="1200"/>
             </a:lvl3pPr>
             <a:lvl4pPr marL="1371600" indent="0">
               <a:buNone/>
-              <a:defRPr sz="900"/>
+              <a:defRPr sz="1000"/>
             </a:lvl4pPr>
             <a:lvl5pPr marL="1828800" indent="0">
               <a:buNone/>
-              <a:defRPr sz="900"/>
+              <a:defRPr sz="1000"/>
             </a:lvl5pPr>
             <a:lvl6pPr marL="2286000" indent="0">
               <a:buNone/>
-              <a:defRPr sz="900"/>
+              <a:defRPr sz="1000"/>
             </a:lvl6pPr>
             <a:lvl7pPr marL="2743200" indent="0">
               <a:buNone/>
-              <a:defRPr sz="900"/>
+              <a:defRPr sz="1000"/>
             </a:lvl7pPr>
             <a:lvl8pPr marL="3200400" indent="0">
               <a:buNone/>
-              <a:defRPr sz="900"/>
+              <a:defRPr sz="1000"/>
             </a:lvl8pPr>
             <a:lvl9pPr marL="3657600" indent="0">
               <a:buNone/>
-              <a:defRPr sz="900"/>
+              <a:defRPr sz="1000"/>
             </a:lvl9pPr>
           </a:lstStyle>
           <a:p>
@@ -2604,7 +2389,13 @@
       </p:sp>
       <p:sp>
         <p:nvSpPr>
-          <p:cNvPr id="5" name="Date Placeholder 4"/>
+          <p:cNvPr id="5" name="Marcador de fecha 4">
+            <a:extLst>
+              <a:ext uri="{FF2B5EF4-FFF2-40B4-BE49-F238E27FC236}">
+                <a16:creationId xmlns:a16="http://schemas.microsoft.com/office/drawing/2014/main" id="{4B1EDBA4-DAA5-2AA3-C0E1-4C84D6889F13}"/>
+              </a:ext>
+            </a:extLst>
+          </p:cNvPr>
           <p:cNvSpPr>
             <a:spLocks noGrp="1"/>
           </p:cNvSpPr>
@@ -2612,19 +2403,10 @@
             <p:ph type="dt" sz="half" idx="10"/>
           </p:nvPr>
         </p:nvSpPr>
-        <p:spPr>
-          <a:xfrm>
-            <a:off x="465512" y="6459785"/>
-            <a:ext cx="2618510" cy="365125"/>
-          </a:xfrm>
-        </p:spPr>
+        <p:spPr/>
         <p:txBody>
           <a:bodyPr/>
-          <a:lstStyle>
-            <a:lvl1pPr algn="l">
-              <a:defRPr/>
-            </a:lvl1pPr>
-          </a:lstStyle>
+          <a:lstStyle/>
           <a:p>
             <a:fld id="{170FD6B7-0C2B-4F39-8DE9-523447D218BB}" type="datetimeFigureOut">
               <a:rPr lang="es-MX" smtClean="0"/>
@@ -2636,7 +2418,13 @@
       </p:sp>
       <p:sp>
         <p:nvSpPr>
-          <p:cNvPr id="6" name="Footer Placeholder 5"/>
+          <p:cNvPr id="6" name="Marcador de pie de página 5">
+            <a:extLst>
+              <a:ext uri="{FF2B5EF4-FFF2-40B4-BE49-F238E27FC236}">
+                <a16:creationId xmlns:a16="http://schemas.microsoft.com/office/drawing/2014/main" id="{535000ED-C04B-C370-8FB4-39F05AAED0BE}"/>
+              </a:ext>
+            </a:extLst>
+          </p:cNvPr>
           <p:cNvSpPr>
             <a:spLocks noGrp="1"/>
           </p:cNvSpPr>
@@ -2644,23 +2432,10 @@
             <p:ph type="ftr" sz="quarter" idx="11"/>
           </p:nvPr>
         </p:nvSpPr>
-        <p:spPr>
-          <a:xfrm>
-            <a:off x="4800600" y="6459785"/>
-            <a:ext cx="4648200" cy="365125"/>
-          </a:xfrm>
-        </p:spPr>
+        <p:spPr/>
         <p:txBody>
           <a:bodyPr/>
-          <a:lstStyle>
-            <a:lvl1pPr algn="l">
-              <a:defRPr>
-                <a:solidFill>
-                  <a:schemeClr val="tx2"/>
-                </a:solidFill>
-              </a:defRPr>
-            </a:lvl1pPr>
-          </a:lstStyle>
+          <a:lstStyle/>
           <a:p>
             <a:endParaRPr lang="es-MX"/>
           </a:p>
@@ -2668,7 +2443,13 @@
       </p:sp>
       <p:sp>
         <p:nvSpPr>
-          <p:cNvPr id="7" name="Slide Number Placeholder 6"/>
+          <p:cNvPr id="7" name="Marcador de número de diapositiva 6">
+            <a:extLst>
+              <a:ext uri="{FF2B5EF4-FFF2-40B4-BE49-F238E27FC236}">
+                <a16:creationId xmlns:a16="http://schemas.microsoft.com/office/drawing/2014/main" id="{BCE7EE64-E0F4-0B3B-AF92-F890D307EE5C}"/>
+              </a:ext>
+            </a:extLst>
+          </p:cNvPr>
           <p:cNvSpPr>
             <a:spLocks noGrp="1"/>
           </p:cNvSpPr>
@@ -2679,15 +2460,7 @@
         <p:spPr/>
         <p:txBody>
           <a:bodyPr/>
-          <a:lstStyle>
-            <a:lvl1pPr>
-              <a:defRPr>
-                <a:solidFill>
-                  <a:schemeClr val="tx2"/>
-                </a:solidFill>
-              </a:defRPr>
-            </a:lvl1pPr>
-          </a:lstStyle>
+          <a:lstStyle/>
           <a:p>
             <a:fld id="{3ACACBAC-BE65-438E-A3B2-2C8454ED617B}" type="slidenum">
               <a:rPr lang="es-MX" smtClean="0"/>
@@ -2700,7 +2473,7 @@
     </p:spTree>
     <p:extLst>
       <p:ext uri="{BB962C8B-B14F-4D97-AF65-F5344CB8AC3E}">
-        <p14:creationId xmlns:p14="http://schemas.microsoft.com/office/powerpoint/2010/main" val="1040929964"/>
+        <p14:creationId xmlns:p14="http://schemas.microsoft.com/office/powerpoint/2010/main" val="2963608960"/>
       </p:ext>
     </p:extLst>
   </p:cSld>
@@ -2711,7 +2484,7 @@
 </file>
 
 <file path=ppt/slideLayouts/slideLayout9.xml><?xml version="1.0" encoding="utf-8"?>
-<p:sldLayout xmlns:a="http://schemas.openxmlformats.org/drawingml/2006/main" xmlns:r="http://schemas.openxmlformats.org/officeDocument/2006/relationships" xmlns:p="http://schemas.openxmlformats.org/presentationml/2006/main" showMasterSp="0" type="picTx" preserve="1">
+<p:sldLayout xmlns:a="http://schemas.openxmlformats.org/drawingml/2006/main" xmlns:r="http://schemas.openxmlformats.org/officeDocument/2006/relationships" xmlns:p="http://schemas.openxmlformats.org/presentationml/2006/main" type="picTx" preserve="1">
   <p:cSld name="Imagen con título">
     <p:spTree>
       <p:nvGrpSpPr>
@@ -2729,150 +2502,70 @@
       </p:grpSpPr>
       <p:sp>
         <p:nvSpPr>
-          <p:cNvPr id="8" name="Rectangle 7"/>
-          <p:cNvSpPr/>
-          <p:nvPr/>
+          <p:cNvPr id="2" name="Título 1">
+            <a:extLst>
+              <a:ext uri="{FF2B5EF4-FFF2-40B4-BE49-F238E27FC236}">
+                <a16:creationId xmlns:a16="http://schemas.microsoft.com/office/drawing/2014/main" id="{CC989297-D4CA-D8BB-237B-91DF5CDFBB53}"/>
+              </a:ext>
+            </a:extLst>
+          </p:cNvPr>
+          <p:cNvSpPr>
+            <a:spLocks noGrp="1"/>
+          </p:cNvSpPr>
+          <p:nvPr>
+            <p:ph type="title"/>
+          </p:nvPr>
         </p:nvSpPr>
         <p:spPr>
           <a:xfrm>
-            <a:off x="0" y="4953000"/>
-            <a:ext cx="12188825" cy="1905000"/>
+            <a:off x="839788" y="457200"/>
+            <a:ext cx="3932237" cy="1600200"/>
           </a:xfrm>
-          <a:prstGeom prst="rect">
-            <a:avLst/>
-          </a:prstGeom>
-          <a:solidFill>
-            <a:schemeClr val="accent2"/>
-          </a:solidFill>
-          <a:ln>
-            <a:noFill/>
-          </a:ln>
         </p:spPr>
-        <p:style>
-          <a:lnRef idx="2">
-            <a:schemeClr val="accent1">
-              <a:shade val="50000"/>
-            </a:schemeClr>
-          </a:lnRef>
-          <a:fillRef idx="1">
-            <a:schemeClr val="accent1"/>
-          </a:fillRef>
-          <a:effectRef idx="0">
-            <a:schemeClr val="accent1"/>
-          </a:effectRef>
-          <a:fontRef idx="minor">
-            <a:schemeClr val="lt1"/>
-          </a:fontRef>
-        </p:style>
-      </p:sp>
-      <p:sp>
-        <p:nvSpPr>
-          <p:cNvPr id="9" name="Rectangle 8"/>
-          <p:cNvSpPr/>
-          <p:nvPr/>
+        <p:txBody>
+          <a:bodyPr anchor="b"/>
+          <a:lstStyle>
+            <a:lvl1pPr>
+              <a:defRPr sz="3200"/>
+            </a:lvl1pPr>
+          </a:lstStyle>
+          <a:p>
+            <a:r>
+              <a:rPr lang="es-ES"/>
+              <a:t>Haga clic para modificar el estilo de título del patrón</a:t>
+            </a:r>
+            <a:endParaRPr lang="es-MX"/>
+          </a:p>
+        </p:txBody>
+      </p:sp>
+      <p:sp>
+        <p:nvSpPr>
+          <p:cNvPr id="3" name="Marcador de posición de imagen 2">
+            <a:extLst>
+              <a:ext uri="{FF2B5EF4-FFF2-40B4-BE49-F238E27FC236}">
+                <a16:creationId xmlns:a16="http://schemas.microsoft.com/office/drawing/2014/main" id="{0A377E61-F11C-2F2E-3217-4E91BA872482}"/>
+              </a:ext>
+            </a:extLst>
+          </p:cNvPr>
+          <p:cNvSpPr>
+            <a:spLocks noGrp="1"/>
+          </p:cNvSpPr>
+          <p:nvPr>
+            <p:ph type="pic" idx="1"/>
+          </p:nvPr>
         </p:nvSpPr>
         <p:spPr>
           <a:xfrm>
-            <a:off x="15" y="4915076"/>
-            <a:ext cx="12188825" cy="64008"/>
-          </a:xfrm>
-          <a:prstGeom prst="rect">
-            <a:avLst/>
-          </a:prstGeom>
-          <a:solidFill>
-            <a:schemeClr val="accent1"/>
-          </a:solidFill>
-          <a:ln>
-            <a:noFill/>
-          </a:ln>
-        </p:spPr>
-        <p:style>
-          <a:lnRef idx="2">
-            <a:schemeClr val="accent1">
-              <a:shade val="50000"/>
-            </a:schemeClr>
-          </a:lnRef>
-          <a:fillRef idx="1">
-            <a:schemeClr val="accent1"/>
-          </a:fillRef>
-          <a:effectRef idx="0">
-            <a:schemeClr val="accent1"/>
-          </a:effectRef>
-          <a:fontRef idx="minor">
-            <a:schemeClr val="lt1"/>
-          </a:fontRef>
-        </p:style>
-      </p:sp>
-      <p:sp>
-        <p:nvSpPr>
-          <p:cNvPr id="2" name="Title 1"/>
-          <p:cNvSpPr>
-            <a:spLocks noGrp="1"/>
-          </p:cNvSpPr>
-          <p:nvPr>
-            <p:ph type="title"/>
-          </p:nvPr>
-        </p:nvSpPr>
-        <p:spPr>
-          <a:xfrm>
-            <a:off x="1097280" y="5074920"/>
-            <a:ext cx="10113264" cy="822960"/>
+            <a:off x="5183188" y="987425"/>
+            <a:ext cx="6172200" cy="4873625"/>
           </a:xfrm>
         </p:spPr>
         <p:txBody>
-          <a:bodyPr lIns="91440" tIns="0" rIns="91440" bIns="0" anchor="b">
-            <a:noAutofit/>
-          </a:bodyPr>
-          <a:lstStyle>
-            <a:lvl1pPr>
-              <a:defRPr sz="3600" b="0">
-                <a:solidFill>
-                  <a:srgbClr val="FFFFFF"/>
-                </a:solidFill>
-              </a:defRPr>
-            </a:lvl1pPr>
-          </a:lstStyle>
-          <a:p>
-            <a:r>
-              <a:rPr lang="es-ES"/>
-              <a:t>Haga clic para modificar el estilo de título del patrón</a:t>
-            </a:r>
-            <a:endParaRPr lang="en-US" dirty="0"/>
-          </a:p>
-        </p:txBody>
-      </p:sp>
-      <p:sp>
-        <p:nvSpPr>
-          <p:cNvPr id="3" name="Picture Placeholder 2"/>
-          <p:cNvSpPr>
-            <a:spLocks noGrp="1" noChangeAspect="1"/>
-          </p:cNvSpPr>
-          <p:nvPr>
-            <p:ph type="pic" idx="1"/>
-          </p:nvPr>
-        </p:nvSpPr>
-        <p:spPr>
-          <a:xfrm>
-            <a:off x="15" y="0"/>
-            <a:ext cx="12191985" cy="4915076"/>
-          </a:xfrm>
-          <a:blipFill>
-            <a:blip r:embed="rId2"/>
-            <a:stretch>
-              <a:fillRect/>
-            </a:stretch>
-          </a:blipFill>
-        </p:spPr>
-        <p:txBody>
-          <a:bodyPr lIns="457200" tIns="457200" anchor="t"/>
+          <a:bodyPr/>
           <a:lstStyle>
             <a:lvl1pPr marL="0" indent="0">
               <a:buNone/>
-              <a:defRPr sz="3200">
-                <a:solidFill>
-                  <a:schemeClr val="bg1"/>
-                </a:solidFill>
-              </a:defRPr>
+              <a:defRPr sz="3200"/>
             </a:lvl1pPr>
             <a:lvl2pPr marL="457200" indent="0">
               <a:buNone/>
@@ -2908,17 +2601,19 @@
             </a:lvl9pPr>
           </a:lstStyle>
           <a:p>
-            <a:r>
-              <a:rPr lang="es-ES"/>
-              <a:t>Haga clic en el icono para agregar una imagen</a:t>
-            </a:r>
-            <a:endParaRPr lang="en-US" dirty="0"/>
-          </a:p>
-        </p:txBody>
-      </p:sp>
-      <p:sp>
-        <p:nvSpPr>
-          <p:cNvPr id="4" name="Text Placeholder 3"/>
+            <a:endParaRPr lang="es-MX"/>
+          </a:p>
+        </p:txBody>
+      </p:sp>
+      <p:sp>
+        <p:nvSpPr>
+          <p:cNvPr id="4" name="Marcador de texto 3">
+            <a:extLst>
+              <a:ext uri="{FF2B5EF4-FFF2-40B4-BE49-F238E27FC236}">
+                <a16:creationId xmlns:a16="http://schemas.microsoft.com/office/drawing/2014/main" id="{BBEA1E20-08CC-CFAC-771C-3C3C63A6BB5E}"/>
+              </a:ext>
+            </a:extLst>
+          </p:cNvPr>
           <p:cNvSpPr>
             <a:spLocks noGrp="1"/>
           </p:cNvSpPr>
@@ -2928,60 +2623,48 @@
         </p:nvSpPr>
         <p:spPr>
           <a:xfrm>
-            <a:off x="1097280" y="5907023"/>
-            <a:ext cx="10113264" cy="594360"/>
+            <a:off x="839788" y="2057400"/>
+            <a:ext cx="3932237" cy="3811588"/>
           </a:xfrm>
         </p:spPr>
         <p:txBody>
-          <a:bodyPr lIns="91440" tIns="0" rIns="91440" bIns="0">
-            <a:normAutofit/>
-          </a:bodyPr>
+          <a:bodyPr/>
           <a:lstStyle>
             <a:lvl1pPr marL="0" indent="0">
-              <a:spcBef>
-                <a:spcPts val="0"/>
-              </a:spcBef>
-              <a:spcAft>
-                <a:spcPts val="600"/>
-              </a:spcAft>
               <a:buNone/>
-              <a:defRPr sz="1500">
-                <a:solidFill>
-                  <a:srgbClr val="FFFFFF"/>
-                </a:solidFill>
-              </a:defRPr>
+              <a:defRPr sz="1600"/>
             </a:lvl1pPr>
             <a:lvl2pPr marL="457200" indent="0">
               <a:buNone/>
-              <a:defRPr sz="1200"/>
+              <a:defRPr sz="1400"/>
             </a:lvl2pPr>
             <a:lvl3pPr marL="914400" indent="0">
               <a:buNone/>
-              <a:defRPr sz="1000"/>
+              <a:defRPr sz="1200"/>
             </a:lvl3pPr>
             <a:lvl4pPr marL="1371600" indent="0">
               <a:buNone/>
-              <a:defRPr sz="900"/>
+              <a:defRPr sz="1000"/>
             </a:lvl4pPr>
             <a:lvl5pPr marL="1828800" indent="0">
               <a:buNone/>
-              <a:defRPr sz="900"/>
+              <a:defRPr sz="1000"/>
             </a:lvl5pPr>
             <a:lvl6pPr marL="2286000" indent="0">
               <a:buNone/>
-              <a:defRPr sz="900"/>
+              <a:defRPr sz="1000"/>
             </a:lvl6pPr>
             <a:lvl7pPr marL="2743200" indent="0">
               <a:buNone/>
-              <a:defRPr sz="900"/>
+              <a:defRPr sz="1000"/>
             </a:lvl7pPr>
             <a:lvl8pPr marL="3200400" indent="0">
               <a:buNone/>
-              <a:defRPr sz="900"/>
+              <a:defRPr sz="1000"/>
             </a:lvl8pPr>
             <a:lvl9pPr marL="3657600" indent="0">
               <a:buNone/>
-              <a:defRPr sz="900"/>
+              <a:defRPr sz="1000"/>
             </a:lvl9pPr>
           </a:lstStyle>
           <a:p>
@@ -2995,7 +2678,13 @@
       </p:sp>
       <p:sp>
         <p:nvSpPr>
-          <p:cNvPr id="5" name="Date Placeholder 4"/>
+          <p:cNvPr id="5" name="Marcador de fecha 4">
+            <a:extLst>
+              <a:ext uri="{FF2B5EF4-FFF2-40B4-BE49-F238E27FC236}">
+                <a16:creationId xmlns:a16="http://schemas.microsoft.com/office/drawing/2014/main" id="{532FDBF7-BE9D-823A-F6A9-9E7A3CC45DC0}"/>
+              </a:ext>
+            </a:extLst>
+          </p:cNvPr>
           <p:cNvSpPr>
             <a:spLocks noGrp="1"/>
           </p:cNvSpPr>
@@ -3018,7 +2707,13 @@
       </p:sp>
       <p:sp>
         <p:nvSpPr>
-          <p:cNvPr id="6" name="Footer Placeholder 5"/>
+          <p:cNvPr id="6" name="Marcador de pie de página 5">
+            <a:extLst>
+              <a:ext uri="{FF2B5EF4-FFF2-40B4-BE49-F238E27FC236}">
+                <a16:creationId xmlns:a16="http://schemas.microsoft.com/office/drawing/2014/main" id="{59F4AAD8-ED69-B608-17DE-D1FFCB96F8DB}"/>
+              </a:ext>
+            </a:extLst>
+          </p:cNvPr>
           <p:cNvSpPr>
             <a:spLocks noGrp="1"/>
           </p:cNvSpPr>
@@ -3037,7 +2732,13 @@
       </p:sp>
       <p:sp>
         <p:nvSpPr>
-          <p:cNvPr id="7" name="Slide Number Placeholder 6"/>
+          <p:cNvPr id="7" name="Marcador de número de diapositiva 6">
+            <a:extLst>
+              <a:ext uri="{FF2B5EF4-FFF2-40B4-BE49-F238E27FC236}">
+                <a16:creationId xmlns:a16="http://schemas.microsoft.com/office/drawing/2014/main" id="{F7575390-0A02-43E5-4344-A317552E03AF}"/>
+              </a:ext>
+            </a:extLst>
+          </p:cNvPr>
           <p:cNvSpPr>
             <a:spLocks noGrp="1"/>
           </p:cNvSpPr>
@@ -3061,7 +2762,7 @@
     </p:spTree>
     <p:extLst>
       <p:ext uri="{BB962C8B-B14F-4D97-AF65-F5344CB8AC3E}">
-        <p14:creationId xmlns:p14="http://schemas.microsoft.com/office/powerpoint/2010/main" val="3985307914"/>
+        <p14:creationId xmlns:p14="http://schemas.microsoft.com/office/powerpoint/2010/main" val="19169090"/>
       </p:ext>
     </p:extLst>
   </p:cSld>
@@ -3095,101 +2796,31 @@
       </p:grpSpPr>
       <p:sp>
         <p:nvSpPr>
-          <p:cNvPr id="7" name="Rectangle 6"/>
-          <p:cNvSpPr/>
-          <p:nvPr/>
+          <p:cNvPr id="2" name="Marcador de título 1">
+            <a:extLst>
+              <a:ext uri="{FF2B5EF4-FFF2-40B4-BE49-F238E27FC236}">
+                <a16:creationId xmlns:a16="http://schemas.microsoft.com/office/drawing/2014/main" id="{7F4C9D09-7043-F5E5-7A62-92CE54979AAB}"/>
+              </a:ext>
+            </a:extLst>
+          </p:cNvPr>
+          <p:cNvSpPr>
+            <a:spLocks noGrp="1"/>
+          </p:cNvSpPr>
+          <p:nvPr>
+            <p:ph type="title"/>
+          </p:nvPr>
         </p:nvSpPr>
         <p:spPr>
           <a:xfrm>
-            <a:off x="1" y="6400800"/>
-            <a:ext cx="12192000" cy="457200"/>
-          </a:xfrm>
-          <a:prstGeom prst="rect">
-            <a:avLst/>
-          </a:prstGeom>
-          <a:solidFill>
-            <a:schemeClr val="accent2"/>
-          </a:solidFill>
-          <a:ln>
-            <a:noFill/>
-          </a:ln>
-        </p:spPr>
-        <p:style>
-          <a:lnRef idx="2">
-            <a:schemeClr val="accent1">
-              <a:shade val="50000"/>
-            </a:schemeClr>
-          </a:lnRef>
-          <a:fillRef idx="1">
-            <a:schemeClr val="accent1"/>
-          </a:fillRef>
-          <a:effectRef idx="0">
-            <a:schemeClr val="accent1"/>
-          </a:effectRef>
-          <a:fontRef idx="minor">
-            <a:schemeClr val="lt1"/>
-          </a:fontRef>
-        </p:style>
-      </p:sp>
-      <p:sp>
-        <p:nvSpPr>
-          <p:cNvPr id="9" name="Rectangle 8"/>
-          <p:cNvSpPr/>
-          <p:nvPr/>
-        </p:nvSpPr>
-        <p:spPr>
-          <a:xfrm>
-            <a:off x="0" y="6334316"/>
-            <a:ext cx="12192001" cy="65998"/>
-          </a:xfrm>
-          <a:prstGeom prst="rect">
-            <a:avLst/>
-          </a:prstGeom>
-          <a:solidFill>
-            <a:schemeClr val="accent1"/>
-          </a:solidFill>
-          <a:ln>
-            <a:noFill/>
-          </a:ln>
-        </p:spPr>
-        <p:style>
-          <a:lnRef idx="2">
-            <a:schemeClr val="accent1">
-              <a:shade val="50000"/>
-            </a:schemeClr>
-          </a:lnRef>
-          <a:fillRef idx="1">
-            <a:schemeClr val="accent1"/>
-          </a:fillRef>
-          <a:effectRef idx="0">
-            <a:schemeClr val="accent1"/>
-          </a:effectRef>
-          <a:fontRef idx="minor">
-            <a:schemeClr val="lt1"/>
-          </a:fontRef>
-        </p:style>
-      </p:sp>
-      <p:sp>
-        <p:nvSpPr>
-          <p:cNvPr id="2" name="Title Placeholder 1"/>
-          <p:cNvSpPr>
-            <a:spLocks noGrp="1"/>
-          </p:cNvSpPr>
-          <p:nvPr>
-            <p:ph type="title"/>
-          </p:nvPr>
-        </p:nvSpPr>
-        <p:spPr>
-          <a:xfrm>
-            <a:off x="1097280" y="286603"/>
-            <a:ext cx="10058400" cy="1450757"/>
+            <a:off x="838200" y="365125"/>
+            <a:ext cx="10515600" cy="1325563"/>
           </a:xfrm>
           <a:prstGeom prst="rect">
             <a:avLst/>
           </a:prstGeom>
         </p:spPr>
         <p:txBody>
-          <a:bodyPr vert="horz" lIns="91440" tIns="45720" rIns="91440" bIns="45720" rtlCol="0" anchor="b">
+          <a:bodyPr vert="horz" lIns="91440" tIns="45720" rIns="91440" bIns="45720" rtlCol="0" anchor="ctr">
             <a:normAutofit/>
           </a:bodyPr>
           <a:lstStyle/>
@@ -3198,13 +2829,19 @@
               <a:rPr lang="es-ES"/>
               <a:t>Haga clic para modificar el estilo de título del patrón</a:t>
             </a:r>
-            <a:endParaRPr lang="en-US" dirty="0"/>
-          </a:p>
-        </p:txBody>
-      </p:sp>
-      <p:sp>
-        <p:nvSpPr>
-          <p:cNvPr id="3" name="Text Placeholder 2"/>
+            <a:endParaRPr lang="es-MX"/>
+          </a:p>
+        </p:txBody>
+      </p:sp>
+      <p:sp>
+        <p:nvSpPr>
+          <p:cNvPr id="3" name="Marcador de texto 2">
+            <a:extLst>
+              <a:ext uri="{FF2B5EF4-FFF2-40B4-BE49-F238E27FC236}">
+                <a16:creationId xmlns:a16="http://schemas.microsoft.com/office/drawing/2014/main" id="{1E3092AC-DAFC-D8F3-64FF-A6979F19BE8D}"/>
+              </a:ext>
+            </a:extLst>
+          </p:cNvPr>
           <p:cNvSpPr>
             <a:spLocks noGrp="1"/>
           </p:cNvSpPr>
@@ -3214,15 +2851,15 @@
         </p:nvSpPr>
         <p:spPr>
           <a:xfrm>
-            <a:off x="1097280" y="1845734"/>
-            <a:ext cx="10058400" cy="4023360"/>
+            <a:off x="838200" y="1825625"/>
+            <a:ext cx="10515600" cy="4351338"/>
           </a:xfrm>
           <a:prstGeom prst="rect">
             <a:avLst/>
           </a:prstGeom>
         </p:spPr>
         <p:txBody>
-          <a:bodyPr vert="horz" lIns="0" tIns="45720" rIns="0" bIns="45720" rtlCol="0">
+          <a:bodyPr vert="horz" lIns="91440" tIns="45720" rIns="91440" bIns="45720" rtlCol="0">
             <a:normAutofit/>
           </a:bodyPr>
           <a:lstStyle/>
@@ -3260,13 +2897,19 @@
               <a:rPr lang="es-ES"/>
               <a:t>Quinto nivel</a:t>
             </a:r>
-            <a:endParaRPr lang="en-US" dirty="0"/>
-          </a:p>
-        </p:txBody>
-      </p:sp>
-      <p:sp>
-        <p:nvSpPr>
-          <p:cNvPr id="4" name="Date Placeholder 3"/>
+            <a:endParaRPr lang="es-MX"/>
+          </a:p>
+        </p:txBody>
+      </p:sp>
+      <p:sp>
+        <p:nvSpPr>
+          <p:cNvPr id="4" name="Marcador de fecha 3">
+            <a:extLst>
+              <a:ext uri="{FF2B5EF4-FFF2-40B4-BE49-F238E27FC236}">
+                <a16:creationId xmlns:a16="http://schemas.microsoft.com/office/drawing/2014/main" id="{745DC74E-E9D5-2601-24F8-94E29A29CF90}"/>
+              </a:ext>
+            </a:extLst>
+          </p:cNvPr>
           <p:cNvSpPr>
             <a:spLocks noGrp="1"/>
           </p:cNvSpPr>
@@ -3276,8 +2919,8 @@
         </p:nvSpPr>
         <p:spPr>
           <a:xfrm>
-            <a:off x="1097280" y="6459785"/>
-            <a:ext cx="2472271" cy="365125"/>
+            <a:off x="838200" y="6356350"/>
+            <a:ext cx="2743200" cy="365125"/>
           </a:xfrm>
           <a:prstGeom prst="rect">
             <a:avLst/>
@@ -3287,9 +2930,11 @@
           <a:bodyPr vert="horz" lIns="91440" tIns="45720" rIns="91440" bIns="45720" rtlCol="0" anchor="ctr"/>
           <a:lstStyle>
             <a:lvl1pPr algn="l">
-              <a:defRPr sz="900">
+              <a:defRPr sz="1200">
                 <a:solidFill>
-                  <a:srgbClr val="FFFFFF"/>
+                  <a:schemeClr val="tx1">
+                    <a:tint val="82000"/>
+                  </a:schemeClr>
                 </a:solidFill>
               </a:defRPr>
             </a:lvl1pPr>
@@ -3305,7 +2950,13 @@
       </p:sp>
       <p:sp>
         <p:nvSpPr>
-          <p:cNvPr id="5" name="Footer Placeholder 4"/>
+          <p:cNvPr id="5" name="Marcador de pie de página 4">
+            <a:extLst>
+              <a:ext uri="{FF2B5EF4-FFF2-40B4-BE49-F238E27FC236}">
+                <a16:creationId xmlns:a16="http://schemas.microsoft.com/office/drawing/2014/main" id="{7BEEF94C-33C0-AD97-CFDC-744DC734DA72}"/>
+              </a:ext>
+            </a:extLst>
+          </p:cNvPr>
           <p:cNvSpPr>
             <a:spLocks noGrp="1"/>
           </p:cNvSpPr>
@@ -3315,8 +2966,8 @@
         </p:nvSpPr>
         <p:spPr>
           <a:xfrm>
-            <a:off x="3686185" y="6459785"/>
-            <a:ext cx="4822804" cy="365125"/>
+            <a:off x="4038600" y="6356350"/>
+            <a:ext cx="4114800" cy="365125"/>
           </a:xfrm>
           <a:prstGeom prst="rect">
             <a:avLst/>
@@ -3326,9 +2977,11 @@
           <a:bodyPr vert="horz" lIns="91440" tIns="45720" rIns="91440" bIns="45720" rtlCol="0" anchor="ctr"/>
           <a:lstStyle>
             <a:lvl1pPr algn="ctr">
-              <a:defRPr sz="900" cap="all" baseline="0">
+              <a:defRPr sz="1200">
                 <a:solidFill>
-                  <a:srgbClr val="FFFFFF"/>
+                  <a:schemeClr val="tx1">
+                    <a:tint val="82000"/>
+                  </a:schemeClr>
                 </a:solidFill>
               </a:defRPr>
             </a:lvl1pPr>
@@ -3340,7 +2993,13 @@
       </p:sp>
       <p:sp>
         <p:nvSpPr>
-          <p:cNvPr id="6" name="Slide Number Placeholder 5"/>
+          <p:cNvPr id="6" name="Marcador de número de diapositiva 5">
+            <a:extLst>
+              <a:ext uri="{FF2B5EF4-FFF2-40B4-BE49-F238E27FC236}">
+                <a16:creationId xmlns:a16="http://schemas.microsoft.com/office/drawing/2014/main" id="{80D27067-CFE1-B1A2-B257-5E83ECE22F52}"/>
+              </a:ext>
+            </a:extLst>
+          </p:cNvPr>
           <p:cNvSpPr>
             <a:spLocks noGrp="1"/>
           </p:cNvSpPr>
@@ -3350,8 +3009,8 @@
         </p:nvSpPr>
         <p:spPr>
           <a:xfrm>
-            <a:off x="9900458" y="6459785"/>
-            <a:ext cx="1312025" cy="365125"/>
+            <a:off x="8610600" y="6356350"/>
+            <a:ext cx="2743200" cy="365125"/>
           </a:xfrm>
           <a:prstGeom prst="rect">
             <a:avLst/>
@@ -3361,9 +3020,11 @@
           <a:bodyPr vert="horz" lIns="91440" tIns="45720" rIns="91440" bIns="45720" rtlCol="0" anchor="ctr"/>
           <a:lstStyle>
             <a:lvl1pPr algn="r">
-              <a:defRPr sz="1050">
+              <a:defRPr sz="1200">
                 <a:solidFill>
-                  <a:srgbClr val="FFFFFF"/>
+                  <a:schemeClr val="tx1">
+                    <a:tint val="82000"/>
+                  </a:schemeClr>
                 </a:solidFill>
               </a:defRPr>
             </a:lvl1pPr>
@@ -3377,81 +3038,40 @@
           </a:p>
         </p:txBody>
       </p:sp>
-      <p:cxnSp>
-        <p:nvCxnSpPr>
-          <p:cNvPr id="10" name="Straight Connector 9"/>
-          <p:cNvCxnSpPr/>
-          <p:nvPr/>
-        </p:nvCxnSpPr>
-        <p:spPr>
-          <a:xfrm>
-            <a:off x="1193532" y="1737845"/>
-            <a:ext cx="9966960" cy="0"/>
-          </a:xfrm>
-          <a:prstGeom prst="line">
-            <a:avLst/>
-          </a:prstGeom>
-          <a:ln w="6350">
-            <a:solidFill>
-              <a:schemeClr val="tx1">
-                <a:lumMod val="50000"/>
-                <a:lumOff val="50000"/>
-              </a:schemeClr>
-            </a:solidFill>
-          </a:ln>
-        </p:spPr>
-        <p:style>
-          <a:lnRef idx="1">
-            <a:schemeClr val="accent1"/>
-          </a:lnRef>
-          <a:fillRef idx="0">
-            <a:schemeClr val="accent1"/>
-          </a:fillRef>
-          <a:effectRef idx="0">
-            <a:schemeClr val="accent1"/>
-          </a:effectRef>
-          <a:fontRef idx="minor">
-            <a:schemeClr val="tx1"/>
-          </a:fontRef>
-        </p:style>
-      </p:cxnSp>
     </p:spTree>
     <p:extLst>
       <p:ext uri="{BB962C8B-B14F-4D97-AF65-F5344CB8AC3E}">
-        <p14:creationId xmlns:p14="http://schemas.microsoft.com/office/powerpoint/2010/main" val="2514659247"/>
+        <p14:creationId xmlns:p14="http://schemas.microsoft.com/office/powerpoint/2010/main" val="118397596"/>
       </p:ext>
     </p:extLst>
   </p:cSld>
   <p:clrMap bg1="lt1" tx1="dk1" bg2="lt2" tx2="dk2" accent1="accent1" accent2="accent2" accent3="accent3" accent4="accent4" accent5="accent5" accent6="accent6" hlink="hlink" folHlink="folHlink"/>
   <p:sldLayoutIdLst>
-    <p:sldLayoutId id="2147483673" r:id="rId1"/>
-    <p:sldLayoutId id="2147483674" r:id="rId2"/>
-    <p:sldLayoutId id="2147483675" r:id="rId3"/>
-    <p:sldLayoutId id="2147483676" r:id="rId4"/>
-    <p:sldLayoutId id="2147483677" r:id="rId5"/>
-    <p:sldLayoutId id="2147483678" r:id="rId6"/>
-    <p:sldLayoutId id="2147483679" r:id="rId7"/>
-    <p:sldLayoutId id="2147483680" r:id="rId8"/>
-    <p:sldLayoutId id="2147483681" r:id="rId9"/>
-    <p:sldLayoutId id="2147483682" r:id="rId10"/>
-    <p:sldLayoutId id="2147483683" r:id="rId11"/>
+    <p:sldLayoutId id="2147483685" r:id="rId1"/>
+    <p:sldLayoutId id="2147483686" r:id="rId2"/>
+    <p:sldLayoutId id="2147483687" r:id="rId3"/>
+    <p:sldLayoutId id="2147483688" r:id="rId4"/>
+    <p:sldLayoutId id="2147483689" r:id="rId5"/>
+    <p:sldLayoutId id="2147483690" r:id="rId6"/>
+    <p:sldLayoutId id="2147483691" r:id="rId7"/>
+    <p:sldLayoutId id="2147483692" r:id="rId8"/>
+    <p:sldLayoutId id="2147483693" r:id="rId9"/>
+    <p:sldLayoutId id="2147483694" r:id="rId10"/>
+    <p:sldLayoutId id="2147483695" r:id="rId11"/>
   </p:sldLayoutIdLst>
   <p:txStyles>
     <p:titleStyle>
       <a:lvl1pPr algn="l" defTabSz="914400" rtl="0" eaLnBrk="1" latinLnBrk="0" hangingPunct="1">
         <a:lnSpc>
-          <a:spcPct val="85000"/>
+          <a:spcPct val="90000"/>
         </a:lnSpc>
         <a:spcBef>
           <a:spcPct val="0"/>
         </a:spcBef>
         <a:buNone/>
-        <a:defRPr sz="4800" kern="1200" spc="-50" baseline="0">
+        <a:defRPr sz="4400" kern="1200">
           <a:solidFill>
-            <a:schemeClr val="tx1">
-              <a:lumMod val="75000"/>
-              <a:lumOff val="25000"/>
-            </a:schemeClr>
+            <a:schemeClr val="tx1"/>
           </a:solidFill>
           <a:latin typeface="+mj-lt"/>
           <a:ea typeface="+mj-ea"/>
@@ -3460,244 +3080,162 @@
       </a:lvl1pPr>
     </p:titleStyle>
     <p:bodyStyle>
-      <a:lvl1pPr marL="91440" indent="-91440" algn="l" defTabSz="914400" rtl="0" eaLnBrk="1" latinLnBrk="0" hangingPunct="1">
+      <a:lvl1pPr marL="228600" indent="-228600" algn="l" defTabSz="914400" rtl="0" eaLnBrk="1" latinLnBrk="0" hangingPunct="1">
         <a:lnSpc>
           <a:spcPct val="90000"/>
         </a:lnSpc>
         <a:spcBef>
-          <a:spcPts val="1200"/>
+          <a:spcPts val="1000"/>
         </a:spcBef>
-        <a:spcAft>
-          <a:spcPts val="200"/>
-        </a:spcAft>
-        <a:buClr>
-          <a:schemeClr val="accent1"/>
-        </a:buClr>
-        <a:buSzPct val="100000"/>
-        <a:buFont typeface="Calibri" panose="020F0502020204030204" pitchFamily="34" charset="0"/>
-        <a:buChar char=" "/>
-        <a:defRPr sz="2000" kern="1200">
+        <a:buFont typeface="Arial" panose="020B0604020202020204" pitchFamily="34" charset="0"/>
+        <a:buChar char="•"/>
+        <a:defRPr sz="2800" kern="1200">
           <a:solidFill>
-            <a:schemeClr val="tx1">
-              <a:lumMod val="75000"/>
-              <a:lumOff val="25000"/>
-            </a:schemeClr>
+            <a:schemeClr val="tx1"/>
           </a:solidFill>
           <a:latin typeface="+mn-lt"/>
           <a:ea typeface="+mn-ea"/>
           <a:cs typeface="+mn-cs"/>
         </a:defRPr>
       </a:lvl1pPr>
-      <a:lvl2pPr marL="384048" indent="-182880" algn="l" defTabSz="914400" rtl="0" eaLnBrk="1" latinLnBrk="0" hangingPunct="1">
+      <a:lvl2pPr marL="685800" indent="-228600" algn="l" defTabSz="914400" rtl="0" eaLnBrk="1" latinLnBrk="0" hangingPunct="1">
         <a:lnSpc>
           <a:spcPct val="90000"/>
         </a:lnSpc>
         <a:spcBef>
-          <a:spcPts val="200"/>
+          <a:spcPts val="500"/>
         </a:spcBef>
-        <a:spcAft>
-          <a:spcPts val="400"/>
-        </a:spcAft>
-        <a:buClr>
-          <a:schemeClr val="accent1"/>
-        </a:buClr>
-        <a:buFont typeface="Calibri" pitchFamily="34" charset="0"/>
-        <a:buChar char="◦"/>
-        <a:defRPr sz="1800" kern="1200">
+        <a:buFont typeface="Arial" panose="020B0604020202020204" pitchFamily="34" charset="0"/>
+        <a:buChar char="•"/>
+        <a:defRPr sz="2400" kern="1200">
           <a:solidFill>
-            <a:schemeClr val="tx1">
-              <a:lumMod val="75000"/>
-              <a:lumOff val="25000"/>
-            </a:schemeClr>
+            <a:schemeClr val="tx1"/>
           </a:solidFill>
           <a:latin typeface="+mn-lt"/>
           <a:ea typeface="+mn-ea"/>
           <a:cs typeface="+mn-cs"/>
         </a:defRPr>
       </a:lvl2pPr>
-      <a:lvl3pPr marL="566928" indent="-182880" algn="l" defTabSz="914400" rtl="0" eaLnBrk="1" latinLnBrk="0" hangingPunct="1">
+      <a:lvl3pPr marL="1143000" indent="-228600" algn="l" defTabSz="914400" rtl="0" eaLnBrk="1" latinLnBrk="0" hangingPunct="1">
         <a:lnSpc>
           <a:spcPct val="90000"/>
         </a:lnSpc>
         <a:spcBef>
-          <a:spcPts val="200"/>
+          <a:spcPts val="500"/>
         </a:spcBef>
-        <a:spcAft>
-          <a:spcPts val="400"/>
-        </a:spcAft>
-        <a:buClr>
-          <a:schemeClr val="accent1"/>
-        </a:buClr>
-        <a:buFont typeface="Calibri" pitchFamily="34" charset="0"/>
-        <a:buChar char="◦"/>
-        <a:defRPr sz="1400" kern="1200">
+        <a:buFont typeface="Arial" panose="020B0604020202020204" pitchFamily="34" charset="0"/>
+        <a:buChar char="•"/>
+        <a:defRPr sz="2000" kern="1200">
           <a:solidFill>
-            <a:schemeClr val="tx1">
-              <a:lumMod val="75000"/>
-              <a:lumOff val="25000"/>
-            </a:schemeClr>
+            <a:schemeClr val="tx1"/>
           </a:solidFill>
           <a:latin typeface="+mn-lt"/>
           <a:ea typeface="+mn-ea"/>
           <a:cs typeface="+mn-cs"/>
         </a:defRPr>
       </a:lvl3pPr>
-      <a:lvl4pPr marL="749808" indent="-182880" algn="l" defTabSz="914400" rtl="0" eaLnBrk="1" latinLnBrk="0" hangingPunct="1">
+      <a:lvl4pPr marL="1600200" indent="-228600" algn="l" defTabSz="914400" rtl="0" eaLnBrk="1" latinLnBrk="0" hangingPunct="1">
         <a:lnSpc>
           <a:spcPct val="90000"/>
         </a:lnSpc>
         <a:spcBef>
-          <a:spcPts val="200"/>
+          <a:spcPts val="500"/>
         </a:spcBef>
-        <a:spcAft>
-          <a:spcPts val="400"/>
-        </a:spcAft>
-        <a:buClr>
-          <a:schemeClr val="accent1"/>
-        </a:buClr>
-        <a:buFont typeface="Calibri" pitchFamily="34" charset="0"/>
-        <a:buChar char="◦"/>
-        <a:defRPr sz="1400" kern="1200">
+        <a:buFont typeface="Arial" panose="020B0604020202020204" pitchFamily="34" charset="0"/>
+        <a:buChar char="•"/>
+        <a:defRPr sz="1800" kern="1200">
           <a:solidFill>
-            <a:schemeClr val="tx1">
-              <a:lumMod val="75000"/>
-              <a:lumOff val="25000"/>
-            </a:schemeClr>
+            <a:schemeClr val="tx1"/>
           </a:solidFill>
           <a:latin typeface="+mn-lt"/>
           <a:ea typeface="+mn-ea"/>
           <a:cs typeface="+mn-cs"/>
         </a:defRPr>
       </a:lvl4pPr>
-      <a:lvl5pPr marL="932688" indent="-182880" algn="l" defTabSz="914400" rtl="0" eaLnBrk="1" latinLnBrk="0" hangingPunct="1">
+      <a:lvl5pPr marL="2057400" indent="-228600" algn="l" defTabSz="914400" rtl="0" eaLnBrk="1" latinLnBrk="0" hangingPunct="1">
         <a:lnSpc>
           <a:spcPct val="90000"/>
         </a:lnSpc>
         <a:spcBef>
-          <a:spcPts val="200"/>
+          <a:spcPts val="500"/>
         </a:spcBef>
-        <a:spcAft>
-          <a:spcPts val="400"/>
-        </a:spcAft>
-        <a:buClr>
-          <a:schemeClr val="accent1"/>
-        </a:buClr>
-        <a:buFont typeface="Calibri" pitchFamily="34" charset="0"/>
-        <a:buChar char="◦"/>
-        <a:defRPr sz="1400" kern="1200">
+        <a:buFont typeface="Arial" panose="020B0604020202020204" pitchFamily="34" charset="0"/>
+        <a:buChar char="•"/>
+        <a:defRPr sz="1800" kern="1200">
           <a:solidFill>
-            <a:schemeClr val="tx1">
-              <a:lumMod val="75000"/>
-              <a:lumOff val="25000"/>
-            </a:schemeClr>
+            <a:schemeClr val="tx1"/>
           </a:solidFill>
           <a:latin typeface="+mn-lt"/>
           <a:ea typeface="+mn-ea"/>
           <a:cs typeface="+mn-cs"/>
         </a:defRPr>
       </a:lvl5pPr>
-      <a:lvl6pPr marL="1100000" indent="-228600" algn="l" defTabSz="914400" rtl="0" eaLnBrk="1" latinLnBrk="0" hangingPunct="1">
+      <a:lvl6pPr marL="2514600" indent="-228600" algn="l" defTabSz="914400" rtl="0" eaLnBrk="1" latinLnBrk="0" hangingPunct="1">
         <a:lnSpc>
           <a:spcPct val="90000"/>
         </a:lnSpc>
         <a:spcBef>
-          <a:spcPts val="200"/>
+          <a:spcPts val="500"/>
         </a:spcBef>
-        <a:spcAft>
-          <a:spcPts val="400"/>
-        </a:spcAft>
-        <a:buClr>
-          <a:schemeClr val="accent1"/>
-        </a:buClr>
-        <a:buFont typeface="Calibri" pitchFamily="34" charset="0"/>
-        <a:buChar char="◦"/>
-        <a:defRPr sz="1400" kern="1200">
+        <a:buFont typeface="Arial" panose="020B0604020202020204" pitchFamily="34" charset="0"/>
+        <a:buChar char="•"/>
+        <a:defRPr sz="1800" kern="1200">
           <a:solidFill>
-            <a:schemeClr val="tx1">
-              <a:lumMod val="75000"/>
-              <a:lumOff val="25000"/>
-            </a:schemeClr>
+            <a:schemeClr val="tx1"/>
           </a:solidFill>
           <a:latin typeface="+mn-lt"/>
           <a:ea typeface="+mn-ea"/>
           <a:cs typeface="+mn-cs"/>
         </a:defRPr>
       </a:lvl6pPr>
-      <a:lvl7pPr marL="1300000" indent="-228600" algn="l" defTabSz="914400" rtl="0" eaLnBrk="1" latinLnBrk="0" hangingPunct="1">
+      <a:lvl7pPr marL="2971800" indent="-228600" algn="l" defTabSz="914400" rtl="0" eaLnBrk="1" latinLnBrk="0" hangingPunct="1">
         <a:lnSpc>
           <a:spcPct val="90000"/>
         </a:lnSpc>
         <a:spcBef>
-          <a:spcPts val="200"/>
+          <a:spcPts val="500"/>
         </a:spcBef>
-        <a:spcAft>
-          <a:spcPts val="400"/>
-        </a:spcAft>
-        <a:buClr>
-          <a:schemeClr val="accent1"/>
-        </a:buClr>
-        <a:buFont typeface="Calibri" pitchFamily="34" charset="0"/>
-        <a:buChar char="◦"/>
-        <a:defRPr sz="1400" kern="1200">
+        <a:buFont typeface="Arial" panose="020B0604020202020204" pitchFamily="34" charset="0"/>
+        <a:buChar char="•"/>
+        <a:defRPr sz="1800" kern="1200">
           <a:solidFill>
-            <a:schemeClr val="tx1">
-              <a:lumMod val="75000"/>
-              <a:lumOff val="25000"/>
-            </a:schemeClr>
+            <a:schemeClr val="tx1"/>
           </a:solidFill>
           <a:latin typeface="+mn-lt"/>
           <a:ea typeface="+mn-ea"/>
           <a:cs typeface="+mn-cs"/>
         </a:defRPr>
       </a:lvl7pPr>
-      <a:lvl8pPr marL="1500000" indent="-228600" algn="l" defTabSz="914400" rtl="0" eaLnBrk="1" latinLnBrk="0" hangingPunct="1">
+      <a:lvl8pPr marL="3429000" indent="-228600" algn="l" defTabSz="914400" rtl="0" eaLnBrk="1" latinLnBrk="0" hangingPunct="1">
         <a:lnSpc>
           <a:spcPct val="90000"/>
         </a:lnSpc>
         <a:spcBef>
-          <a:spcPts val="200"/>
+          <a:spcPts val="500"/>
         </a:spcBef>
-        <a:spcAft>
-          <a:spcPts val="400"/>
-        </a:spcAft>
-        <a:buClr>
-          <a:schemeClr val="accent1"/>
-        </a:buClr>
-        <a:buFont typeface="Calibri" pitchFamily="34" charset="0"/>
-        <a:buChar char="◦"/>
-        <a:defRPr sz="1400" kern="1200">
+        <a:buFont typeface="Arial" panose="020B0604020202020204" pitchFamily="34" charset="0"/>
+        <a:buChar char="•"/>
+        <a:defRPr sz="1800" kern="1200">
           <a:solidFill>
-            <a:schemeClr val="tx1">
-              <a:lumMod val="75000"/>
-              <a:lumOff val="25000"/>
-            </a:schemeClr>
+            <a:schemeClr val="tx1"/>
           </a:solidFill>
           <a:latin typeface="+mn-lt"/>
           <a:ea typeface="+mn-ea"/>
           <a:cs typeface="+mn-cs"/>
         </a:defRPr>
       </a:lvl8pPr>
-      <a:lvl9pPr marL="1700000" indent="-228600" algn="l" defTabSz="914400" rtl="0" eaLnBrk="1" latinLnBrk="0" hangingPunct="1">
+      <a:lvl9pPr marL="3886200" indent="-228600" algn="l" defTabSz="914400" rtl="0" eaLnBrk="1" latinLnBrk="0" hangingPunct="1">
         <a:lnSpc>
           <a:spcPct val="90000"/>
         </a:lnSpc>
         <a:spcBef>
-          <a:spcPts val="200"/>
+          <a:spcPts val="500"/>
         </a:spcBef>
-        <a:spcAft>
-          <a:spcPts val="400"/>
-        </a:spcAft>
-        <a:buClr>
-          <a:schemeClr val="accent1"/>
-        </a:buClr>
-        <a:buFont typeface="Calibri" pitchFamily="34" charset="0"/>
-        <a:buChar char="◦"/>
-        <a:defRPr sz="1400" kern="1200">
+        <a:buFont typeface="Arial" panose="020B0604020202020204" pitchFamily="34" charset="0"/>
+        <a:buChar char="•"/>
+        <a:defRPr sz="1800" kern="1200">
           <a:solidFill>
-            <a:schemeClr val="tx1">
-              <a:lumMod val="75000"/>
-              <a:lumOff val="25000"/>
-            </a:schemeClr>
+            <a:schemeClr val="tx1"/>
           </a:solidFill>
           <a:latin typeface="+mn-lt"/>
           <a:ea typeface="+mn-ea"/>
@@ -3707,7 +3245,7 @@
     </p:bodyStyle>
     <p:otherStyle>
       <a:defPPr>
-        <a:defRPr lang="en-US"/>
+        <a:defRPr lang="es-MX"/>
       </a:defPPr>
       <a:lvl1pPr marL="0" algn="l" defTabSz="914400" rtl="0" eaLnBrk="1" latinLnBrk="0" hangingPunct="1">
         <a:defRPr sz="1800" kern="1200">
@@ -3821,90 +3359,6 @@
           <a:chExt cx="0" cy="0"/>
         </a:xfrm>
       </p:grpSpPr>
-      <p:sp>
-        <p:nvSpPr>
-          <p:cNvPr id="2" name="Título 1">
-            <a:extLst>
-              <a:ext uri="{FF2B5EF4-FFF2-40B4-BE49-F238E27FC236}">
-                <a16:creationId xmlns:a16="http://schemas.microsoft.com/office/drawing/2014/main" id="{347AA389-0EE5-77DA-73B5-8DEE92C77BBE}"/>
-              </a:ext>
-            </a:extLst>
-          </p:cNvPr>
-          <p:cNvSpPr>
-            <a:spLocks noGrp="1"/>
-          </p:cNvSpPr>
-          <p:nvPr>
-            <p:ph type="ctrTitle"/>
-          </p:nvPr>
-        </p:nvSpPr>
-        <p:spPr/>
-        <p:txBody>
-          <a:bodyPr>
-            <a:normAutofit fontScale="90000"/>
-          </a:bodyPr>
-          <a:lstStyle/>
-          <a:p>
-            <a:r>
-              <a:rPr lang="es-MX" dirty="0"/>
-              <a:t>Reconocimiento de estrés a partir de la actividad </a:t>
-            </a:r>
-            <a:r>
-              <a:rPr lang="es-MX" dirty="0" err="1"/>
-              <a:t>electrodérmica</a:t>
-            </a:r>
-            <a:r>
-              <a:rPr lang="es-MX" dirty="0"/>
-              <a:t> </a:t>
-            </a:r>
-          </a:p>
-        </p:txBody>
-      </p:sp>
-      <p:sp>
-        <p:nvSpPr>
-          <p:cNvPr id="3" name="Subtítulo 2">
-            <a:extLst>
-              <a:ext uri="{FF2B5EF4-FFF2-40B4-BE49-F238E27FC236}">
-                <a16:creationId xmlns:a16="http://schemas.microsoft.com/office/drawing/2014/main" id="{F9228650-74C2-7865-89A6-2E50E16BEB4D}"/>
-              </a:ext>
-            </a:extLst>
-          </p:cNvPr>
-          <p:cNvSpPr>
-            <a:spLocks noGrp="1"/>
-          </p:cNvSpPr>
-          <p:nvPr>
-            <p:ph type="subTitle" idx="1"/>
-          </p:nvPr>
-        </p:nvSpPr>
-        <p:spPr>
-          <a:xfrm>
-            <a:off x="1524000" y="4443286"/>
-            <a:ext cx="9144000" cy="1655762"/>
-          </a:xfrm>
-        </p:spPr>
-        <p:txBody>
-          <a:bodyPr/>
-          <a:lstStyle/>
-          <a:p>
-            <a:r>
-              <a:rPr lang="es-CL" dirty="0"/>
-              <a:t>Módulo: Taller Integrado de Ciencias de Datos</a:t>
-            </a:r>
-          </a:p>
-          <a:p>
-            <a:r>
-              <a:rPr lang="es-CL" dirty="0"/>
-              <a:t>Estudiante: Benjamín González</a:t>
-            </a:r>
-          </a:p>
-          <a:p>
-            <a:r>
-              <a:rPr lang="es-CL" dirty="0"/>
-              <a:t>Profesor: César Astudillo</a:t>
-            </a:r>
-            <a:endParaRPr lang="es-MX" dirty="0"/>
-          </a:p>
-        </p:txBody>
-      </p:sp>
       <p:pic>
         <p:nvPicPr>
           <p:cNvPr id="5" name="Imagen 4">
@@ -3927,14 +3381,98 @@
         </p:blipFill>
         <p:spPr>
           <a:xfrm>
-            <a:off x="10158883" y="328380"/>
-            <a:ext cx="1909187" cy="2361959"/>
+            <a:off x="10439262" y="0"/>
+            <a:ext cx="1752738" cy="2168407"/>
           </a:xfrm>
           <a:prstGeom prst="rect">
             <a:avLst/>
           </a:prstGeom>
         </p:spPr>
       </p:pic>
+      <p:sp>
+        <p:nvSpPr>
+          <p:cNvPr id="2" name="Título 1">
+            <a:extLst>
+              <a:ext uri="{FF2B5EF4-FFF2-40B4-BE49-F238E27FC236}">
+                <a16:creationId xmlns:a16="http://schemas.microsoft.com/office/drawing/2014/main" id="{347AA389-0EE5-77DA-73B5-8DEE92C77BBE}"/>
+              </a:ext>
+            </a:extLst>
+          </p:cNvPr>
+          <p:cNvSpPr>
+            <a:spLocks noGrp="1"/>
+          </p:cNvSpPr>
+          <p:nvPr>
+            <p:ph type="ctrTitle"/>
+          </p:nvPr>
+        </p:nvSpPr>
+        <p:spPr/>
+        <p:txBody>
+          <a:bodyPr>
+            <a:normAutofit fontScale="90000"/>
+          </a:bodyPr>
+          <a:lstStyle/>
+          <a:p>
+            <a:r>
+              <a:rPr lang="es-MX" dirty="0"/>
+              <a:t>Reconocimiento de estrés a partir de la actividad </a:t>
+            </a:r>
+            <a:r>
+              <a:rPr lang="es-MX" dirty="0" err="1"/>
+              <a:t>electrodérmica</a:t>
+            </a:r>
+            <a:r>
+              <a:rPr lang="es-MX" dirty="0"/>
+              <a:t> </a:t>
+            </a:r>
+          </a:p>
+        </p:txBody>
+      </p:sp>
+      <p:sp>
+        <p:nvSpPr>
+          <p:cNvPr id="3" name="Subtítulo 2">
+            <a:extLst>
+              <a:ext uri="{FF2B5EF4-FFF2-40B4-BE49-F238E27FC236}">
+                <a16:creationId xmlns:a16="http://schemas.microsoft.com/office/drawing/2014/main" id="{F9228650-74C2-7865-89A6-2E50E16BEB4D}"/>
+              </a:ext>
+            </a:extLst>
+          </p:cNvPr>
+          <p:cNvSpPr>
+            <a:spLocks noGrp="1"/>
+          </p:cNvSpPr>
+          <p:nvPr>
+            <p:ph type="subTitle" idx="1"/>
+          </p:nvPr>
+        </p:nvSpPr>
+        <p:spPr>
+          <a:xfrm>
+            <a:off x="1524000" y="4443286"/>
+            <a:ext cx="9144000" cy="1655762"/>
+          </a:xfrm>
+        </p:spPr>
+        <p:txBody>
+          <a:bodyPr/>
+          <a:lstStyle/>
+          <a:p>
+            <a:r>
+              <a:rPr lang="es-CL" dirty="0"/>
+              <a:t>Módulo: Taller Integrado de Ciencias de Datos</a:t>
+            </a:r>
+          </a:p>
+          <a:p>
+            <a:r>
+              <a:rPr lang="es-CL" dirty="0"/>
+              <a:t>Estudiante: Benjamín González</a:t>
+            </a:r>
+          </a:p>
+          <a:p>
+            <a:r>
+              <a:rPr lang="es-CL" dirty="0"/>
+              <a:t>Profesor: César Astudillo</a:t>
+            </a:r>
+            <a:endParaRPr lang="es-MX" dirty="0"/>
+          </a:p>
+        </p:txBody>
+      </p:sp>
     </p:spTree>
     <p:extLst>
       <p:ext uri="{BB962C8B-B14F-4D97-AF65-F5344CB8AC3E}">
@@ -4157,7 +3695,7 @@
         </p:blipFill>
         <p:spPr>
           <a:xfrm>
-            <a:off x="3693302" y="711181"/>
+            <a:off x="3693302" y="691517"/>
             <a:ext cx="4805396" cy="4096539"/>
           </a:xfrm>
           <a:prstGeom prst="rect">
@@ -4303,7 +3841,7 @@
             <p:ph idx="1"/>
             <p:extLst>
               <p:ext uri="{D42A27DB-BD31-4B8C-83A1-F6EECF244321}">
-                <p14:modId xmlns:p14="http://schemas.microsoft.com/office/powerpoint/2010/main" val="2979165362"/>
+                <p14:modId xmlns:p14="http://schemas.microsoft.com/office/powerpoint/2010/main" val="697505345"/>
               </p:ext>
             </p:extLst>
           </p:nvPr>
@@ -4316,7 +3854,7 @@
           <a:graphicData uri="http://schemas.openxmlformats.org/drawingml/2006/table">
             <a:tbl>
               <a:tblPr firstRow="1" bandRow="1">
-                <a:tableStyleId>{5C22544A-7EE6-4342-B048-85BDC9FD1C3A}</a:tableStyleId>
+                <a:tableStyleId>{5940675A-B579-460E-94D1-54222C63F5DA}</a:tableStyleId>
               </a:tblPr>
               <a:tblGrid>
                 <a:gridCol w="2305159">
@@ -4363,10 +3901,10 @@
                     <a:p>
                       <a:pPr algn="ctr" fontAlgn="ctr"/>
                       <a:r>
-                        <a:rPr lang="es-MX" sz="3000" u="none" strike="noStrike" dirty="0" err="1">
+                        <a:rPr lang="es-MX" sz="3000" u="none" strike="noStrike" dirty="0">
                           <a:effectLst/>
                         </a:rPr>
-                        <a:t>Model</a:t>
+                        <a:t>Modelo</a:t>
                       </a:r>
                       <a:endParaRPr lang="es-MX" sz="3000" b="1" i="0" u="none" strike="noStrike" dirty="0">
                         <a:solidFill>
@@ -4377,7 +3915,11 @@
                       </a:endParaRPr>
                     </a:p>
                   </a:txBody>
-                  <a:tcPr marL="20806" marR="20806" marT="20806" marB="0" anchor="ctr"/>
+                  <a:tcPr marL="20806" marR="20806" marT="20806" marB="0" anchor="ctr">
+                    <a:solidFill>
+                      <a:schemeClr val="bg1"/>
+                    </a:solidFill>
+                  </a:tcPr>
                 </a:tc>
                 <a:tc>
                   <a:txBody>
@@ -4386,12 +3928,18 @@
                     <a:p>
                       <a:pPr algn="ctr" fontAlgn="ctr"/>
                       <a:r>
-                        <a:rPr lang="es-MX" sz="3000" u="none" strike="noStrike">
+                        <a:rPr lang="es-MX" sz="3000" u="none" strike="noStrike" dirty="0" err="1">
                           <a:effectLst/>
                         </a:rPr>
-                        <a:t>VerBIO (Esperado)</a:t>
+                        <a:t>VerBIO</a:t>
                       </a:r>
-                      <a:endParaRPr lang="es-MX" sz="3000" b="1" i="0" u="none" strike="noStrike">
+                      <a:r>
+                        <a:rPr lang="es-MX" sz="3000" u="none" strike="noStrike" dirty="0">
+                          <a:effectLst/>
+                        </a:rPr>
+                        <a:t> (Referencia)</a:t>
+                      </a:r>
+                      <a:endParaRPr lang="es-MX" sz="3000" b="1" i="0" u="none" strike="noStrike" dirty="0">
                         <a:solidFill>
                           <a:srgbClr val="000000"/>
                         </a:solidFill>
@@ -4400,7 +3948,14 @@
                       </a:endParaRPr>
                     </a:p>
                   </a:txBody>
-                  <a:tcPr marL="20806" marR="20806" marT="20806" marB="0" anchor="ctr"/>
+                  <a:tcPr marL="20806" marR="20806" marT="20806" marB="0" anchor="ctr">
+                    <a:solidFill>
+                      <a:schemeClr val="accent6">
+                        <a:lumMod val="20000"/>
+                        <a:lumOff val="80000"/>
+                      </a:schemeClr>
+                    </a:solidFill>
+                  </a:tcPr>
                 </a:tc>
                 <a:tc>
                   <a:txBody>
@@ -4409,12 +3964,18 @@
                     <a:p>
                       <a:pPr algn="ctr" fontAlgn="ctr"/>
                       <a:r>
-                        <a:rPr lang="es-MX" sz="3000" u="none" strike="noStrike">
+                        <a:rPr lang="es-MX" sz="3000" u="none" strike="noStrike" dirty="0" err="1">
                           <a:effectLst/>
                         </a:rPr>
-                        <a:t>VerBIO (Obtenido)</a:t>
+                        <a:t>VerBIO</a:t>
                       </a:r>
-                      <a:endParaRPr lang="es-MX" sz="3000" b="1" i="0" u="none" strike="noStrike">
+                      <a:r>
+                        <a:rPr lang="es-MX" sz="3000" u="none" strike="noStrike" dirty="0">
+                          <a:effectLst/>
+                        </a:rPr>
+                        <a:t> (Obtenido)</a:t>
+                      </a:r>
+                      <a:endParaRPr lang="es-MX" sz="3000" b="1" i="0" u="none" strike="noStrike" dirty="0">
                         <a:solidFill>
                           <a:srgbClr val="000000"/>
                         </a:solidFill>
@@ -4423,7 +3984,14 @@
                       </a:endParaRPr>
                     </a:p>
                   </a:txBody>
-                  <a:tcPr marL="20806" marR="20806" marT="20806" marB="0" anchor="ctr"/>
+                  <a:tcPr marL="20806" marR="20806" marT="20806" marB="0" anchor="ctr">
+                    <a:solidFill>
+                      <a:schemeClr val="accent6">
+                        <a:lumMod val="20000"/>
+                        <a:lumOff val="80000"/>
+                      </a:schemeClr>
+                    </a:solidFill>
+                  </a:tcPr>
                 </a:tc>
                 <a:tc>
                   <a:txBody>
@@ -4432,12 +4000,12 @@
                     <a:p>
                       <a:pPr algn="ctr" fontAlgn="ctr"/>
                       <a:r>
-                        <a:rPr lang="es-MX" sz="3000" u="none" strike="noStrike">
+                        <a:rPr lang="es-MX" sz="3000" u="none" strike="noStrike" dirty="0">
                           <a:effectLst/>
                         </a:rPr>
-                        <a:t>WESAD (Esperado)</a:t>
+                        <a:t>WESAD (Referencia)</a:t>
                       </a:r>
-                      <a:endParaRPr lang="es-MX" sz="3000" b="1" i="0" u="none" strike="noStrike">
+                      <a:endParaRPr lang="es-MX" sz="3000" b="1" i="0" u="none" strike="noStrike" dirty="0">
                         <a:solidFill>
                           <a:srgbClr val="000000"/>
                         </a:solidFill>
@@ -4446,7 +4014,14 @@
                       </a:endParaRPr>
                     </a:p>
                   </a:txBody>
-                  <a:tcPr marL="20806" marR="20806" marT="20806" marB="0" anchor="ctr"/>
+                  <a:tcPr marL="20806" marR="20806" marT="20806" marB="0" anchor="ctr">
+                    <a:solidFill>
+                      <a:schemeClr val="accent6">
+                        <a:lumMod val="20000"/>
+                        <a:lumOff val="80000"/>
+                      </a:schemeClr>
+                    </a:solidFill>
+                  </a:tcPr>
                 </a:tc>
                 <a:tc>
                   <a:txBody>
@@ -4469,7 +4044,14 @@
                       </a:endParaRPr>
                     </a:p>
                   </a:txBody>
-                  <a:tcPr marL="20806" marR="20806" marT="20806" marB="0" anchor="ctr"/>
+                  <a:tcPr marL="20806" marR="20806" marT="20806" marB="0" anchor="ctr">
+                    <a:solidFill>
+                      <a:schemeClr val="accent6">
+                        <a:lumMod val="20000"/>
+                        <a:lumOff val="80000"/>
+                      </a:schemeClr>
+                    </a:solidFill>
+                  </a:tcPr>
                 </a:tc>
                 <a:extLst>
                   <a:ext uri="{0D108BD9-81ED-4DB2-BD59-A6C34878D82A}">
@@ -4485,12 +4067,12 @@
                     <a:p>
                       <a:pPr algn="l" fontAlgn="ctr"/>
                       <a:r>
-                        <a:rPr lang="es-MX" sz="3000" u="none" strike="noStrike">
+                        <a:rPr lang="es-MX" sz="3000" u="none" strike="noStrike" dirty="0">
                           <a:effectLst/>
                         </a:rPr>
                         <a:t>KNN</a:t>
                       </a:r>
-                      <a:endParaRPr lang="es-MX" sz="3000" b="1" i="0" u="none" strike="noStrike">
+                      <a:endParaRPr lang="es-MX" sz="3000" b="1" i="0" u="none" strike="noStrike" dirty="0">
                         <a:solidFill>
                           <a:srgbClr val="000000"/>
                         </a:solidFill>
@@ -4499,7 +4081,14 @@
                       </a:endParaRPr>
                     </a:p>
                   </a:txBody>
-                  <a:tcPr marL="20806" marR="20806" marT="20806" marB="0" anchor="ctr"/>
+                  <a:tcPr marL="20806" marR="20806" marT="20806" marB="0" anchor="ctr">
+                    <a:solidFill>
+                      <a:schemeClr val="accent4">
+                        <a:lumMod val="20000"/>
+                        <a:lumOff val="80000"/>
+                      </a:schemeClr>
+                    </a:solidFill>
+                  </a:tcPr>
                 </a:tc>
                 <a:tc>
                   <a:txBody>
@@ -4531,12 +4120,12 @@
                     <a:p>
                       <a:pPr algn="l" fontAlgn="ctr"/>
                       <a:r>
-                        <a:rPr lang="es-MX" sz="3000" u="none" strike="noStrike">
+                        <a:rPr lang="es-MX" sz="3000" u="none" strike="noStrike" dirty="0">
                           <a:effectLst/>
                         </a:rPr>
                         <a:t>0.670</a:t>
                       </a:r>
-                      <a:endParaRPr lang="es-MX" sz="3000" b="0" i="0" u="none" strike="noStrike">
+                      <a:endParaRPr lang="es-MX" sz="3000" b="0" i="0" u="none" strike="noStrike" dirty="0">
                         <a:solidFill>
                           <a:srgbClr val="000000"/>
                         </a:solidFill>
@@ -4577,12 +4166,12 @@
                     <a:p>
                       <a:pPr algn="l" fontAlgn="ctr"/>
                       <a:r>
-                        <a:rPr lang="es-MX" sz="3000" u="none" strike="noStrike">
+                        <a:rPr lang="es-MX" sz="3000" u="none" strike="noStrike" dirty="0">
                           <a:effectLst/>
                         </a:rPr>
                         <a:t>0.924</a:t>
                       </a:r>
-                      <a:endParaRPr lang="es-MX" sz="3000" b="0" i="0" u="none" strike="noStrike">
+                      <a:endParaRPr lang="es-MX" sz="3000" b="0" i="0" u="none" strike="noStrike" dirty="0">
                         <a:solidFill>
                           <a:srgbClr val="000000"/>
                         </a:solidFill>
@@ -4591,7 +4180,14 @@
                       </a:endParaRPr>
                     </a:p>
                   </a:txBody>
-                  <a:tcPr marL="20806" marR="20806" marT="20806" marB="0" anchor="ctr"/>
+                  <a:tcPr marL="20806" marR="20806" marT="20806" marB="0" anchor="ctr">
+                    <a:solidFill>
+                      <a:schemeClr val="accent6">
+                        <a:lumMod val="60000"/>
+                        <a:lumOff val="40000"/>
+                      </a:schemeClr>
+                    </a:solidFill>
+                  </a:tcPr>
                 </a:tc>
                 <a:extLst>
                   <a:ext uri="{0D108BD9-81ED-4DB2-BD59-A6C34878D82A}">
@@ -4607,12 +4203,18 @@
                     <a:p>
                       <a:pPr algn="l" fontAlgn="ctr"/>
                       <a:r>
-                        <a:rPr lang="es-MX" sz="3000" u="none" strike="noStrike">
+                        <a:rPr lang="es-MX" sz="3000" u="none" strike="noStrike" dirty="0" err="1">
                           <a:effectLst/>
                         </a:rPr>
-                        <a:t>Naive Bayes</a:t>
+                        <a:t>Naive</a:t>
                       </a:r>
-                      <a:endParaRPr lang="es-MX" sz="3000" b="1" i="0" u="none" strike="noStrike">
+                      <a:r>
+                        <a:rPr lang="es-MX" sz="3000" u="none" strike="noStrike" dirty="0">
+                          <a:effectLst/>
+                        </a:rPr>
+                        <a:t> Bayes</a:t>
+                      </a:r>
+                      <a:endParaRPr lang="es-MX" sz="3000" b="1" i="0" u="none" strike="noStrike" dirty="0">
                         <a:solidFill>
                           <a:srgbClr val="000000"/>
                         </a:solidFill>
@@ -4621,7 +4223,14 @@
                       </a:endParaRPr>
                     </a:p>
                   </a:txBody>
-                  <a:tcPr marL="20806" marR="20806" marT="20806" marB="0" anchor="ctr"/>
+                  <a:tcPr marL="20806" marR="20806" marT="20806" marB="0" anchor="ctr">
+                    <a:solidFill>
+                      <a:schemeClr val="accent4">
+                        <a:lumMod val="20000"/>
+                        <a:lumOff val="80000"/>
+                      </a:schemeClr>
+                    </a:solidFill>
+                  </a:tcPr>
                 </a:tc>
                 <a:tc>
                   <a:txBody>
@@ -4699,12 +4308,12 @@
                     <a:p>
                       <a:pPr algn="l" fontAlgn="ctr"/>
                       <a:r>
-                        <a:rPr lang="es-MX" sz="3000" u="none" strike="noStrike">
+                        <a:rPr lang="es-MX" sz="3000" u="none" strike="noStrike" dirty="0">
                           <a:effectLst/>
                         </a:rPr>
                         <a:t>0.821</a:t>
                       </a:r>
-                      <a:endParaRPr lang="es-MX" sz="3000" b="0" i="0" u="none" strike="noStrike">
+                      <a:endParaRPr lang="es-MX" sz="3000" b="0" i="0" u="none" strike="noStrike" dirty="0">
                         <a:solidFill>
                           <a:srgbClr val="000000"/>
                         </a:solidFill>
@@ -4713,7 +4322,14 @@
                       </a:endParaRPr>
                     </a:p>
                   </a:txBody>
-                  <a:tcPr marL="20806" marR="20806" marT="20806" marB="0" anchor="ctr"/>
+                  <a:tcPr marL="20806" marR="20806" marT="20806" marB="0" anchor="ctr">
+                    <a:solidFill>
+                      <a:schemeClr val="accent6">
+                        <a:lumMod val="60000"/>
+                        <a:lumOff val="40000"/>
+                      </a:schemeClr>
+                    </a:solidFill>
+                  </a:tcPr>
                 </a:tc>
                 <a:extLst>
                   <a:ext uri="{0D108BD9-81ED-4DB2-BD59-A6C34878D82A}">
@@ -4729,12 +4345,24 @@
                     <a:p>
                       <a:pPr algn="l" fontAlgn="ctr"/>
                       <a:r>
-                        <a:rPr lang="es-MX" sz="3000" u="none" strike="noStrike">
+                        <a:rPr lang="es-MX" sz="3000" u="none" strike="noStrike" dirty="0" err="1">
                           <a:effectLst/>
                         </a:rPr>
-                        <a:t>Logistic Regression</a:t>
+                        <a:t>Logistic</a:t>
                       </a:r>
-                      <a:endParaRPr lang="es-MX" sz="3000" b="1" i="0" u="none" strike="noStrike">
+                      <a:r>
+                        <a:rPr lang="es-MX" sz="3000" u="none" strike="noStrike" dirty="0">
+                          <a:effectLst/>
+                        </a:rPr>
+                        <a:t> </a:t>
+                      </a:r>
+                      <a:r>
+                        <a:rPr lang="es-MX" sz="3000" u="none" strike="noStrike" dirty="0" err="1">
+                          <a:effectLst/>
+                        </a:rPr>
+                        <a:t>Regression</a:t>
+                      </a:r>
+                      <a:endParaRPr lang="es-MX" sz="3000" b="1" i="0" u="none" strike="noStrike" dirty="0">
                         <a:solidFill>
                           <a:srgbClr val="000000"/>
                         </a:solidFill>
@@ -4743,7 +4371,14 @@
                       </a:endParaRPr>
                     </a:p>
                   </a:txBody>
-                  <a:tcPr marL="20806" marR="20806" marT="20806" marB="0" anchor="ctr"/>
+                  <a:tcPr marL="20806" marR="20806" marT="20806" marB="0" anchor="ctr">
+                    <a:solidFill>
+                      <a:schemeClr val="accent4">
+                        <a:lumMod val="20000"/>
+                        <a:lumOff val="80000"/>
+                      </a:schemeClr>
+                    </a:solidFill>
+                  </a:tcPr>
                 </a:tc>
                 <a:tc>
                   <a:txBody>
@@ -4821,12 +4456,12 @@
                     <a:p>
                       <a:pPr algn="l" fontAlgn="ctr"/>
                       <a:r>
-                        <a:rPr lang="es-MX" sz="3000" u="none" strike="noStrike">
+                        <a:rPr lang="es-MX" sz="3000" u="none" strike="noStrike" dirty="0">
                           <a:effectLst/>
                         </a:rPr>
                         <a:t>0.892</a:t>
                       </a:r>
-                      <a:endParaRPr lang="es-MX" sz="3000" b="0" i="0" u="none" strike="noStrike">
+                      <a:endParaRPr lang="es-MX" sz="3000" b="0" i="0" u="none" strike="noStrike" dirty="0">
                         <a:solidFill>
                           <a:srgbClr val="000000"/>
                         </a:solidFill>
@@ -4835,7 +4470,14 @@
                       </a:endParaRPr>
                     </a:p>
                   </a:txBody>
-                  <a:tcPr marL="20806" marR="20806" marT="20806" marB="0" anchor="ctr"/>
+                  <a:tcPr marL="20806" marR="20806" marT="20806" marB="0" anchor="ctr">
+                    <a:solidFill>
+                      <a:schemeClr val="accent6">
+                        <a:lumMod val="60000"/>
+                        <a:lumOff val="40000"/>
+                      </a:schemeClr>
+                    </a:solidFill>
+                  </a:tcPr>
                 </a:tc>
                 <a:extLst>
                   <a:ext uri="{0D108BD9-81ED-4DB2-BD59-A6C34878D82A}">
@@ -4851,12 +4493,18 @@
                     <a:p>
                       <a:pPr algn="l" fontAlgn="ctr"/>
                       <a:r>
-                        <a:rPr lang="es-MX" sz="3000" u="none" strike="noStrike">
+                        <a:rPr lang="es-MX" sz="3000" u="none" strike="noStrike" dirty="0" err="1">
                           <a:effectLst/>
                         </a:rPr>
-                        <a:t>Random Forest</a:t>
+                        <a:t>Random</a:t>
                       </a:r>
-                      <a:endParaRPr lang="es-MX" sz="3000" b="1" i="0" u="none" strike="noStrike">
+                      <a:r>
+                        <a:rPr lang="es-MX" sz="3000" u="none" strike="noStrike" dirty="0">
+                          <a:effectLst/>
+                        </a:rPr>
+                        <a:t> Forest</a:t>
+                      </a:r>
+                      <a:endParaRPr lang="es-MX" sz="3000" b="1" i="0" u="none" strike="noStrike" dirty="0">
                         <a:solidFill>
                           <a:srgbClr val="000000"/>
                         </a:solidFill>
@@ -4865,7 +4513,14 @@
                       </a:endParaRPr>
                     </a:p>
                   </a:txBody>
-                  <a:tcPr marL="20806" marR="20806" marT="20806" marB="0" anchor="ctr"/>
+                  <a:tcPr marL="20806" marR="20806" marT="20806" marB="0" anchor="ctr">
+                    <a:solidFill>
+                      <a:schemeClr val="accent4">
+                        <a:lumMod val="20000"/>
+                        <a:lumOff val="80000"/>
+                      </a:schemeClr>
+                    </a:solidFill>
+                  </a:tcPr>
                 </a:tc>
                 <a:tc>
                   <a:txBody>
@@ -4957,7 +4612,14 @@
                       </a:endParaRPr>
                     </a:p>
                   </a:txBody>
-                  <a:tcPr marL="20806" marR="20806" marT="20806" marB="0" anchor="ctr"/>
+                  <a:tcPr marL="20806" marR="20806" marT="20806" marB="0" anchor="ctr">
+                    <a:solidFill>
+                      <a:schemeClr val="accent6">
+                        <a:lumMod val="60000"/>
+                        <a:lumOff val="40000"/>
+                      </a:schemeClr>
+                    </a:solidFill>
+                  </a:tcPr>
                 </a:tc>
                 <a:extLst>
                   <a:ext uri="{0D108BD9-81ED-4DB2-BD59-A6C34878D82A}">
@@ -4973,12 +4635,12 @@
                     <a:p>
                       <a:pPr algn="l" fontAlgn="ctr"/>
                       <a:r>
-                        <a:rPr lang="es-MX" sz="3000" u="none" strike="noStrike">
+                        <a:rPr lang="es-MX" sz="3000" u="none" strike="noStrike" dirty="0">
                           <a:effectLst/>
                         </a:rPr>
                         <a:t>SVM</a:t>
                       </a:r>
-                      <a:endParaRPr lang="es-MX" sz="3000" b="1" i="0" u="none" strike="noStrike">
+                      <a:endParaRPr lang="es-MX" sz="3000" b="1" i="0" u="none" strike="noStrike" dirty="0">
                         <a:solidFill>
                           <a:srgbClr val="000000"/>
                         </a:solidFill>
@@ -4987,7 +4649,14 @@
                       </a:endParaRPr>
                     </a:p>
                   </a:txBody>
-                  <a:tcPr marL="20806" marR="20806" marT="20806" marB="0" anchor="ctr"/>
+                  <a:tcPr marL="20806" marR="20806" marT="20806" marB="0" anchor="ctr">
+                    <a:solidFill>
+                      <a:schemeClr val="accent4">
+                        <a:lumMod val="20000"/>
+                        <a:lumOff val="80000"/>
+                      </a:schemeClr>
+                    </a:solidFill>
+                  </a:tcPr>
                 </a:tc>
                 <a:tc>
                   <a:txBody>
@@ -5079,7 +4748,14 @@
                       </a:endParaRPr>
                     </a:p>
                   </a:txBody>
-                  <a:tcPr marL="20806" marR="20806" marT="20806" marB="0" anchor="ctr"/>
+                  <a:tcPr marL="20806" marR="20806" marT="20806" marB="0" anchor="ctr">
+                    <a:solidFill>
+                      <a:schemeClr val="accent6">
+                        <a:lumMod val="60000"/>
+                        <a:lumOff val="40000"/>
+                      </a:schemeClr>
+                    </a:solidFill>
+                  </a:tcPr>
                 </a:tc>
                 <a:extLst>
                   <a:ext uri="{0D108BD9-81ED-4DB2-BD59-A6C34878D82A}">
@@ -5319,66 +4995,6 @@
           <a:chExt cx="0" cy="0"/>
         </a:xfrm>
       </p:grpSpPr>
-      <p:sp useBgFill="1">
-        <p:nvSpPr>
-          <p:cNvPr id="10" name="Rectangle 9">
-            <a:extLst>
-              <a:ext uri="{FF2B5EF4-FFF2-40B4-BE49-F238E27FC236}">
-                <a16:creationId xmlns:a16="http://schemas.microsoft.com/office/drawing/2014/main" id="{52ABB703-2B0E-4C3B-B4A2-F3973548E561}"/>
-              </a:ext>
-              <a:ext uri="{C183D7F6-B498-43B3-948B-1728B52AA6E4}">
-                <adec:decorative xmlns:adec="http://schemas.microsoft.com/office/drawing/2017/decorative" val="1"/>
-              </a:ext>
-            </a:extLst>
-          </p:cNvPr>
-          <p:cNvSpPr>
-            <a:spLocks noGrp="1" noRot="1" noChangeAspect="1" noMove="1" noResize="1" noEditPoints="1" noAdjustHandles="1" noChangeArrowheads="1" noChangeShapeType="1" noTextEdit="1"/>
-          </p:cNvSpPr>
-          <p:nvPr>
-            <p:extLst>
-              <p:ext uri="{386F3935-93C4-4BCD-93E2-E3B085C9AB24}">
-                <p16:designElem xmlns:p16="http://schemas.microsoft.com/office/powerpoint/2015/main" val="1"/>
-              </p:ext>
-            </p:extLst>
-          </p:nvPr>
-        </p:nvSpPr>
-        <p:spPr>
-          <a:xfrm>
-            <a:off x="0" y="0"/>
-            <a:ext cx="12192001" cy="6334316"/>
-          </a:xfrm>
-          <a:prstGeom prst="rect">
-            <a:avLst/>
-          </a:prstGeom>
-          <a:ln>
-            <a:noFill/>
-          </a:ln>
-        </p:spPr>
-        <p:style>
-          <a:lnRef idx="2">
-            <a:schemeClr val="accent1">
-              <a:shade val="50000"/>
-            </a:schemeClr>
-          </a:lnRef>
-          <a:fillRef idx="1">
-            <a:schemeClr val="accent1"/>
-          </a:fillRef>
-          <a:effectRef idx="0">
-            <a:schemeClr val="accent1"/>
-          </a:effectRef>
-          <a:fontRef idx="minor">
-            <a:schemeClr val="lt1"/>
-          </a:fontRef>
-        </p:style>
-        <p:txBody>
-          <a:bodyPr rtlCol="0" anchor="ctr"/>
-          <a:lstStyle/>
-          <a:p>
-            <a:pPr algn="ctr"/>
-            <a:endParaRPr lang="en-US"/>
-          </a:p>
-        </p:txBody>
-      </p:sp>
       <p:sp>
         <p:nvSpPr>
           <p:cNvPr id="2" name="Título 1">
@@ -5410,6 +5026,49 @@
             <a:r>
               <a:rPr lang="es-MX" dirty="0"/>
               <a:t>EDA</a:t>
+            </a:r>
+          </a:p>
+        </p:txBody>
+      </p:sp>
+      <p:sp>
+        <p:nvSpPr>
+          <p:cNvPr id="3" name="Marcador de contenido 2">
+            <a:extLst>
+              <a:ext uri="{FF2B5EF4-FFF2-40B4-BE49-F238E27FC236}">
+                <a16:creationId xmlns:a16="http://schemas.microsoft.com/office/drawing/2014/main" id="{740989E2-F614-0BD5-75F6-38F838943BA7}"/>
+              </a:ext>
+            </a:extLst>
+          </p:cNvPr>
+          <p:cNvSpPr>
+            <a:spLocks noGrp="1"/>
+          </p:cNvSpPr>
+          <p:nvPr>
+            <p:ph idx="1"/>
+          </p:nvPr>
+        </p:nvSpPr>
+        <p:spPr>
+          <a:xfrm>
+            <a:off x="6411684" y="2198914"/>
+            <a:ext cx="5127172" cy="3670180"/>
+          </a:xfrm>
+        </p:spPr>
+        <p:txBody>
+          <a:bodyPr>
+            <a:normAutofit/>
+          </a:bodyPr>
+          <a:lstStyle/>
+          <a:p>
+            <a:r>
+              <a:rPr lang="es-MX" dirty="0"/>
+              <a:t>La actividad </a:t>
+            </a:r>
+            <a:r>
+              <a:rPr lang="es-MX" dirty="0" err="1"/>
+              <a:t>electrodermal</a:t>
+            </a:r>
+            <a:r>
+              <a:rPr lang="es-MX" dirty="0"/>
+              <a:t> (EDA, por sus siglas en inglés) es una medida de los cambios en la conductancia de la piel en respuesta a la actividad del sistema nervioso autónomo. </a:t>
             </a:r>
           </a:p>
         </p:txBody>
@@ -5444,229 +5103,6 @@
           </a:prstGeom>
         </p:spPr>
       </p:pic>
-      <p:cxnSp>
-        <p:nvCxnSpPr>
-          <p:cNvPr id="12" name="Straight Connector 11">
-            <a:extLst>
-              <a:ext uri="{FF2B5EF4-FFF2-40B4-BE49-F238E27FC236}">
-                <a16:creationId xmlns:a16="http://schemas.microsoft.com/office/drawing/2014/main" id="{9C21570E-E159-49A6-9891-FA397B7A92D3}"/>
-              </a:ext>
-              <a:ext uri="{C183D7F6-B498-43B3-948B-1728B52AA6E4}">
-                <adec:decorative xmlns:adec="http://schemas.microsoft.com/office/drawing/2017/decorative" val="1"/>
-              </a:ext>
-            </a:extLst>
-          </p:cNvPr>
-          <p:cNvCxnSpPr>
-            <a:cxnSpLocks noGrp="1" noRot="1" noChangeAspect="1" noMove="1" noResize="1" noEditPoints="1" noAdjustHandles="1" noChangeArrowheads="1" noChangeShapeType="1"/>
-          </p:cNvCxnSpPr>
-          <p:nvPr>
-            <p:extLst>
-              <p:ext uri="{386F3935-93C4-4BCD-93E2-E3B085C9AB24}">
-                <p16:designElem xmlns:p16="http://schemas.microsoft.com/office/powerpoint/2015/main" val="1"/>
-              </p:ext>
-            </p:extLst>
-          </p:nvPr>
-        </p:nvCxnSpPr>
-        <p:spPr>
-          <a:xfrm>
-            <a:off x="6411684" y="2086188"/>
-            <a:ext cx="4748808" cy="0"/>
-          </a:xfrm>
-          <a:prstGeom prst="line">
-            <a:avLst/>
-          </a:prstGeom>
-          <a:ln w="6350">
-            <a:solidFill>
-              <a:schemeClr val="tx1">
-                <a:lumMod val="50000"/>
-                <a:lumOff val="50000"/>
-                <a:alpha val="90000"/>
-              </a:schemeClr>
-            </a:solidFill>
-          </a:ln>
-        </p:spPr>
-        <p:style>
-          <a:lnRef idx="1">
-            <a:schemeClr val="accent1"/>
-          </a:lnRef>
-          <a:fillRef idx="0">
-            <a:schemeClr val="accent1"/>
-          </a:fillRef>
-          <a:effectRef idx="0">
-            <a:schemeClr val="accent1"/>
-          </a:effectRef>
-          <a:fontRef idx="minor">
-            <a:schemeClr val="tx1"/>
-          </a:fontRef>
-        </p:style>
-      </p:cxnSp>
-      <p:sp>
-        <p:nvSpPr>
-          <p:cNvPr id="3" name="Marcador de contenido 2">
-            <a:extLst>
-              <a:ext uri="{FF2B5EF4-FFF2-40B4-BE49-F238E27FC236}">
-                <a16:creationId xmlns:a16="http://schemas.microsoft.com/office/drawing/2014/main" id="{740989E2-F614-0BD5-75F6-38F838943BA7}"/>
-              </a:ext>
-            </a:extLst>
-          </p:cNvPr>
-          <p:cNvSpPr>
-            <a:spLocks noGrp="1"/>
-          </p:cNvSpPr>
-          <p:nvPr>
-            <p:ph idx="1"/>
-          </p:nvPr>
-        </p:nvSpPr>
-        <p:spPr>
-          <a:xfrm>
-            <a:off x="6411684" y="2198914"/>
-            <a:ext cx="5127172" cy="3670180"/>
-          </a:xfrm>
-        </p:spPr>
-        <p:txBody>
-          <a:bodyPr>
-            <a:normAutofit/>
-          </a:bodyPr>
-          <a:lstStyle/>
-          <a:p>
-            <a:r>
-              <a:rPr lang="es-MX" dirty="0"/>
-              <a:t>La actividad </a:t>
-            </a:r>
-            <a:r>
-              <a:rPr lang="es-MX" dirty="0" err="1"/>
-              <a:t>electrodermal</a:t>
-            </a:r>
-            <a:r>
-              <a:rPr lang="es-MX" dirty="0"/>
-              <a:t> (EDA, por sus siglas en inglés) es una medida de los cambios en la conductancia de la piel en respuesta a la actividad del sistema nervioso autónomo. </a:t>
-            </a:r>
-          </a:p>
-        </p:txBody>
-      </p:sp>
-      <p:sp>
-        <p:nvSpPr>
-          <p:cNvPr id="14" name="Rectangle 13">
-            <a:extLst>
-              <a:ext uri="{FF2B5EF4-FFF2-40B4-BE49-F238E27FC236}">
-                <a16:creationId xmlns:a16="http://schemas.microsoft.com/office/drawing/2014/main" id="{E95DA498-D9A2-4DA9-B9DA-B3776E08CF7E}"/>
-              </a:ext>
-              <a:ext uri="{C183D7F6-B498-43B3-948B-1728B52AA6E4}">
-                <adec:decorative xmlns:adec="http://schemas.microsoft.com/office/drawing/2017/decorative" val="1"/>
-              </a:ext>
-            </a:extLst>
-          </p:cNvPr>
-          <p:cNvSpPr>
-            <a:spLocks noGrp="1" noRot="1" noChangeAspect="1" noMove="1" noResize="1" noEditPoints="1" noAdjustHandles="1" noChangeArrowheads="1" noChangeShapeType="1" noTextEdit="1"/>
-          </p:cNvSpPr>
-          <p:nvPr>
-            <p:extLst>
-              <p:ext uri="{386F3935-93C4-4BCD-93E2-E3B085C9AB24}">
-                <p16:designElem xmlns:p16="http://schemas.microsoft.com/office/powerpoint/2015/main" val="1"/>
-              </p:ext>
-            </p:extLst>
-          </p:nvPr>
-        </p:nvSpPr>
-        <p:spPr>
-          <a:xfrm>
-            <a:off x="15" y="6334316"/>
-            <a:ext cx="12191985" cy="66484"/>
-          </a:xfrm>
-          <a:prstGeom prst="rect">
-            <a:avLst/>
-          </a:prstGeom>
-          <a:solidFill>
-            <a:schemeClr val="accent1"/>
-          </a:solidFill>
-          <a:ln>
-            <a:noFill/>
-          </a:ln>
-        </p:spPr>
-        <p:style>
-          <a:lnRef idx="2">
-            <a:schemeClr val="accent1">
-              <a:shade val="50000"/>
-            </a:schemeClr>
-          </a:lnRef>
-          <a:fillRef idx="1">
-            <a:schemeClr val="accent1"/>
-          </a:fillRef>
-          <a:effectRef idx="0">
-            <a:schemeClr val="accent1"/>
-          </a:effectRef>
-          <a:fontRef idx="minor">
-            <a:schemeClr val="lt1"/>
-          </a:fontRef>
-        </p:style>
-        <p:txBody>
-          <a:bodyPr/>
-          <a:lstStyle/>
-          <a:p>
-            <a:endParaRPr lang="es-MX"/>
-          </a:p>
-        </p:txBody>
-      </p:sp>
-      <p:sp>
-        <p:nvSpPr>
-          <p:cNvPr id="16" name="Rectangle 15">
-            <a:extLst>
-              <a:ext uri="{FF2B5EF4-FFF2-40B4-BE49-F238E27FC236}">
-                <a16:creationId xmlns:a16="http://schemas.microsoft.com/office/drawing/2014/main" id="{82A73093-4B9D-420D-B17E-52293703A1D4}"/>
-              </a:ext>
-              <a:ext uri="{C183D7F6-B498-43B3-948B-1728B52AA6E4}">
-                <adec:decorative xmlns:adec="http://schemas.microsoft.com/office/drawing/2017/decorative" val="1"/>
-              </a:ext>
-            </a:extLst>
-          </p:cNvPr>
-          <p:cNvSpPr>
-            <a:spLocks noGrp="1" noRot="1" noChangeAspect="1" noMove="1" noResize="1" noEditPoints="1" noAdjustHandles="1" noChangeArrowheads="1" noChangeShapeType="1" noTextEdit="1"/>
-          </p:cNvSpPr>
-          <p:nvPr>
-            <p:extLst>
-              <p:ext uri="{386F3935-93C4-4BCD-93E2-E3B085C9AB24}">
-                <p16:designElem xmlns:p16="http://schemas.microsoft.com/office/powerpoint/2015/main" val="1"/>
-              </p:ext>
-            </p:extLst>
-          </p:nvPr>
-        </p:nvSpPr>
-        <p:spPr>
-          <a:xfrm>
-            <a:off x="1" y="6400800"/>
-            <a:ext cx="12192000" cy="457200"/>
-          </a:xfrm>
-          <a:prstGeom prst="rect">
-            <a:avLst/>
-          </a:prstGeom>
-          <a:solidFill>
-            <a:schemeClr val="accent2"/>
-          </a:solidFill>
-          <a:ln>
-            <a:noFill/>
-          </a:ln>
-        </p:spPr>
-        <p:style>
-          <a:lnRef idx="2">
-            <a:schemeClr val="accent1">
-              <a:shade val="50000"/>
-            </a:schemeClr>
-          </a:lnRef>
-          <a:fillRef idx="1">
-            <a:schemeClr val="accent1"/>
-          </a:fillRef>
-          <a:effectRef idx="0">
-            <a:schemeClr val="accent1"/>
-          </a:effectRef>
-          <a:fontRef idx="minor">
-            <a:schemeClr val="lt1"/>
-          </a:fontRef>
-        </p:style>
-        <p:txBody>
-          <a:bodyPr/>
-          <a:lstStyle/>
-          <a:p>
-            <a:endParaRPr lang="es-MX"/>
-          </a:p>
-        </p:txBody>
-      </p:sp>
     </p:spTree>
     <p:extLst>
       <p:ext uri="{BB962C8B-B14F-4D97-AF65-F5344CB8AC3E}">
@@ -5750,8 +5186,8 @@
         </p:blipFill>
         <p:spPr>
           <a:xfrm>
-            <a:off x="3150167" y="1846263"/>
-            <a:ext cx="5951991" cy="4022725"/>
+            <a:off x="2876898" y="1825625"/>
+            <a:ext cx="6438204" cy="4351338"/>
           </a:xfrm>
         </p:spPr>
       </p:pic>
@@ -5839,7 +5275,7 @@
         <p:spPr/>
         <p:txBody>
           <a:bodyPr>
-            <a:normAutofit/>
+            <a:normAutofit fontScale="92500" lnSpcReduction="20000"/>
           </a:bodyPr>
           <a:lstStyle/>
           <a:p>
@@ -6225,9 +5661,6 @@
             </a:r>
           </a:p>
           <a:p>
-            <a:endParaRPr lang="es-MX" dirty="0"/>
-          </a:p>
-          <a:p>
             <a:r>
               <a:rPr lang="es-MX" dirty="0"/>
               <a:t>Se consideran las señales </a:t>
@@ -6247,15 +5680,6 @@
             <a:r>
               <a:rPr lang="es-MX" dirty="0"/>
               <a:t> E4 de los 36 participantes, en 8 sesiones.</a:t>
-            </a:r>
-          </a:p>
-          <a:p>
-            <a:endParaRPr lang="es-MX" dirty="0"/>
-          </a:p>
-          <a:p>
-            <a:r>
-              <a:rPr lang="es-MX" dirty="0"/>
-              <a:t>Tipos de biomarcadores: EDA, ECG y PPG.</a:t>
             </a:r>
           </a:p>
           <a:p>
@@ -6370,54 +5794,54 @@
 </file>
 
 <file path=ppt/theme/theme1.xml><?xml version="1.0" encoding="utf-8"?>
-<a:theme xmlns:a="http://schemas.openxmlformats.org/drawingml/2006/main" name="Retrospección">
+<a:theme xmlns:a="http://schemas.openxmlformats.org/drawingml/2006/main" name="Tema de Office">
   <a:themeElements>
-    <a:clrScheme name="Retrospección">
+    <a:clrScheme name="Office">
       <a:dk1>
-        <a:srgbClr val="000000"/>
+        <a:sysClr val="windowText" lastClr="000000"/>
       </a:dk1>
       <a:lt1>
         <a:sysClr val="window" lastClr="FFFFFF"/>
       </a:lt1>
       <a:dk2>
-        <a:srgbClr val="637052"/>
+        <a:srgbClr val="0E2841"/>
       </a:dk2>
       <a:lt2>
-        <a:srgbClr val="CCDDEA"/>
+        <a:srgbClr val="E8E8E8"/>
       </a:lt2>
       <a:accent1>
-        <a:srgbClr val="E48312"/>
+        <a:srgbClr val="156082"/>
       </a:accent1>
       <a:accent2>
-        <a:srgbClr val="BD582C"/>
+        <a:srgbClr val="E97132"/>
       </a:accent2>
       <a:accent3>
-        <a:srgbClr val="865640"/>
+        <a:srgbClr val="196B24"/>
       </a:accent3>
       <a:accent4>
-        <a:srgbClr val="9B8357"/>
+        <a:srgbClr val="0F9ED5"/>
       </a:accent4>
       <a:accent5>
-        <a:srgbClr val="C2BC80"/>
+        <a:srgbClr val="A02B93"/>
       </a:accent5>
       <a:accent6>
-        <a:srgbClr val="94A088"/>
+        <a:srgbClr val="4EA72E"/>
       </a:accent6>
       <a:hlink>
-        <a:srgbClr val="2998E3"/>
+        <a:srgbClr val="467886"/>
       </a:hlink>
       <a:folHlink>
-        <a:srgbClr val="8C8C8C"/>
+        <a:srgbClr val="96607D"/>
       </a:folHlink>
     </a:clrScheme>
-    <a:fontScheme name="Retrospección">
+    <a:fontScheme name="Office">
       <a:majorFont>
-        <a:latin typeface="Calibri Light" panose="020F0302020204030204"/>
+        <a:latin typeface="Aptos Display" panose="02110004020202020204"/>
         <a:ea typeface=""/>
         <a:cs typeface=""/>
-        <a:font script="Jpan" typeface="ＭＳ Ｐゴシック"/>
+        <a:font script="Jpan" typeface="游ゴシック Light"/>
         <a:font script="Hang" typeface="맑은 고딕"/>
-        <a:font script="Hans" typeface="宋体"/>
+        <a:font script="Hans" typeface="等线 Light"/>
         <a:font script="Hant" typeface="新細明體"/>
         <a:font script="Arab" typeface="Times New Roman"/>
         <a:font script="Hebr" typeface="Times New Roman"/>
@@ -6445,14 +5869,31 @@
         <a:font script="Viet" typeface="Times New Roman"/>
         <a:font script="Uigh" typeface="Microsoft Uighur"/>
         <a:font script="Geor" typeface="Sylfaen"/>
+        <a:font script="Armn" typeface="Arial"/>
+        <a:font script="Bugi" typeface="Leelawadee UI"/>
+        <a:font script="Bopo" typeface="Microsoft JhengHei"/>
+        <a:font script="Java" typeface="Javanese Text"/>
+        <a:font script="Lisu" typeface="Segoe UI"/>
+        <a:font script="Mymr" typeface="Myanmar Text"/>
+        <a:font script="Nkoo" typeface="Ebrima"/>
+        <a:font script="Olck" typeface="Nirmala UI"/>
+        <a:font script="Osma" typeface="Ebrima"/>
+        <a:font script="Phag" typeface="Phagspa"/>
+        <a:font script="Syrn" typeface="Estrangelo Edessa"/>
+        <a:font script="Syrj" typeface="Estrangelo Edessa"/>
+        <a:font script="Syre" typeface="Estrangelo Edessa"/>
+        <a:font script="Sora" typeface="Nirmala UI"/>
+        <a:font script="Tale" typeface="Microsoft Tai Le"/>
+        <a:font script="Talu" typeface="Microsoft New Tai Lue"/>
+        <a:font script="Tfng" typeface="Ebrima"/>
       </a:majorFont>
       <a:minorFont>
-        <a:latin typeface="Calibri" panose="020F0502020204030204"/>
+        <a:latin typeface="Aptos" panose="02110004020202020204"/>
         <a:ea typeface=""/>
         <a:cs typeface=""/>
-        <a:font script="Jpan" typeface="ＭＳ Ｐゴシック"/>
+        <a:font script="Jpan" typeface="游ゴシック"/>
         <a:font script="Hang" typeface="맑은 고딕"/>
-        <a:font script="Hans" typeface="宋体"/>
+        <a:font script="Hans" typeface="等线"/>
         <a:font script="Hant" typeface="新細明體"/>
         <a:font script="Arab" typeface="Arial"/>
         <a:font script="Hebr" typeface="Arial"/>
@@ -6480,9 +5921,26 @@
         <a:font script="Viet" typeface="Arial"/>
         <a:font script="Uigh" typeface="Microsoft Uighur"/>
         <a:font script="Geor" typeface="Sylfaen"/>
+        <a:font script="Armn" typeface="Arial"/>
+        <a:font script="Bugi" typeface="Leelawadee UI"/>
+        <a:font script="Bopo" typeface="Microsoft JhengHei"/>
+        <a:font script="Java" typeface="Javanese Text"/>
+        <a:font script="Lisu" typeface="Segoe UI"/>
+        <a:font script="Mymr" typeface="Myanmar Text"/>
+        <a:font script="Nkoo" typeface="Ebrima"/>
+        <a:font script="Olck" typeface="Nirmala UI"/>
+        <a:font script="Osma" typeface="Ebrima"/>
+        <a:font script="Phag" typeface="Phagspa"/>
+        <a:font script="Syrn" typeface="Estrangelo Edessa"/>
+        <a:font script="Syrj" typeface="Estrangelo Edessa"/>
+        <a:font script="Syre" typeface="Estrangelo Edessa"/>
+        <a:font script="Sora" typeface="Nirmala UI"/>
+        <a:font script="Tale" typeface="Microsoft Tai Le"/>
+        <a:font script="Talu" typeface="Microsoft New Tai Lue"/>
+        <a:font script="Tfng" typeface="Ebrima"/>
       </a:minorFont>
     </a:fontScheme>
-    <a:fmtScheme name="Retrospección">
+    <a:fmtScheme name="Office">
       <a:fillStyleLst>
         <a:solidFill>
           <a:schemeClr val="phClr"/>
@@ -6491,61 +5949,53 @@
           <a:gsLst>
             <a:gs pos="0">
               <a:schemeClr val="phClr">
-                <a:tint val="65000"/>
-                <a:shade val="92000"/>
-                <a:satMod val="130000"/>
+                <a:lumMod val="110000"/>
+                <a:satMod val="105000"/>
+                <a:tint val="67000"/>
               </a:schemeClr>
             </a:gs>
-            <a:gs pos="45000">
+            <a:gs pos="50000">
               <a:schemeClr val="phClr">
-                <a:tint val="60000"/>
-                <a:shade val="99000"/>
-                <a:satMod val="120000"/>
+                <a:lumMod val="105000"/>
+                <a:satMod val="103000"/>
+                <a:tint val="73000"/>
               </a:schemeClr>
             </a:gs>
             <a:gs pos="100000">
               <a:schemeClr val="phClr">
-                <a:tint val="55000"/>
-                <a:satMod val="140000"/>
+                <a:lumMod val="105000"/>
+                <a:satMod val="109000"/>
+                <a:tint val="81000"/>
               </a:schemeClr>
             </a:gs>
           </a:gsLst>
-          <a:path path="circle">
-            <a:fillToRect l="100000" t="100000" r="100000" b="100000"/>
-          </a:path>
+          <a:lin ang="5400000" scaled="0"/>
         </a:gradFill>
         <a:gradFill rotWithShape="1">
           <a:gsLst>
             <a:gs pos="0">
               <a:schemeClr val="phClr">
-                <a:shade val="85000"/>
-                <a:satMod val="130000"/>
+                <a:satMod val="103000"/>
+                <a:lumMod val="102000"/>
+                <a:tint val="94000"/>
               </a:schemeClr>
             </a:gs>
-            <a:gs pos="34000">
+            <a:gs pos="50000">
               <a:schemeClr val="phClr">
-                <a:shade val="87000"/>
-                <a:satMod val="125000"/>
-              </a:schemeClr>
-            </a:gs>
-            <a:gs pos="70000">
-              <a:schemeClr val="phClr">
-                <a:tint val="100000"/>
-                <a:shade val="90000"/>
-                <a:satMod val="130000"/>
+                <a:satMod val="110000"/>
+                <a:lumMod val="100000"/>
+                <a:shade val="100000"/>
               </a:schemeClr>
             </a:gs>
             <a:gs pos="100000">
               <a:schemeClr val="phClr">
-                <a:tint val="100000"/>
-                <a:shade val="100000"/>
-                <a:satMod val="110000"/>
+                <a:lumMod val="99000"/>
+                <a:satMod val="120000"/>
+                <a:shade val="78000"/>
               </a:schemeClr>
             </a:gs>
           </a:gsLst>
-          <a:path path="circle">
-            <a:fillToRect l="100000" t="100000" r="100000" b="100000"/>
-          </a:path>
+          <a:lin ang="5400000" scaled="0"/>
         </a:gradFill>
       </a:fillStyleLst>
       <a:lnStyleLst>
@@ -6554,18 +6004,21 @@
             <a:schemeClr val="phClr"/>
           </a:solidFill>
           <a:prstDash val="solid"/>
+          <a:miter lim="800000"/>
         </a:ln>
-        <a:ln w="15875" cap="flat" cmpd="sng" algn="ctr">
+        <a:ln w="19050" cap="flat" cmpd="sng" algn="ctr">
           <a:solidFill>
             <a:schemeClr val="phClr"/>
           </a:solidFill>
           <a:prstDash val="solid"/>
+          <a:miter lim="800000"/>
         </a:ln>
         <a:ln w="25400" cap="flat" cmpd="sng" algn="ctr">
           <a:solidFill>
             <a:schemeClr val="phClr"/>
           </a:solidFill>
           <a:prstDash val="solid"/>
+          <a:miter lim="800000"/>
         </a:ln>
       </a:lnStyleLst>
       <a:effectStyleLst>
@@ -6573,33 +6026,16 @@
           <a:effectLst/>
         </a:effectStyle>
         <a:effectStyle>
+          <a:effectLst/>
+        </a:effectStyle>
+        <a:effectStyle>
           <a:effectLst>
-            <a:outerShdw blurRad="38100" dist="25400" dir="2700000" algn="br" rotWithShape="0">
+            <a:outerShdw blurRad="57150" dist="19050" dir="5400000" algn="ctr" rotWithShape="0">
               <a:srgbClr val="000000">
-                <a:alpha val="60000"/>
+                <a:alpha val="63000"/>
               </a:srgbClr>
             </a:outerShdw>
           </a:effectLst>
-        </a:effectStyle>
-        <a:effectStyle>
-          <a:effectLst>
-            <a:outerShdw blurRad="44450" dist="25400" dir="2700000" algn="br" rotWithShape="0">
-              <a:srgbClr val="000000">
-                <a:alpha val="60000"/>
-              </a:srgbClr>
-            </a:outerShdw>
-          </a:effectLst>
-          <a:scene3d>
-            <a:camera prst="orthographicFront">
-              <a:rot lat="0" lon="0" rev="0"/>
-            </a:camera>
-            <a:lightRig rig="threePt" dir="t">
-              <a:rot lat="0" lon="0" rev="19800000"/>
-            </a:lightRig>
-          </a:scene3d>
-          <a:sp3d prstMaterial="flat">
-            <a:bevelT w="25400" h="31750"/>
-          </a:sp3d>
         </a:effectStyle>
       </a:effectStyleLst>
       <a:bgFillStyleLst>
@@ -6608,60 +6044,71 @@
         </a:solidFill>
         <a:solidFill>
           <a:schemeClr val="phClr">
-            <a:tint val="90000"/>
-            <a:shade val="97000"/>
-            <a:satMod val="130000"/>
+            <a:tint val="95000"/>
+            <a:satMod val="170000"/>
           </a:schemeClr>
         </a:solidFill>
         <a:gradFill rotWithShape="1">
           <a:gsLst>
             <a:gs pos="0">
               <a:schemeClr val="phClr">
-                <a:tint val="96000"/>
-                <a:shade val="99000"/>
-                <a:satMod val="140000"/>
+                <a:tint val="93000"/>
+                <a:satMod val="150000"/>
+                <a:shade val="98000"/>
+                <a:lumMod val="102000"/>
               </a:schemeClr>
             </a:gs>
-            <a:gs pos="65000">
+            <a:gs pos="50000">
               <a:schemeClr val="phClr">
-                <a:tint val="100000"/>
-                <a:shade val="80000"/>
+                <a:tint val="98000"/>
                 <a:satMod val="130000"/>
+                <a:shade val="90000"/>
+                <a:lumMod val="103000"/>
               </a:schemeClr>
             </a:gs>
             <a:gs pos="100000">
               <a:schemeClr val="phClr">
-                <a:tint val="100000"/>
-                <a:shade val="48000"/>
+                <a:shade val="63000"/>
                 <a:satMod val="120000"/>
               </a:schemeClr>
             </a:gs>
           </a:gsLst>
-          <a:lin ang="16200000" scaled="0"/>
+          <a:lin ang="5400000" scaled="0"/>
         </a:gradFill>
       </a:bgFillStyleLst>
     </a:fmtScheme>
   </a:themeElements>
-  <a:objectDefaults/>
+  <a:objectDefaults>
+    <a:lnDef>
+      <a:spPr/>
+      <a:bodyPr/>
+      <a:lstStyle/>
+      <a:style>
+        <a:lnRef idx="2">
+          <a:schemeClr val="accent1"/>
+        </a:lnRef>
+        <a:fillRef idx="0">
+          <a:schemeClr val="accent1"/>
+        </a:fillRef>
+        <a:effectRef idx="1">
+          <a:schemeClr val="accent1"/>
+        </a:effectRef>
+        <a:fontRef idx="minor">
+          <a:schemeClr val="tx1"/>
+        </a:fontRef>
+      </a:style>
+    </a:lnDef>
+  </a:objectDefaults>
   <a:extraClrSchemeLst/>
   <a:extLst>
     <a:ext uri="{05A4C25C-085E-4340-85A3-A5531E510DB2}">
-      <thm15:themeFamily xmlns:thm15="http://schemas.microsoft.com/office/thememl/2012/main" name="Retrospect" id="{5F128B03-DCCA-4EEB-AB3B-CF2899314A46}" vid="{3F1AAB62-24C6-49D2-8E01-B56FAC9A3DCD}"/>
+      <thm15:themeFamily xmlns:thm15="http://schemas.microsoft.com/office/thememl/2012/main" name="Office Theme" id="{2E142A2C-CD16-42D6-873A-C26D2A0506FA}" vid="{1BDDFF52-6CD6-40A5-AB3C-68EB2F1E4D0A}"/>
     </a:ext>
   </a:extLst>
 </a:theme>
 </file>
 
 <file path=customXml/item1.xml><?xml version="1.0" encoding="utf-8"?>
-<?mso-contentType ?>
-<FormTemplates xmlns="http://schemas.microsoft.com/sharepoint/v3/contenttype/forms">
-  <Display>DocumentLibraryForm</Display>
-  <Edit>DocumentLibraryForm</Edit>
-  <New>DocumentLibraryForm</New>
-</FormTemplates>
-</file>
-
-<file path=customXml/item2.xml><?xml version="1.0" encoding="utf-8"?>
 <ct:contentTypeSchema xmlns:ct="http://schemas.microsoft.com/office/2006/metadata/contentType" xmlns:ma="http://schemas.microsoft.com/office/2006/metadata/properties/metaAttributes" ct:_="" ma:_="" ma:contentTypeName="Document" ma:contentTypeID="0x010100EE95C05BA2176842AA89933525AAB734" ma:contentTypeVersion="17" ma:contentTypeDescription="Create a new document." ma:contentTypeScope="" ma:versionID="2175d1c027c30823f6df0f1787f2ff2b">
   <xsd:schema xmlns:xsd="http://www.w3.org/2001/XMLSchema" xmlns:xs="http://www.w3.org/2001/XMLSchema" xmlns:p="http://schemas.microsoft.com/office/2006/metadata/properties" xmlns:ns3="ce54ed9a-9d43-4abd-b7e8-34c5a4de4156" xmlns:ns4="61fc3e16-4a30-4c92-b7c5-0f042da08626" targetNamespace="http://schemas.microsoft.com/office/2006/metadata/properties" ma:root="true" ma:fieldsID="b7704b6ee8e89e22c404546b4fb1efb9" ns3:_="" ns4:_="">
     <xsd:import namespace="ce54ed9a-9d43-4abd-b7e8-34c5a4de4156"/>
@@ -6908,6 +6355,15 @@
 </ct:contentTypeSchema>
 </file>
 
+<file path=customXml/item2.xml><?xml version="1.0" encoding="utf-8"?>
+<?mso-contentType ?>
+<FormTemplates xmlns="http://schemas.microsoft.com/sharepoint/v3/contenttype/forms">
+  <Display>DocumentLibraryForm</Display>
+  <Edit>DocumentLibraryForm</Edit>
+  <New>DocumentLibraryForm</New>
+</FormTemplates>
+</file>
+
 <file path=customXml/item3.xml><?xml version="1.0" encoding="utf-8"?>
 <p:properties xmlns:p="http://schemas.microsoft.com/office/2006/metadata/properties" xmlns:xsi="http://www.w3.org/2001/XMLSchema-instance" xmlns:pc="http://schemas.microsoft.com/office/infopath/2007/PartnerControls">
   <documentManagement>
@@ -6917,14 +6373,6 @@
 </file>
 
 <file path=customXml/itemProps1.xml><?xml version="1.0" encoding="utf-8"?>
-<ds:datastoreItem xmlns:ds="http://schemas.openxmlformats.org/officeDocument/2006/customXml" ds:itemID="{F613EDB4-DA5F-44B3-A11B-E08B42455996}">
-  <ds:schemaRefs>
-    <ds:schemaRef ds:uri="http://schemas.microsoft.com/sharepoint/v3/contenttype/forms"/>
-  </ds:schemaRefs>
-</ds:datastoreItem>
-</file>
-
-<file path=customXml/itemProps2.xml><?xml version="1.0" encoding="utf-8"?>
 <ds:datastoreItem xmlns:ds="http://schemas.openxmlformats.org/officeDocument/2006/customXml" ds:itemID="{737D6FA4-13F9-4FE5-8F8D-AF7CB151A6E7}">
   <ds:schemaRefs>
     <ds:schemaRef ds:uri="http://schemas.microsoft.com/office/2006/metadata/contentType"/>
@@ -6939,6 +6387,14 @@
     <ds:schemaRef ds:uri="http://purl.org/dc/elements/1.1/"/>
     <ds:schemaRef ds:uri="http://purl.org/dc/terms/"/>
     <ds:schemaRef ds:uri="http://schemas.microsoft.com/internal/obd"/>
+  </ds:schemaRefs>
+</ds:datastoreItem>
+</file>
+
+<file path=customXml/itemProps2.xml><?xml version="1.0" encoding="utf-8"?>
+<ds:datastoreItem xmlns:ds="http://schemas.openxmlformats.org/officeDocument/2006/customXml" ds:itemID="{F613EDB4-DA5F-44B3-A11B-E08B42455996}">
+  <ds:schemaRefs>
+    <ds:schemaRef ds:uri="http://schemas.microsoft.com/sharepoint/v3/contenttype/forms"/>
   </ds:schemaRefs>
 </ds:datastoreItem>
 </file>
